--- a/LectureFiles/cshl/2016/RNASeq_Module1_Tutorial.pptx
+++ b/LectureFiles/cshl/2016/RNASeq_Module1_Tutorial.pptx
@@ -5,15 +5,25 @@
     <p:sldMasterId id="2147483648" r:id="rId1"/>
   </p:sldMasterIdLst>
   <p:notesMasterIdLst>
-    <p:notesMasterId r:id="rId5"/>
+    <p:notesMasterId r:id="rId15"/>
   </p:notesMasterIdLst>
   <p:handoutMasterIdLst>
-    <p:handoutMasterId r:id="rId6"/>
+    <p:handoutMasterId r:id="rId16"/>
   </p:handoutMasterIdLst>
   <p:sldIdLst>
     <p:sldId id="341" r:id="rId2"/>
     <p:sldId id="513" r:id="rId3"/>
-    <p:sldId id="512" r:id="rId4"/>
+    <p:sldId id="514" r:id="rId4"/>
+    <p:sldId id="515" r:id="rId5"/>
+    <p:sldId id="516" r:id="rId6"/>
+    <p:sldId id="517" r:id="rId7"/>
+    <p:sldId id="518" r:id="rId8"/>
+    <p:sldId id="519" r:id="rId9"/>
+    <p:sldId id="520" r:id="rId10"/>
+    <p:sldId id="521" r:id="rId11"/>
+    <p:sldId id="522" r:id="rId12"/>
+    <p:sldId id="523" r:id="rId13"/>
+    <p:sldId id="524" r:id="rId14"/>
   </p:sldIdLst>
   <p:sldSz cx="9144000" cy="6858000" type="screen4x3"/>
   <p:notesSz cx="7315200" cy="9601200"/>
@@ -144,7 +154,7 @@
   </p:defaultTextStyle>
   <p:extLst>
     <p:ext uri="{EFAFB233-063F-42B5-8137-9DF3F51BA10A}">
-      <p15:sldGuideLst xmlns:p15="http://schemas.microsoft.com/office/powerpoint/2012/main">
+      <p15:sldGuideLst xmlns:p15="http://schemas.microsoft.com/office/powerpoint/2012/main" xmlns="">
         <p15:guide id="1" orient="horz" pos="2160">
           <p15:clr>
             <a:srgbClr val="A4A3A4"/>
@@ -264,7 +274,7 @@
               <a:pPr>
                 <a:defRPr/>
               </a:pPr>
-              <a:t>11/10/16</a:t>
+              <a:t>11/14/16</a:t>
             </a:fld>
             <a:endParaRPr lang="en-US"/>
           </a:p>
@@ -471,7 +481,7 @@
               <a:pPr>
                 <a:defRPr/>
               </a:pPr>
-              <a:t>11/10/16</a:t>
+              <a:t>11/14/16</a:t>
             </a:fld>
             <a:endParaRPr lang="en-US"/>
           </a:p>
@@ -799,6 +809,1584 @@
 </p:notesMaster>
 </file>
 
+<file path=ppt/notesSlides/notesSlide1.xml><?xml version="1.0" encoding="utf-8"?>
+<p:notes xmlns:a="http://schemas.openxmlformats.org/drawingml/2006/main" xmlns:r="http://schemas.openxmlformats.org/officeDocument/2006/relationships" xmlns:p="http://schemas.openxmlformats.org/presentationml/2006/main">
+  <p:cSld>
+    <p:spTree>
+      <p:nvGrpSpPr>
+        <p:cNvPr id="1" name=""/>
+        <p:cNvGrpSpPr/>
+        <p:nvPr/>
+      </p:nvGrpSpPr>
+      <p:grpSpPr>
+        <a:xfrm>
+          <a:off x="0" y="0"/>
+          <a:ext cx="0" cy="0"/>
+          <a:chOff x="0" y="0"/>
+          <a:chExt cx="0" cy="0"/>
+        </a:xfrm>
+      </p:grpSpPr>
+      <p:sp>
+        <p:nvSpPr>
+          <p:cNvPr id="13313" name="Rectangle 7"/>
+          <p:cNvSpPr>
+            <a:spLocks noGrp="1" noChangeArrowheads="1"/>
+          </p:cNvSpPr>
+          <p:nvPr>
+            <p:ph type="sldNum" sz="quarter" idx="5"/>
+          </p:nvPr>
+        </p:nvSpPr>
+        <p:spPr bwMode="auto">
+          <a:noFill/>
+          <a:extLst>
+            <a:ext uri="{909E8E84-426E-40dd-AFC4-6F175D3DCCD1}">
+              <a14:hiddenFill xmlns:a14="http://schemas.microsoft.com/office/drawing/2010/main">
+                <a:solidFill>
+                  <a:srgbClr val="FFFFFF"/>
+                </a:solidFill>
+              </a14:hiddenFill>
+            </a:ext>
+            <a:ext uri="{91240B29-F687-4f45-9708-019B960494DF}">
+              <a14:hiddenLine xmlns:a14="http://schemas.microsoft.com/office/drawing/2010/main" w="9525">
+                <a:solidFill>
+                  <a:srgbClr val="000000"/>
+                </a:solidFill>
+                <a:miter lim="800000"/>
+                <a:headEnd/>
+                <a:tailEnd/>
+              </a14:hiddenLine>
+            </a:ext>
+          </a:extLst>
+        </p:spPr>
+        <p:txBody>
+          <a:bodyPr/>
+          <a:lstStyle>
+            <a:lvl1pPr eaLnBrk="0" hangingPunct="0">
+              <a:defRPr sz="2400">
+                <a:solidFill>
+                  <a:schemeClr val="tx1"/>
+                </a:solidFill>
+                <a:latin typeface="Arial" charset="0"/>
+                <a:ea typeface="ＭＳ Ｐゴシック" charset="0"/>
+                <a:cs typeface="ＭＳ Ｐゴシック" charset="0"/>
+              </a:defRPr>
+            </a:lvl1pPr>
+            <a:lvl2pPr marL="742950" indent="-285750" eaLnBrk="0" hangingPunct="0">
+              <a:defRPr sz="2400">
+                <a:solidFill>
+                  <a:schemeClr val="tx1"/>
+                </a:solidFill>
+                <a:latin typeface="Arial" charset="0"/>
+                <a:ea typeface="ＭＳ Ｐゴシック" charset="0"/>
+              </a:defRPr>
+            </a:lvl2pPr>
+            <a:lvl3pPr marL="1143000" indent="-228600" eaLnBrk="0" hangingPunct="0">
+              <a:defRPr sz="2400">
+                <a:solidFill>
+                  <a:schemeClr val="tx1"/>
+                </a:solidFill>
+                <a:latin typeface="Arial" charset="0"/>
+                <a:ea typeface="ＭＳ Ｐゴシック" charset="0"/>
+              </a:defRPr>
+            </a:lvl3pPr>
+            <a:lvl4pPr marL="1600200" indent="-228600" eaLnBrk="0" hangingPunct="0">
+              <a:defRPr sz="2400">
+                <a:solidFill>
+                  <a:schemeClr val="tx1"/>
+                </a:solidFill>
+                <a:latin typeface="Arial" charset="0"/>
+                <a:ea typeface="ＭＳ Ｐゴシック" charset="0"/>
+              </a:defRPr>
+            </a:lvl4pPr>
+            <a:lvl5pPr marL="2057400" indent="-228600" eaLnBrk="0" hangingPunct="0">
+              <a:defRPr sz="2400">
+                <a:solidFill>
+                  <a:schemeClr val="tx1"/>
+                </a:solidFill>
+                <a:latin typeface="Arial" charset="0"/>
+                <a:ea typeface="ＭＳ Ｐゴシック" charset="0"/>
+              </a:defRPr>
+            </a:lvl5pPr>
+            <a:lvl6pPr marL="2514600" indent="-228600" eaLnBrk="0" fontAlgn="base" hangingPunct="0">
+              <a:spcBef>
+                <a:spcPct val="0"/>
+              </a:spcBef>
+              <a:spcAft>
+                <a:spcPct val="0"/>
+              </a:spcAft>
+              <a:defRPr sz="2400">
+                <a:solidFill>
+                  <a:schemeClr val="tx1"/>
+                </a:solidFill>
+                <a:latin typeface="Arial" charset="0"/>
+                <a:ea typeface="ＭＳ Ｐゴシック" charset="0"/>
+              </a:defRPr>
+            </a:lvl6pPr>
+            <a:lvl7pPr marL="2971800" indent="-228600" eaLnBrk="0" fontAlgn="base" hangingPunct="0">
+              <a:spcBef>
+                <a:spcPct val="0"/>
+              </a:spcBef>
+              <a:spcAft>
+                <a:spcPct val="0"/>
+              </a:spcAft>
+              <a:defRPr sz="2400">
+                <a:solidFill>
+                  <a:schemeClr val="tx1"/>
+                </a:solidFill>
+                <a:latin typeface="Arial" charset="0"/>
+                <a:ea typeface="ＭＳ Ｐゴシック" charset="0"/>
+              </a:defRPr>
+            </a:lvl7pPr>
+            <a:lvl8pPr marL="3429000" indent="-228600" eaLnBrk="0" fontAlgn="base" hangingPunct="0">
+              <a:spcBef>
+                <a:spcPct val="0"/>
+              </a:spcBef>
+              <a:spcAft>
+                <a:spcPct val="0"/>
+              </a:spcAft>
+              <a:defRPr sz="2400">
+                <a:solidFill>
+                  <a:schemeClr val="tx1"/>
+                </a:solidFill>
+                <a:latin typeface="Arial" charset="0"/>
+                <a:ea typeface="ＭＳ Ｐゴシック" charset="0"/>
+              </a:defRPr>
+            </a:lvl8pPr>
+            <a:lvl9pPr marL="3886200" indent="-228600" eaLnBrk="0" fontAlgn="base" hangingPunct="0">
+              <a:spcBef>
+                <a:spcPct val="0"/>
+              </a:spcBef>
+              <a:spcAft>
+                <a:spcPct val="0"/>
+              </a:spcAft>
+              <a:defRPr sz="2400">
+                <a:solidFill>
+                  <a:schemeClr val="tx1"/>
+                </a:solidFill>
+                <a:latin typeface="Arial" charset="0"/>
+                <a:ea typeface="ＭＳ Ｐゴシック" charset="0"/>
+              </a:defRPr>
+            </a:lvl9pPr>
+          </a:lstStyle>
+          <a:p>
+            <a:pPr eaLnBrk="1" hangingPunct="1"/>
+            <a:fld id="{0E51A8D5-9BC5-F14F-8C4D-C62295DED194}" type="slidenum">
+              <a:rPr lang="en-US" sz="1300">
+                <a:latin typeface="Calibri" charset="0"/>
+              </a:rPr>
+              <a:pPr eaLnBrk="1" hangingPunct="1"/>
+              <a:t>3</a:t>
+            </a:fld>
+            <a:endParaRPr lang="en-US" sz="1300">
+              <a:latin typeface="Calibri" charset="0"/>
+            </a:endParaRPr>
+          </a:p>
+        </p:txBody>
+      </p:sp>
+      <p:sp>
+        <p:nvSpPr>
+          <p:cNvPr id="13314" name="Rectangle 2"/>
+          <p:cNvSpPr>
+            <a:spLocks noGrp="1" noRot="1" noChangeAspect="1" noChangeArrowheads="1" noTextEdit="1"/>
+          </p:cNvSpPr>
+          <p:nvPr>
+            <p:ph type="sldImg"/>
+          </p:nvPr>
+        </p:nvSpPr>
+        <p:spPr bwMode="auto">
+          <a:solidFill>
+            <a:srgbClr val="FFFFFF"/>
+          </a:solidFill>
+          <a:ln>
+            <a:solidFill>
+              <a:srgbClr val="000000"/>
+            </a:solidFill>
+            <a:miter lim="800000"/>
+            <a:headEnd/>
+            <a:tailEnd/>
+          </a:ln>
+          <a:extLst>
+            <a:ext uri="{FAA26D3D-D897-4be2-8F04-BA451C77F1D7}">
+              <ma14:placeholderFlag xmlns:ma14="http://schemas.microsoft.com/office/mac/drawingml/2011/main" val="1"/>
+            </a:ext>
+          </a:extLst>
+        </p:spPr>
+      </p:sp>
+      <p:sp>
+        <p:nvSpPr>
+          <p:cNvPr id="13315" name="Rectangle 3"/>
+          <p:cNvSpPr>
+            <a:spLocks noGrp="1" noChangeArrowheads="1"/>
+          </p:cNvSpPr>
+          <p:nvPr>
+            <p:ph type="body" idx="1"/>
+          </p:nvPr>
+        </p:nvSpPr>
+        <p:spPr bwMode="auto">
+          <a:solidFill>
+            <a:srgbClr val="FFFFFF"/>
+          </a:solidFill>
+          <a:ln>
+            <a:solidFill>
+              <a:srgbClr val="000000"/>
+            </a:solidFill>
+            <a:miter lim="800000"/>
+            <a:headEnd/>
+            <a:tailEnd/>
+          </a:ln>
+          <a:extLst>
+            <a:ext uri="{FAA26D3D-D897-4be2-8F04-BA451C77F1D7}">
+              <ma14:placeholderFlag xmlns:ma14="http://schemas.microsoft.com/office/mac/drawingml/2011/main" val="1"/>
+            </a:ext>
+          </a:extLst>
+        </p:spPr>
+        <p:txBody>
+          <a:bodyPr wrap="square" numCol="1" anchor="t" anchorCtr="0" compatLnSpc="1">
+            <a:prstTxWarp prst="textNoShape">
+              <a:avLst/>
+            </a:prstTxWarp>
+          </a:bodyPr>
+          <a:lstStyle/>
+          <a:p>
+            <a:pPr eaLnBrk="1" hangingPunct="1"/>
+            <a:endParaRPr lang="en-US">
+              <a:latin typeface="Calibri" charset="0"/>
+              <a:ea typeface="ＭＳ Ｐゴシック" charset="0"/>
+              <a:cs typeface="ＭＳ Ｐゴシック" charset="0"/>
+            </a:endParaRPr>
+          </a:p>
+        </p:txBody>
+      </p:sp>
+    </p:spTree>
+  </p:cSld>
+  <p:clrMapOvr>
+    <a:masterClrMapping/>
+  </p:clrMapOvr>
+</p:notes>
+</file>
+
+<file path=ppt/notesSlides/notesSlide2.xml><?xml version="1.0" encoding="utf-8"?>
+<p:notes xmlns:a="http://schemas.openxmlformats.org/drawingml/2006/main" xmlns:r="http://schemas.openxmlformats.org/officeDocument/2006/relationships" xmlns:p="http://schemas.openxmlformats.org/presentationml/2006/main">
+  <p:cSld>
+    <p:spTree>
+      <p:nvGrpSpPr>
+        <p:cNvPr id="1" name=""/>
+        <p:cNvGrpSpPr/>
+        <p:nvPr/>
+      </p:nvGrpSpPr>
+      <p:grpSpPr>
+        <a:xfrm>
+          <a:off x="0" y="0"/>
+          <a:ext cx="0" cy="0"/>
+          <a:chOff x="0" y="0"/>
+          <a:chExt cx="0" cy="0"/>
+        </a:xfrm>
+      </p:grpSpPr>
+      <p:sp>
+        <p:nvSpPr>
+          <p:cNvPr id="18433" name="Rectangle 7"/>
+          <p:cNvSpPr>
+            <a:spLocks noGrp="1" noChangeArrowheads="1"/>
+          </p:cNvSpPr>
+          <p:nvPr>
+            <p:ph type="sldNum" sz="quarter" idx="5"/>
+          </p:nvPr>
+        </p:nvSpPr>
+        <p:spPr bwMode="auto">
+          <a:noFill/>
+          <a:extLst>
+            <a:ext uri="{909E8E84-426E-40dd-AFC4-6F175D3DCCD1}">
+              <a14:hiddenFill xmlns:a14="http://schemas.microsoft.com/office/drawing/2010/main">
+                <a:solidFill>
+                  <a:srgbClr val="FFFFFF"/>
+                </a:solidFill>
+              </a14:hiddenFill>
+            </a:ext>
+            <a:ext uri="{91240B29-F687-4f45-9708-019B960494DF}">
+              <a14:hiddenLine xmlns:a14="http://schemas.microsoft.com/office/drawing/2010/main" w="9525">
+                <a:solidFill>
+                  <a:srgbClr val="000000"/>
+                </a:solidFill>
+                <a:miter lim="800000"/>
+                <a:headEnd/>
+                <a:tailEnd/>
+              </a14:hiddenLine>
+            </a:ext>
+          </a:extLst>
+        </p:spPr>
+        <p:txBody>
+          <a:bodyPr/>
+          <a:lstStyle>
+            <a:lvl1pPr eaLnBrk="0" hangingPunct="0">
+              <a:defRPr sz="2400">
+                <a:solidFill>
+                  <a:schemeClr val="tx1"/>
+                </a:solidFill>
+                <a:latin typeface="Arial" charset="0"/>
+                <a:ea typeface="ＭＳ Ｐゴシック" charset="0"/>
+                <a:cs typeface="ＭＳ Ｐゴシック" charset="0"/>
+              </a:defRPr>
+            </a:lvl1pPr>
+            <a:lvl2pPr marL="742950" indent="-285750" eaLnBrk="0" hangingPunct="0">
+              <a:defRPr sz="2400">
+                <a:solidFill>
+                  <a:schemeClr val="tx1"/>
+                </a:solidFill>
+                <a:latin typeface="Arial" charset="0"/>
+                <a:ea typeface="ＭＳ Ｐゴシック" charset="0"/>
+              </a:defRPr>
+            </a:lvl2pPr>
+            <a:lvl3pPr marL="1143000" indent="-228600" eaLnBrk="0" hangingPunct="0">
+              <a:defRPr sz="2400">
+                <a:solidFill>
+                  <a:schemeClr val="tx1"/>
+                </a:solidFill>
+                <a:latin typeface="Arial" charset="0"/>
+                <a:ea typeface="ＭＳ Ｐゴシック" charset="0"/>
+              </a:defRPr>
+            </a:lvl3pPr>
+            <a:lvl4pPr marL="1600200" indent="-228600" eaLnBrk="0" hangingPunct="0">
+              <a:defRPr sz="2400">
+                <a:solidFill>
+                  <a:schemeClr val="tx1"/>
+                </a:solidFill>
+                <a:latin typeface="Arial" charset="0"/>
+                <a:ea typeface="ＭＳ Ｐゴシック" charset="0"/>
+              </a:defRPr>
+            </a:lvl4pPr>
+            <a:lvl5pPr marL="2057400" indent="-228600" eaLnBrk="0" hangingPunct="0">
+              <a:defRPr sz="2400">
+                <a:solidFill>
+                  <a:schemeClr val="tx1"/>
+                </a:solidFill>
+                <a:latin typeface="Arial" charset="0"/>
+                <a:ea typeface="ＭＳ Ｐゴシック" charset="0"/>
+              </a:defRPr>
+            </a:lvl5pPr>
+            <a:lvl6pPr marL="2514600" indent="-228600" eaLnBrk="0" fontAlgn="base" hangingPunct="0">
+              <a:spcBef>
+                <a:spcPct val="0"/>
+              </a:spcBef>
+              <a:spcAft>
+                <a:spcPct val="0"/>
+              </a:spcAft>
+              <a:defRPr sz="2400">
+                <a:solidFill>
+                  <a:schemeClr val="tx1"/>
+                </a:solidFill>
+                <a:latin typeface="Arial" charset="0"/>
+                <a:ea typeface="ＭＳ Ｐゴシック" charset="0"/>
+              </a:defRPr>
+            </a:lvl6pPr>
+            <a:lvl7pPr marL="2971800" indent="-228600" eaLnBrk="0" fontAlgn="base" hangingPunct="0">
+              <a:spcBef>
+                <a:spcPct val="0"/>
+              </a:spcBef>
+              <a:spcAft>
+                <a:spcPct val="0"/>
+              </a:spcAft>
+              <a:defRPr sz="2400">
+                <a:solidFill>
+                  <a:schemeClr val="tx1"/>
+                </a:solidFill>
+                <a:latin typeface="Arial" charset="0"/>
+                <a:ea typeface="ＭＳ Ｐゴシック" charset="0"/>
+              </a:defRPr>
+            </a:lvl7pPr>
+            <a:lvl8pPr marL="3429000" indent="-228600" eaLnBrk="0" fontAlgn="base" hangingPunct="0">
+              <a:spcBef>
+                <a:spcPct val="0"/>
+              </a:spcBef>
+              <a:spcAft>
+                <a:spcPct val="0"/>
+              </a:spcAft>
+              <a:defRPr sz="2400">
+                <a:solidFill>
+                  <a:schemeClr val="tx1"/>
+                </a:solidFill>
+                <a:latin typeface="Arial" charset="0"/>
+                <a:ea typeface="ＭＳ Ｐゴシック" charset="0"/>
+              </a:defRPr>
+            </a:lvl8pPr>
+            <a:lvl9pPr marL="3886200" indent="-228600" eaLnBrk="0" fontAlgn="base" hangingPunct="0">
+              <a:spcBef>
+                <a:spcPct val="0"/>
+              </a:spcBef>
+              <a:spcAft>
+                <a:spcPct val="0"/>
+              </a:spcAft>
+              <a:defRPr sz="2400">
+                <a:solidFill>
+                  <a:schemeClr val="tx1"/>
+                </a:solidFill>
+                <a:latin typeface="Arial" charset="0"/>
+                <a:ea typeface="ＭＳ Ｐゴシック" charset="0"/>
+              </a:defRPr>
+            </a:lvl9pPr>
+          </a:lstStyle>
+          <a:p>
+            <a:pPr eaLnBrk="1" hangingPunct="1"/>
+            <a:fld id="{F6271809-7141-684F-B699-A869FCFB5E99}" type="slidenum">
+              <a:rPr lang="en-US" sz="1300">
+                <a:latin typeface="Calibri" charset="0"/>
+              </a:rPr>
+              <a:pPr eaLnBrk="1" hangingPunct="1"/>
+              <a:t>6</a:t>
+            </a:fld>
+            <a:endParaRPr lang="en-US" sz="1300">
+              <a:latin typeface="Calibri" charset="0"/>
+            </a:endParaRPr>
+          </a:p>
+        </p:txBody>
+      </p:sp>
+      <p:sp>
+        <p:nvSpPr>
+          <p:cNvPr id="18434" name="Rectangle 2"/>
+          <p:cNvSpPr>
+            <a:spLocks noGrp="1" noRot="1" noChangeAspect="1" noChangeArrowheads="1" noTextEdit="1"/>
+          </p:cNvSpPr>
+          <p:nvPr>
+            <p:ph type="sldImg"/>
+          </p:nvPr>
+        </p:nvSpPr>
+        <p:spPr bwMode="auto">
+          <a:solidFill>
+            <a:srgbClr val="FFFFFF"/>
+          </a:solidFill>
+          <a:ln>
+            <a:solidFill>
+              <a:srgbClr val="000000"/>
+            </a:solidFill>
+            <a:miter lim="800000"/>
+            <a:headEnd/>
+            <a:tailEnd/>
+          </a:ln>
+          <a:extLst>
+            <a:ext uri="{FAA26D3D-D897-4be2-8F04-BA451C77F1D7}">
+              <ma14:placeholderFlag xmlns:ma14="http://schemas.microsoft.com/office/mac/drawingml/2011/main" val="1"/>
+            </a:ext>
+          </a:extLst>
+        </p:spPr>
+      </p:sp>
+      <p:sp>
+        <p:nvSpPr>
+          <p:cNvPr id="18435" name="Rectangle 3"/>
+          <p:cNvSpPr>
+            <a:spLocks noGrp="1" noChangeArrowheads="1"/>
+          </p:cNvSpPr>
+          <p:nvPr>
+            <p:ph type="body" idx="1"/>
+          </p:nvPr>
+        </p:nvSpPr>
+        <p:spPr bwMode="auto">
+          <a:solidFill>
+            <a:srgbClr val="FFFFFF"/>
+          </a:solidFill>
+          <a:ln>
+            <a:solidFill>
+              <a:srgbClr val="000000"/>
+            </a:solidFill>
+            <a:miter lim="800000"/>
+            <a:headEnd/>
+            <a:tailEnd/>
+          </a:ln>
+          <a:extLst>
+            <a:ext uri="{FAA26D3D-D897-4be2-8F04-BA451C77F1D7}">
+              <ma14:placeholderFlag xmlns:ma14="http://schemas.microsoft.com/office/mac/drawingml/2011/main" val="1"/>
+            </a:ext>
+          </a:extLst>
+        </p:spPr>
+        <p:txBody>
+          <a:bodyPr wrap="square" numCol="1" anchor="t" anchorCtr="0" compatLnSpc="1">
+            <a:prstTxWarp prst="textNoShape">
+              <a:avLst/>
+            </a:prstTxWarp>
+          </a:bodyPr>
+          <a:lstStyle/>
+          <a:p>
+            <a:pPr eaLnBrk="1" hangingPunct="1"/>
+            <a:endParaRPr lang="en-US">
+              <a:latin typeface="Calibri" charset="0"/>
+              <a:ea typeface="ＭＳ Ｐゴシック" charset="0"/>
+              <a:cs typeface="ＭＳ Ｐゴシック" charset="0"/>
+            </a:endParaRPr>
+          </a:p>
+        </p:txBody>
+      </p:sp>
+    </p:spTree>
+  </p:cSld>
+  <p:clrMapOvr>
+    <a:masterClrMapping/>
+  </p:clrMapOvr>
+</p:notes>
+</file>
+
+<file path=ppt/notesSlides/notesSlide3.xml><?xml version="1.0" encoding="utf-8"?>
+<p:notes xmlns:a="http://schemas.openxmlformats.org/drawingml/2006/main" xmlns:r="http://schemas.openxmlformats.org/officeDocument/2006/relationships" xmlns:p="http://schemas.openxmlformats.org/presentationml/2006/main">
+  <p:cSld>
+    <p:spTree>
+      <p:nvGrpSpPr>
+        <p:cNvPr id="1" name=""/>
+        <p:cNvGrpSpPr/>
+        <p:nvPr/>
+      </p:nvGrpSpPr>
+      <p:grpSpPr>
+        <a:xfrm>
+          <a:off x="0" y="0"/>
+          <a:ext cx="0" cy="0"/>
+          <a:chOff x="0" y="0"/>
+          <a:chExt cx="0" cy="0"/>
+        </a:xfrm>
+      </p:grpSpPr>
+      <p:sp>
+        <p:nvSpPr>
+          <p:cNvPr id="20481" name="Rectangle 7"/>
+          <p:cNvSpPr>
+            <a:spLocks noGrp="1" noChangeArrowheads="1"/>
+          </p:cNvSpPr>
+          <p:nvPr>
+            <p:ph type="sldNum" sz="quarter" idx="5"/>
+          </p:nvPr>
+        </p:nvSpPr>
+        <p:spPr bwMode="auto">
+          <a:noFill/>
+          <a:extLst>
+            <a:ext uri="{909E8E84-426E-40dd-AFC4-6F175D3DCCD1}">
+              <a14:hiddenFill xmlns:a14="http://schemas.microsoft.com/office/drawing/2010/main">
+                <a:solidFill>
+                  <a:srgbClr val="FFFFFF"/>
+                </a:solidFill>
+              </a14:hiddenFill>
+            </a:ext>
+            <a:ext uri="{91240B29-F687-4f45-9708-019B960494DF}">
+              <a14:hiddenLine xmlns:a14="http://schemas.microsoft.com/office/drawing/2010/main" w="9525">
+                <a:solidFill>
+                  <a:srgbClr val="000000"/>
+                </a:solidFill>
+                <a:miter lim="800000"/>
+                <a:headEnd/>
+                <a:tailEnd/>
+              </a14:hiddenLine>
+            </a:ext>
+          </a:extLst>
+        </p:spPr>
+        <p:txBody>
+          <a:bodyPr/>
+          <a:lstStyle>
+            <a:lvl1pPr eaLnBrk="0" hangingPunct="0">
+              <a:defRPr sz="2400">
+                <a:solidFill>
+                  <a:schemeClr val="tx1"/>
+                </a:solidFill>
+                <a:latin typeface="Arial" charset="0"/>
+                <a:ea typeface="ＭＳ Ｐゴシック" charset="0"/>
+                <a:cs typeface="ＭＳ Ｐゴシック" charset="0"/>
+              </a:defRPr>
+            </a:lvl1pPr>
+            <a:lvl2pPr marL="742950" indent="-285750" eaLnBrk="0" hangingPunct="0">
+              <a:defRPr sz="2400">
+                <a:solidFill>
+                  <a:schemeClr val="tx1"/>
+                </a:solidFill>
+                <a:latin typeface="Arial" charset="0"/>
+                <a:ea typeface="ＭＳ Ｐゴシック" charset="0"/>
+              </a:defRPr>
+            </a:lvl2pPr>
+            <a:lvl3pPr marL="1143000" indent="-228600" eaLnBrk="0" hangingPunct="0">
+              <a:defRPr sz="2400">
+                <a:solidFill>
+                  <a:schemeClr val="tx1"/>
+                </a:solidFill>
+                <a:latin typeface="Arial" charset="0"/>
+                <a:ea typeface="ＭＳ Ｐゴシック" charset="0"/>
+              </a:defRPr>
+            </a:lvl3pPr>
+            <a:lvl4pPr marL="1600200" indent="-228600" eaLnBrk="0" hangingPunct="0">
+              <a:defRPr sz="2400">
+                <a:solidFill>
+                  <a:schemeClr val="tx1"/>
+                </a:solidFill>
+                <a:latin typeface="Arial" charset="0"/>
+                <a:ea typeface="ＭＳ Ｐゴシック" charset="0"/>
+              </a:defRPr>
+            </a:lvl4pPr>
+            <a:lvl5pPr marL="2057400" indent="-228600" eaLnBrk="0" hangingPunct="0">
+              <a:defRPr sz="2400">
+                <a:solidFill>
+                  <a:schemeClr val="tx1"/>
+                </a:solidFill>
+                <a:latin typeface="Arial" charset="0"/>
+                <a:ea typeface="ＭＳ Ｐゴシック" charset="0"/>
+              </a:defRPr>
+            </a:lvl5pPr>
+            <a:lvl6pPr marL="2514600" indent="-228600" eaLnBrk="0" fontAlgn="base" hangingPunct="0">
+              <a:spcBef>
+                <a:spcPct val="0"/>
+              </a:spcBef>
+              <a:spcAft>
+                <a:spcPct val="0"/>
+              </a:spcAft>
+              <a:defRPr sz="2400">
+                <a:solidFill>
+                  <a:schemeClr val="tx1"/>
+                </a:solidFill>
+                <a:latin typeface="Arial" charset="0"/>
+                <a:ea typeface="ＭＳ Ｐゴシック" charset="0"/>
+              </a:defRPr>
+            </a:lvl6pPr>
+            <a:lvl7pPr marL="2971800" indent="-228600" eaLnBrk="0" fontAlgn="base" hangingPunct="0">
+              <a:spcBef>
+                <a:spcPct val="0"/>
+              </a:spcBef>
+              <a:spcAft>
+                <a:spcPct val="0"/>
+              </a:spcAft>
+              <a:defRPr sz="2400">
+                <a:solidFill>
+                  <a:schemeClr val="tx1"/>
+                </a:solidFill>
+                <a:latin typeface="Arial" charset="0"/>
+                <a:ea typeface="ＭＳ Ｐゴシック" charset="0"/>
+              </a:defRPr>
+            </a:lvl7pPr>
+            <a:lvl8pPr marL="3429000" indent="-228600" eaLnBrk="0" fontAlgn="base" hangingPunct="0">
+              <a:spcBef>
+                <a:spcPct val="0"/>
+              </a:spcBef>
+              <a:spcAft>
+                <a:spcPct val="0"/>
+              </a:spcAft>
+              <a:defRPr sz="2400">
+                <a:solidFill>
+                  <a:schemeClr val="tx1"/>
+                </a:solidFill>
+                <a:latin typeface="Arial" charset="0"/>
+                <a:ea typeface="ＭＳ Ｐゴシック" charset="0"/>
+              </a:defRPr>
+            </a:lvl8pPr>
+            <a:lvl9pPr marL="3886200" indent="-228600" eaLnBrk="0" fontAlgn="base" hangingPunct="0">
+              <a:spcBef>
+                <a:spcPct val="0"/>
+              </a:spcBef>
+              <a:spcAft>
+                <a:spcPct val="0"/>
+              </a:spcAft>
+              <a:defRPr sz="2400">
+                <a:solidFill>
+                  <a:schemeClr val="tx1"/>
+                </a:solidFill>
+                <a:latin typeface="Arial" charset="0"/>
+                <a:ea typeface="ＭＳ Ｐゴシック" charset="0"/>
+              </a:defRPr>
+            </a:lvl9pPr>
+          </a:lstStyle>
+          <a:p>
+            <a:pPr eaLnBrk="1" hangingPunct="1"/>
+            <a:fld id="{BC82D777-595C-F74F-893D-79AFE190A7AE}" type="slidenum">
+              <a:rPr lang="en-US" sz="1300">
+                <a:latin typeface="Calibri" charset="0"/>
+              </a:rPr>
+              <a:pPr eaLnBrk="1" hangingPunct="1"/>
+              <a:t>7</a:t>
+            </a:fld>
+            <a:endParaRPr lang="en-US" sz="1300">
+              <a:latin typeface="Calibri" charset="0"/>
+            </a:endParaRPr>
+          </a:p>
+        </p:txBody>
+      </p:sp>
+      <p:sp>
+        <p:nvSpPr>
+          <p:cNvPr id="20482" name="Rectangle 2"/>
+          <p:cNvSpPr>
+            <a:spLocks noGrp="1" noRot="1" noChangeAspect="1" noChangeArrowheads="1" noTextEdit="1"/>
+          </p:cNvSpPr>
+          <p:nvPr>
+            <p:ph type="sldImg"/>
+          </p:nvPr>
+        </p:nvSpPr>
+        <p:spPr bwMode="auto">
+          <a:solidFill>
+            <a:srgbClr val="FFFFFF"/>
+          </a:solidFill>
+          <a:ln>
+            <a:solidFill>
+              <a:srgbClr val="000000"/>
+            </a:solidFill>
+            <a:miter lim="800000"/>
+            <a:headEnd/>
+            <a:tailEnd/>
+          </a:ln>
+          <a:extLst>
+            <a:ext uri="{FAA26D3D-D897-4be2-8F04-BA451C77F1D7}">
+              <ma14:placeholderFlag xmlns:ma14="http://schemas.microsoft.com/office/mac/drawingml/2011/main" val="1"/>
+            </a:ext>
+          </a:extLst>
+        </p:spPr>
+      </p:sp>
+      <p:sp>
+        <p:nvSpPr>
+          <p:cNvPr id="20483" name="Rectangle 3"/>
+          <p:cNvSpPr>
+            <a:spLocks noGrp="1" noChangeArrowheads="1"/>
+          </p:cNvSpPr>
+          <p:nvPr>
+            <p:ph type="body" idx="1"/>
+          </p:nvPr>
+        </p:nvSpPr>
+        <p:spPr bwMode="auto">
+          <a:solidFill>
+            <a:srgbClr val="FFFFFF"/>
+          </a:solidFill>
+          <a:ln>
+            <a:solidFill>
+              <a:srgbClr val="000000"/>
+            </a:solidFill>
+            <a:miter lim="800000"/>
+            <a:headEnd/>
+            <a:tailEnd/>
+          </a:ln>
+          <a:extLst>
+            <a:ext uri="{FAA26D3D-D897-4be2-8F04-BA451C77F1D7}">
+              <ma14:placeholderFlag xmlns:ma14="http://schemas.microsoft.com/office/mac/drawingml/2011/main" val="1"/>
+            </a:ext>
+          </a:extLst>
+        </p:spPr>
+        <p:txBody>
+          <a:bodyPr wrap="square" numCol="1" anchor="t" anchorCtr="0" compatLnSpc="1">
+            <a:prstTxWarp prst="textNoShape">
+              <a:avLst/>
+            </a:prstTxWarp>
+          </a:bodyPr>
+          <a:lstStyle/>
+          <a:p>
+            <a:pPr eaLnBrk="1" hangingPunct="1"/>
+            <a:endParaRPr lang="en-US">
+              <a:latin typeface="Calibri" charset="0"/>
+              <a:ea typeface="ＭＳ Ｐゴシック" charset="0"/>
+              <a:cs typeface="ＭＳ Ｐゴシック" charset="0"/>
+            </a:endParaRPr>
+          </a:p>
+        </p:txBody>
+      </p:sp>
+    </p:spTree>
+  </p:cSld>
+  <p:clrMapOvr>
+    <a:masterClrMapping/>
+  </p:clrMapOvr>
+</p:notes>
+</file>
+
+<file path=ppt/notesSlides/notesSlide4.xml><?xml version="1.0" encoding="utf-8"?>
+<p:notes xmlns:a="http://schemas.openxmlformats.org/drawingml/2006/main" xmlns:r="http://schemas.openxmlformats.org/officeDocument/2006/relationships" xmlns:p="http://schemas.openxmlformats.org/presentationml/2006/main">
+  <p:cSld>
+    <p:spTree>
+      <p:nvGrpSpPr>
+        <p:cNvPr id="1" name=""/>
+        <p:cNvGrpSpPr/>
+        <p:nvPr/>
+      </p:nvGrpSpPr>
+      <p:grpSpPr>
+        <a:xfrm>
+          <a:off x="0" y="0"/>
+          <a:ext cx="0" cy="0"/>
+          <a:chOff x="0" y="0"/>
+          <a:chExt cx="0" cy="0"/>
+        </a:xfrm>
+      </p:grpSpPr>
+      <p:sp>
+        <p:nvSpPr>
+          <p:cNvPr id="22529" name="Rectangle 7"/>
+          <p:cNvSpPr>
+            <a:spLocks noGrp="1" noChangeArrowheads="1"/>
+          </p:cNvSpPr>
+          <p:nvPr>
+            <p:ph type="sldNum" sz="quarter" idx="5"/>
+          </p:nvPr>
+        </p:nvSpPr>
+        <p:spPr bwMode="auto">
+          <a:noFill/>
+          <a:extLst>
+            <a:ext uri="{909E8E84-426E-40dd-AFC4-6F175D3DCCD1}">
+              <a14:hiddenFill xmlns:a14="http://schemas.microsoft.com/office/drawing/2010/main">
+                <a:solidFill>
+                  <a:srgbClr val="FFFFFF"/>
+                </a:solidFill>
+              </a14:hiddenFill>
+            </a:ext>
+            <a:ext uri="{91240B29-F687-4f45-9708-019B960494DF}">
+              <a14:hiddenLine xmlns:a14="http://schemas.microsoft.com/office/drawing/2010/main" w="9525">
+                <a:solidFill>
+                  <a:srgbClr val="000000"/>
+                </a:solidFill>
+                <a:miter lim="800000"/>
+                <a:headEnd/>
+                <a:tailEnd/>
+              </a14:hiddenLine>
+            </a:ext>
+          </a:extLst>
+        </p:spPr>
+        <p:txBody>
+          <a:bodyPr/>
+          <a:lstStyle>
+            <a:lvl1pPr eaLnBrk="0" hangingPunct="0">
+              <a:defRPr sz="2400">
+                <a:solidFill>
+                  <a:schemeClr val="tx1"/>
+                </a:solidFill>
+                <a:latin typeface="Arial" charset="0"/>
+                <a:ea typeface="ＭＳ Ｐゴシック" charset="0"/>
+                <a:cs typeface="ＭＳ Ｐゴシック" charset="0"/>
+              </a:defRPr>
+            </a:lvl1pPr>
+            <a:lvl2pPr marL="742950" indent="-285750" eaLnBrk="0" hangingPunct="0">
+              <a:defRPr sz="2400">
+                <a:solidFill>
+                  <a:schemeClr val="tx1"/>
+                </a:solidFill>
+                <a:latin typeface="Arial" charset="0"/>
+                <a:ea typeface="ＭＳ Ｐゴシック" charset="0"/>
+              </a:defRPr>
+            </a:lvl2pPr>
+            <a:lvl3pPr marL="1143000" indent="-228600" eaLnBrk="0" hangingPunct="0">
+              <a:defRPr sz="2400">
+                <a:solidFill>
+                  <a:schemeClr val="tx1"/>
+                </a:solidFill>
+                <a:latin typeface="Arial" charset="0"/>
+                <a:ea typeface="ＭＳ Ｐゴシック" charset="0"/>
+              </a:defRPr>
+            </a:lvl3pPr>
+            <a:lvl4pPr marL="1600200" indent="-228600" eaLnBrk="0" hangingPunct="0">
+              <a:defRPr sz="2400">
+                <a:solidFill>
+                  <a:schemeClr val="tx1"/>
+                </a:solidFill>
+                <a:latin typeface="Arial" charset="0"/>
+                <a:ea typeface="ＭＳ Ｐゴシック" charset="0"/>
+              </a:defRPr>
+            </a:lvl4pPr>
+            <a:lvl5pPr marL="2057400" indent="-228600" eaLnBrk="0" hangingPunct="0">
+              <a:defRPr sz="2400">
+                <a:solidFill>
+                  <a:schemeClr val="tx1"/>
+                </a:solidFill>
+                <a:latin typeface="Arial" charset="0"/>
+                <a:ea typeface="ＭＳ Ｐゴシック" charset="0"/>
+              </a:defRPr>
+            </a:lvl5pPr>
+            <a:lvl6pPr marL="2514600" indent="-228600" eaLnBrk="0" fontAlgn="base" hangingPunct="0">
+              <a:spcBef>
+                <a:spcPct val="0"/>
+              </a:spcBef>
+              <a:spcAft>
+                <a:spcPct val="0"/>
+              </a:spcAft>
+              <a:defRPr sz="2400">
+                <a:solidFill>
+                  <a:schemeClr val="tx1"/>
+                </a:solidFill>
+                <a:latin typeface="Arial" charset="0"/>
+                <a:ea typeface="ＭＳ Ｐゴシック" charset="0"/>
+              </a:defRPr>
+            </a:lvl6pPr>
+            <a:lvl7pPr marL="2971800" indent="-228600" eaLnBrk="0" fontAlgn="base" hangingPunct="0">
+              <a:spcBef>
+                <a:spcPct val="0"/>
+              </a:spcBef>
+              <a:spcAft>
+                <a:spcPct val="0"/>
+              </a:spcAft>
+              <a:defRPr sz="2400">
+                <a:solidFill>
+                  <a:schemeClr val="tx1"/>
+                </a:solidFill>
+                <a:latin typeface="Arial" charset="0"/>
+                <a:ea typeface="ＭＳ Ｐゴシック" charset="0"/>
+              </a:defRPr>
+            </a:lvl7pPr>
+            <a:lvl8pPr marL="3429000" indent="-228600" eaLnBrk="0" fontAlgn="base" hangingPunct="0">
+              <a:spcBef>
+                <a:spcPct val="0"/>
+              </a:spcBef>
+              <a:spcAft>
+                <a:spcPct val="0"/>
+              </a:spcAft>
+              <a:defRPr sz="2400">
+                <a:solidFill>
+                  <a:schemeClr val="tx1"/>
+                </a:solidFill>
+                <a:latin typeface="Arial" charset="0"/>
+                <a:ea typeface="ＭＳ Ｐゴシック" charset="0"/>
+              </a:defRPr>
+            </a:lvl8pPr>
+            <a:lvl9pPr marL="3886200" indent="-228600" eaLnBrk="0" fontAlgn="base" hangingPunct="0">
+              <a:spcBef>
+                <a:spcPct val="0"/>
+              </a:spcBef>
+              <a:spcAft>
+                <a:spcPct val="0"/>
+              </a:spcAft>
+              <a:defRPr sz="2400">
+                <a:solidFill>
+                  <a:schemeClr val="tx1"/>
+                </a:solidFill>
+                <a:latin typeface="Arial" charset="0"/>
+                <a:ea typeface="ＭＳ Ｐゴシック" charset="0"/>
+              </a:defRPr>
+            </a:lvl9pPr>
+          </a:lstStyle>
+          <a:p>
+            <a:pPr eaLnBrk="1" hangingPunct="1"/>
+            <a:fld id="{299452F0-E2F8-AE41-801D-2B3846BDF3AE}" type="slidenum">
+              <a:rPr lang="en-US" sz="1300">
+                <a:latin typeface="Calibri" charset="0"/>
+              </a:rPr>
+              <a:pPr eaLnBrk="1" hangingPunct="1"/>
+              <a:t>8</a:t>
+            </a:fld>
+            <a:endParaRPr lang="en-US" sz="1300">
+              <a:latin typeface="Calibri" charset="0"/>
+            </a:endParaRPr>
+          </a:p>
+        </p:txBody>
+      </p:sp>
+      <p:sp>
+        <p:nvSpPr>
+          <p:cNvPr id="22530" name="Rectangle 2"/>
+          <p:cNvSpPr>
+            <a:spLocks noGrp="1" noRot="1" noChangeAspect="1" noChangeArrowheads="1" noTextEdit="1"/>
+          </p:cNvSpPr>
+          <p:nvPr>
+            <p:ph type="sldImg"/>
+          </p:nvPr>
+        </p:nvSpPr>
+        <p:spPr bwMode="auto">
+          <a:solidFill>
+            <a:srgbClr val="FFFFFF"/>
+          </a:solidFill>
+          <a:ln>
+            <a:solidFill>
+              <a:srgbClr val="000000"/>
+            </a:solidFill>
+            <a:miter lim="800000"/>
+            <a:headEnd/>
+            <a:tailEnd/>
+          </a:ln>
+          <a:extLst>
+            <a:ext uri="{FAA26D3D-D897-4be2-8F04-BA451C77F1D7}">
+              <ma14:placeholderFlag xmlns:ma14="http://schemas.microsoft.com/office/mac/drawingml/2011/main" val="1"/>
+            </a:ext>
+          </a:extLst>
+        </p:spPr>
+      </p:sp>
+      <p:sp>
+        <p:nvSpPr>
+          <p:cNvPr id="22531" name="Rectangle 3"/>
+          <p:cNvSpPr>
+            <a:spLocks noGrp="1" noChangeArrowheads="1"/>
+          </p:cNvSpPr>
+          <p:nvPr>
+            <p:ph type="body" idx="1"/>
+          </p:nvPr>
+        </p:nvSpPr>
+        <p:spPr bwMode="auto">
+          <a:solidFill>
+            <a:srgbClr val="FFFFFF"/>
+          </a:solidFill>
+          <a:ln>
+            <a:solidFill>
+              <a:srgbClr val="000000"/>
+            </a:solidFill>
+            <a:miter lim="800000"/>
+            <a:headEnd/>
+            <a:tailEnd/>
+          </a:ln>
+          <a:extLst>
+            <a:ext uri="{FAA26D3D-D897-4be2-8F04-BA451C77F1D7}">
+              <ma14:placeholderFlag xmlns:ma14="http://schemas.microsoft.com/office/mac/drawingml/2011/main" val="1"/>
+            </a:ext>
+          </a:extLst>
+        </p:spPr>
+        <p:txBody>
+          <a:bodyPr wrap="square" numCol="1" anchor="t" anchorCtr="0" compatLnSpc="1">
+            <a:prstTxWarp prst="textNoShape">
+              <a:avLst/>
+            </a:prstTxWarp>
+          </a:bodyPr>
+          <a:lstStyle/>
+          <a:p>
+            <a:pPr eaLnBrk="1" hangingPunct="1"/>
+            <a:endParaRPr lang="en-US">
+              <a:latin typeface="Calibri" charset="0"/>
+              <a:ea typeface="ＭＳ Ｐゴシック" charset="0"/>
+              <a:cs typeface="ＭＳ Ｐゴシック" charset="0"/>
+            </a:endParaRPr>
+          </a:p>
+        </p:txBody>
+      </p:sp>
+    </p:spTree>
+  </p:cSld>
+  <p:clrMapOvr>
+    <a:masterClrMapping/>
+  </p:clrMapOvr>
+</p:notes>
+</file>
+
+<file path=ppt/notesSlides/notesSlide5.xml><?xml version="1.0" encoding="utf-8"?>
+<p:notes xmlns:a="http://schemas.openxmlformats.org/drawingml/2006/main" xmlns:r="http://schemas.openxmlformats.org/officeDocument/2006/relationships" xmlns:p="http://schemas.openxmlformats.org/presentationml/2006/main">
+  <p:cSld>
+    <p:spTree>
+      <p:nvGrpSpPr>
+        <p:cNvPr id="1" name=""/>
+        <p:cNvGrpSpPr/>
+        <p:nvPr/>
+      </p:nvGrpSpPr>
+      <p:grpSpPr>
+        <a:xfrm>
+          <a:off x="0" y="0"/>
+          <a:ext cx="0" cy="0"/>
+          <a:chOff x="0" y="0"/>
+          <a:chExt cx="0" cy="0"/>
+        </a:xfrm>
+      </p:grpSpPr>
+      <p:sp>
+        <p:nvSpPr>
+          <p:cNvPr id="25601" name="Rectangle 7"/>
+          <p:cNvSpPr>
+            <a:spLocks noGrp="1" noChangeArrowheads="1"/>
+          </p:cNvSpPr>
+          <p:nvPr>
+            <p:ph type="sldNum" sz="quarter" idx="5"/>
+          </p:nvPr>
+        </p:nvSpPr>
+        <p:spPr bwMode="auto">
+          <a:noFill/>
+          <a:extLst>
+            <a:ext uri="{909E8E84-426E-40dd-AFC4-6F175D3DCCD1}">
+              <a14:hiddenFill xmlns:a14="http://schemas.microsoft.com/office/drawing/2010/main">
+                <a:solidFill>
+                  <a:srgbClr val="FFFFFF"/>
+                </a:solidFill>
+              </a14:hiddenFill>
+            </a:ext>
+            <a:ext uri="{91240B29-F687-4f45-9708-019B960494DF}">
+              <a14:hiddenLine xmlns:a14="http://schemas.microsoft.com/office/drawing/2010/main" w="9525">
+                <a:solidFill>
+                  <a:srgbClr val="000000"/>
+                </a:solidFill>
+                <a:miter lim="800000"/>
+                <a:headEnd/>
+                <a:tailEnd/>
+              </a14:hiddenLine>
+            </a:ext>
+          </a:extLst>
+        </p:spPr>
+        <p:txBody>
+          <a:bodyPr/>
+          <a:lstStyle>
+            <a:lvl1pPr eaLnBrk="0" hangingPunct="0">
+              <a:defRPr sz="2400">
+                <a:solidFill>
+                  <a:schemeClr val="tx1"/>
+                </a:solidFill>
+                <a:latin typeface="Arial" charset="0"/>
+                <a:ea typeface="ＭＳ Ｐゴシック" charset="0"/>
+                <a:cs typeface="ＭＳ Ｐゴシック" charset="0"/>
+              </a:defRPr>
+            </a:lvl1pPr>
+            <a:lvl2pPr marL="742950" indent="-285750" eaLnBrk="0" hangingPunct="0">
+              <a:defRPr sz="2400">
+                <a:solidFill>
+                  <a:schemeClr val="tx1"/>
+                </a:solidFill>
+                <a:latin typeface="Arial" charset="0"/>
+                <a:ea typeface="ＭＳ Ｐゴシック" charset="0"/>
+              </a:defRPr>
+            </a:lvl2pPr>
+            <a:lvl3pPr marL="1143000" indent="-228600" eaLnBrk="0" hangingPunct="0">
+              <a:defRPr sz="2400">
+                <a:solidFill>
+                  <a:schemeClr val="tx1"/>
+                </a:solidFill>
+                <a:latin typeface="Arial" charset="0"/>
+                <a:ea typeface="ＭＳ Ｐゴシック" charset="0"/>
+              </a:defRPr>
+            </a:lvl3pPr>
+            <a:lvl4pPr marL="1600200" indent="-228600" eaLnBrk="0" hangingPunct="0">
+              <a:defRPr sz="2400">
+                <a:solidFill>
+                  <a:schemeClr val="tx1"/>
+                </a:solidFill>
+                <a:latin typeface="Arial" charset="0"/>
+                <a:ea typeface="ＭＳ Ｐゴシック" charset="0"/>
+              </a:defRPr>
+            </a:lvl4pPr>
+            <a:lvl5pPr marL="2057400" indent="-228600" eaLnBrk="0" hangingPunct="0">
+              <a:defRPr sz="2400">
+                <a:solidFill>
+                  <a:schemeClr val="tx1"/>
+                </a:solidFill>
+                <a:latin typeface="Arial" charset="0"/>
+                <a:ea typeface="ＭＳ Ｐゴシック" charset="0"/>
+              </a:defRPr>
+            </a:lvl5pPr>
+            <a:lvl6pPr marL="2514600" indent="-228600" eaLnBrk="0" fontAlgn="base" hangingPunct="0">
+              <a:spcBef>
+                <a:spcPct val="0"/>
+              </a:spcBef>
+              <a:spcAft>
+                <a:spcPct val="0"/>
+              </a:spcAft>
+              <a:defRPr sz="2400">
+                <a:solidFill>
+                  <a:schemeClr val="tx1"/>
+                </a:solidFill>
+                <a:latin typeface="Arial" charset="0"/>
+                <a:ea typeface="ＭＳ Ｐゴシック" charset="0"/>
+              </a:defRPr>
+            </a:lvl6pPr>
+            <a:lvl7pPr marL="2971800" indent="-228600" eaLnBrk="0" fontAlgn="base" hangingPunct="0">
+              <a:spcBef>
+                <a:spcPct val="0"/>
+              </a:spcBef>
+              <a:spcAft>
+                <a:spcPct val="0"/>
+              </a:spcAft>
+              <a:defRPr sz="2400">
+                <a:solidFill>
+                  <a:schemeClr val="tx1"/>
+                </a:solidFill>
+                <a:latin typeface="Arial" charset="0"/>
+                <a:ea typeface="ＭＳ Ｐゴシック" charset="0"/>
+              </a:defRPr>
+            </a:lvl7pPr>
+            <a:lvl8pPr marL="3429000" indent="-228600" eaLnBrk="0" fontAlgn="base" hangingPunct="0">
+              <a:spcBef>
+                <a:spcPct val="0"/>
+              </a:spcBef>
+              <a:spcAft>
+                <a:spcPct val="0"/>
+              </a:spcAft>
+              <a:defRPr sz="2400">
+                <a:solidFill>
+                  <a:schemeClr val="tx1"/>
+                </a:solidFill>
+                <a:latin typeface="Arial" charset="0"/>
+                <a:ea typeface="ＭＳ Ｐゴシック" charset="0"/>
+              </a:defRPr>
+            </a:lvl8pPr>
+            <a:lvl9pPr marL="3886200" indent="-228600" eaLnBrk="0" fontAlgn="base" hangingPunct="0">
+              <a:spcBef>
+                <a:spcPct val="0"/>
+              </a:spcBef>
+              <a:spcAft>
+                <a:spcPct val="0"/>
+              </a:spcAft>
+              <a:defRPr sz="2400">
+                <a:solidFill>
+                  <a:schemeClr val="tx1"/>
+                </a:solidFill>
+                <a:latin typeface="Arial" charset="0"/>
+                <a:ea typeface="ＭＳ Ｐゴシック" charset="0"/>
+              </a:defRPr>
+            </a:lvl9pPr>
+          </a:lstStyle>
+          <a:p>
+            <a:pPr eaLnBrk="1" hangingPunct="1"/>
+            <a:fld id="{E9960B3B-B614-C646-AC49-D0908ED8BDDD}" type="slidenum">
+              <a:rPr lang="en-US" sz="1300">
+                <a:latin typeface="Calibri" charset="0"/>
+              </a:rPr>
+              <a:pPr eaLnBrk="1" hangingPunct="1"/>
+              <a:t>10</a:t>
+            </a:fld>
+            <a:endParaRPr lang="en-US" sz="1300">
+              <a:latin typeface="Calibri" charset="0"/>
+            </a:endParaRPr>
+          </a:p>
+        </p:txBody>
+      </p:sp>
+      <p:sp>
+        <p:nvSpPr>
+          <p:cNvPr id="25602" name="Rectangle 2"/>
+          <p:cNvSpPr>
+            <a:spLocks noGrp="1" noRot="1" noChangeAspect="1" noChangeArrowheads="1" noTextEdit="1"/>
+          </p:cNvSpPr>
+          <p:nvPr>
+            <p:ph type="sldImg"/>
+          </p:nvPr>
+        </p:nvSpPr>
+        <p:spPr bwMode="auto">
+          <a:solidFill>
+            <a:srgbClr val="FFFFFF"/>
+          </a:solidFill>
+          <a:ln>
+            <a:solidFill>
+              <a:srgbClr val="000000"/>
+            </a:solidFill>
+            <a:miter lim="800000"/>
+            <a:headEnd/>
+            <a:tailEnd/>
+          </a:ln>
+          <a:extLst>
+            <a:ext uri="{FAA26D3D-D897-4be2-8F04-BA451C77F1D7}">
+              <ma14:placeholderFlag xmlns:ma14="http://schemas.microsoft.com/office/mac/drawingml/2011/main" val="1"/>
+            </a:ext>
+          </a:extLst>
+        </p:spPr>
+      </p:sp>
+      <p:sp>
+        <p:nvSpPr>
+          <p:cNvPr id="25603" name="Rectangle 3"/>
+          <p:cNvSpPr>
+            <a:spLocks noGrp="1" noChangeArrowheads="1"/>
+          </p:cNvSpPr>
+          <p:nvPr>
+            <p:ph type="body" idx="1"/>
+          </p:nvPr>
+        </p:nvSpPr>
+        <p:spPr bwMode="auto">
+          <a:solidFill>
+            <a:srgbClr val="FFFFFF"/>
+          </a:solidFill>
+          <a:ln>
+            <a:solidFill>
+              <a:srgbClr val="000000"/>
+            </a:solidFill>
+            <a:miter lim="800000"/>
+            <a:headEnd/>
+            <a:tailEnd/>
+          </a:ln>
+          <a:extLst>
+            <a:ext uri="{FAA26D3D-D897-4be2-8F04-BA451C77F1D7}">
+              <ma14:placeholderFlag xmlns:ma14="http://schemas.microsoft.com/office/mac/drawingml/2011/main" val="1"/>
+            </a:ext>
+          </a:extLst>
+        </p:spPr>
+        <p:txBody>
+          <a:bodyPr wrap="square" numCol="1" anchor="t" anchorCtr="0" compatLnSpc="1">
+            <a:prstTxWarp prst="textNoShape">
+              <a:avLst/>
+            </a:prstTxWarp>
+          </a:bodyPr>
+          <a:lstStyle/>
+          <a:p>
+            <a:pPr eaLnBrk="1" hangingPunct="1"/>
+            <a:endParaRPr lang="en-US">
+              <a:latin typeface="Calibri" charset="0"/>
+              <a:ea typeface="ＭＳ Ｐゴシック" charset="0"/>
+              <a:cs typeface="ＭＳ Ｐゴシック" charset="0"/>
+            </a:endParaRPr>
+          </a:p>
+        </p:txBody>
+      </p:sp>
+    </p:spTree>
+  </p:cSld>
+  <p:clrMapOvr>
+    <a:masterClrMapping/>
+  </p:clrMapOvr>
+</p:notes>
+</file>
+
+<file path=ppt/notesSlides/notesSlide6.xml><?xml version="1.0" encoding="utf-8"?>
+<p:notes xmlns:a="http://schemas.openxmlformats.org/drawingml/2006/main" xmlns:r="http://schemas.openxmlformats.org/officeDocument/2006/relationships" xmlns:p="http://schemas.openxmlformats.org/presentationml/2006/main">
+  <p:cSld>
+    <p:spTree>
+      <p:nvGrpSpPr>
+        <p:cNvPr id="1" name=""/>
+        <p:cNvGrpSpPr/>
+        <p:nvPr/>
+      </p:nvGrpSpPr>
+      <p:grpSpPr>
+        <a:xfrm>
+          <a:off x="0" y="0"/>
+          <a:ext cx="0" cy="0"/>
+          <a:chOff x="0" y="0"/>
+          <a:chExt cx="0" cy="0"/>
+        </a:xfrm>
+      </p:grpSpPr>
+      <p:sp>
+        <p:nvSpPr>
+          <p:cNvPr id="27649" name="Rectangle 7"/>
+          <p:cNvSpPr>
+            <a:spLocks noGrp="1" noChangeArrowheads="1"/>
+          </p:cNvSpPr>
+          <p:nvPr>
+            <p:ph type="sldNum" sz="quarter" idx="5"/>
+          </p:nvPr>
+        </p:nvSpPr>
+        <p:spPr bwMode="auto">
+          <a:noFill/>
+          <a:extLst>
+            <a:ext uri="{909E8E84-426E-40dd-AFC4-6F175D3DCCD1}">
+              <a14:hiddenFill xmlns:a14="http://schemas.microsoft.com/office/drawing/2010/main">
+                <a:solidFill>
+                  <a:srgbClr val="FFFFFF"/>
+                </a:solidFill>
+              </a14:hiddenFill>
+            </a:ext>
+            <a:ext uri="{91240B29-F687-4f45-9708-019B960494DF}">
+              <a14:hiddenLine xmlns:a14="http://schemas.microsoft.com/office/drawing/2010/main" w="9525">
+                <a:solidFill>
+                  <a:srgbClr val="000000"/>
+                </a:solidFill>
+                <a:miter lim="800000"/>
+                <a:headEnd/>
+                <a:tailEnd/>
+              </a14:hiddenLine>
+            </a:ext>
+          </a:extLst>
+        </p:spPr>
+        <p:txBody>
+          <a:bodyPr/>
+          <a:lstStyle>
+            <a:lvl1pPr eaLnBrk="0" hangingPunct="0">
+              <a:defRPr sz="2400">
+                <a:solidFill>
+                  <a:schemeClr val="tx1"/>
+                </a:solidFill>
+                <a:latin typeface="Arial" charset="0"/>
+                <a:ea typeface="ＭＳ Ｐゴシック" charset="0"/>
+                <a:cs typeface="ＭＳ Ｐゴシック" charset="0"/>
+              </a:defRPr>
+            </a:lvl1pPr>
+            <a:lvl2pPr marL="742950" indent="-285750" eaLnBrk="0" hangingPunct="0">
+              <a:defRPr sz="2400">
+                <a:solidFill>
+                  <a:schemeClr val="tx1"/>
+                </a:solidFill>
+                <a:latin typeface="Arial" charset="0"/>
+                <a:ea typeface="ＭＳ Ｐゴシック" charset="0"/>
+              </a:defRPr>
+            </a:lvl2pPr>
+            <a:lvl3pPr marL="1143000" indent="-228600" eaLnBrk="0" hangingPunct="0">
+              <a:defRPr sz="2400">
+                <a:solidFill>
+                  <a:schemeClr val="tx1"/>
+                </a:solidFill>
+                <a:latin typeface="Arial" charset="0"/>
+                <a:ea typeface="ＭＳ Ｐゴシック" charset="0"/>
+              </a:defRPr>
+            </a:lvl3pPr>
+            <a:lvl4pPr marL="1600200" indent="-228600" eaLnBrk="0" hangingPunct="0">
+              <a:defRPr sz="2400">
+                <a:solidFill>
+                  <a:schemeClr val="tx1"/>
+                </a:solidFill>
+                <a:latin typeface="Arial" charset="0"/>
+                <a:ea typeface="ＭＳ Ｐゴシック" charset="0"/>
+              </a:defRPr>
+            </a:lvl4pPr>
+            <a:lvl5pPr marL="2057400" indent="-228600" eaLnBrk="0" hangingPunct="0">
+              <a:defRPr sz="2400">
+                <a:solidFill>
+                  <a:schemeClr val="tx1"/>
+                </a:solidFill>
+                <a:latin typeface="Arial" charset="0"/>
+                <a:ea typeface="ＭＳ Ｐゴシック" charset="0"/>
+              </a:defRPr>
+            </a:lvl5pPr>
+            <a:lvl6pPr marL="2514600" indent="-228600" eaLnBrk="0" fontAlgn="base" hangingPunct="0">
+              <a:spcBef>
+                <a:spcPct val="0"/>
+              </a:spcBef>
+              <a:spcAft>
+                <a:spcPct val="0"/>
+              </a:spcAft>
+              <a:defRPr sz="2400">
+                <a:solidFill>
+                  <a:schemeClr val="tx1"/>
+                </a:solidFill>
+                <a:latin typeface="Arial" charset="0"/>
+                <a:ea typeface="ＭＳ Ｐゴシック" charset="0"/>
+              </a:defRPr>
+            </a:lvl6pPr>
+            <a:lvl7pPr marL="2971800" indent="-228600" eaLnBrk="0" fontAlgn="base" hangingPunct="0">
+              <a:spcBef>
+                <a:spcPct val="0"/>
+              </a:spcBef>
+              <a:spcAft>
+                <a:spcPct val="0"/>
+              </a:spcAft>
+              <a:defRPr sz="2400">
+                <a:solidFill>
+                  <a:schemeClr val="tx1"/>
+                </a:solidFill>
+                <a:latin typeface="Arial" charset="0"/>
+                <a:ea typeface="ＭＳ Ｐゴシック" charset="0"/>
+              </a:defRPr>
+            </a:lvl7pPr>
+            <a:lvl8pPr marL="3429000" indent="-228600" eaLnBrk="0" fontAlgn="base" hangingPunct="0">
+              <a:spcBef>
+                <a:spcPct val="0"/>
+              </a:spcBef>
+              <a:spcAft>
+                <a:spcPct val="0"/>
+              </a:spcAft>
+              <a:defRPr sz="2400">
+                <a:solidFill>
+                  <a:schemeClr val="tx1"/>
+                </a:solidFill>
+                <a:latin typeface="Arial" charset="0"/>
+                <a:ea typeface="ＭＳ Ｐゴシック" charset="0"/>
+              </a:defRPr>
+            </a:lvl8pPr>
+            <a:lvl9pPr marL="3886200" indent="-228600" eaLnBrk="0" fontAlgn="base" hangingPunct="0">
+              <a:spcBef>
+                <a:spcPct val="0"/>
+              </a:spcBef>
+              <a:spcAft>
+                <a:spcPct val="0"/>
+              </a:spcAft>
+              <a:defRPr sz="2400">
+                <a:solidFill>
+                  <a:schemeClr val="tx1"/>
+                </a:solidFill>
+                <a:latin typeface="Arial" charset="0"/>
+                <a:ea typeface="ＭＳ Ｐゴシック" charset="0"/>
+              </a:defRPr>
+            </a:lvl9pPr>
+          </a:lstStyle>
+          <a:p>
+            <a:pPr eaLnBrk="1" hangingPunct="1"/>
+            <a:fld id="{DDAE9BEF-A86A-D646-A9E3-125FD642139E}" type="slidenum">
+              <a:rPr lang="en-US" sz="1300">
+                <a:latin typeface="Calibri" charset="0"/>
+              </a:rPr>
+              <a:pPr eaLnBrk="1" hangingPunct="1"/>
+              <a:t>11</a:t>
+            </a:fld>
+            <a:endParaRPr lang="en-US" sz="1300">
+              <a:latin typeface="Calibri" charset="0"/>
+            </a:endParaRPr>
+          </a:p>
+        </p:txBody>
+      </p:sp>
+      <p:sp>
+        <p:nvSpPr>
+          <p:cNvPr id="27650" name="Rectangle 2"/>
+          <p:cNvSpPr>
+            <a:spLocks noGrp="1" noRot="1" noChangeAspect="1" noChangeArrowheads="1" noTextEdit="1"/>
+          </p:cNvSpPr>
+          <p:nvPr>
+            <p:ph type="sldImg"/>
+          </p:nvPr>
+        </p:nvSpPr>
+        <p:spPr bwMode="auto">
+          <a:solidFill>
+            <a:srgbClr val="FFFFFF"/>
+          </a:solidFill>
+          <a:ln>
+            <a:solidFill>
+              <a:srgbClr val="000000"/>
+            </a:solidFill>
+            <a:miter lim="800000"/>
+            <a:headEnd/>
+            <a:tailEnd/>
+          </a:ln>
+          <a:extLst>
+            <a:ext uri="{FAA26D3D-D897-4be2-8F04-BA451C77F1D7}">
+              <ma14:placeholderFlag xmlns:ma14="http://schemas.microsoft.com/office/mac/drawingml/2011/main" val="1"/>
+            </a:ext>
+          </a:extLst>
+        </p:spPr>
+      </p:sp>
+      <p:sp>
+        <p:nvSpPr>
+          <p:cNvPr id="27651" name="Rectangle 3"/>
+          <p:cNvSpPr>
+            <a:spLocks noGrp="1" noChangeArrowheads="1"/>
+          </p:cNvSpPr>
+          <p:nvPr>
+            <p:ph type="body" idx="1"/>
+          </p:nvPr>
+        </p:nvSpPr>
+        <p:spPr bwMode="auto">
+          <a:solidFill>
+            <a:srgbClr val="FFFFFF"/>
+          </a:solidFill>
+          <a:ln>
+            <a:solidFill>
+              <a:srgbClr val="000000"/>
+            </a:solidFill>
+            <a:miter lim="800000"/>
+            <a:headEnd/>
+            <a:tailEnd/>
+          </a:ln>
+        </p:spPr>
+        <p:txBody>
+          <a:bodyPr wrap="square" numCol="1" anchor="t" anchorCtr="0" compatLnSpc="1">
+            <a:prstTxWarp prst="textNoShape">
+              <a:avLst/>
+            </a:prstTxWarp>
+          </a:bodyPr>
+          <a:lstStyle/>
+          <a:p>
+            <a:pPr eaLnBrk="1" hangingPunct="1"/>
+            <a:r>
+              <a:rPr lang="en-US">
+                <a:latin typeface="Calibri" charset="0"/>
+                <a:ea typeface="ＭＳ Ｐゴシック" charset="0"/>
+                <a:cs typeface="ＭＳ Ｐゴシック" charset="0"/>
+              </a:rPr>
+              <a:t>#Each library is marked as either cDNA-1 or cDNA-2 and either lib1 or lib2</a:t>
+            </a:r>
+          </a:p>
+          <a:p>
+            <a:pPr eaLnBrk="1" hangingPunct="1"/>
+            <a:r>
+              <a:rPr lang="en-US">
+                <a:latin typeface="Calibri" charset="0"/>
+                <a:ea typeface="ＭＳ Ｐゴシック" charset="0"/>
+                <a:cs typeface="ＭＳ Ｐゴシック" charset="0"/>
+              </a:rPr>
+              <a:t>#cDNA-1 = total RNA (total)</a:t>
+            </a:r>
+          </a:p>
+          <a:p>
+            <a:pPr eaLnBrk="1" hangingPunct="1"/>
+            <a:r>
+              <a:rPr lang="en-US">
+                <a:latin typeface="Calibri" charset="0"/>
+                <a:ea typeface="ＭＳ Ｐゴシック" charset="0"/>
+                <a:cs typeface="ＭＳ Ｐゴシック" charset="0"/>
+              </a:rPr>
+              <a:t>#cDNA-2 = polyA selected RNA (polyA)</a:t>
+            </a:r>
+          </a:p>
+          <a:p>
+            <a:pPr eaLnBrk="1" hangingPunct="1"/>
+            <a:r>
+              <a:rPr lang="en-US">
+                <a:latin typeface="Calibri" charset="0"/>
+                <a:ea typeface="ＭＳ Ｐゴシック" charset="0"/>
+                <a:cs typeface="ＭＳ Ｐゴシック" charset="0"/>
+              </a:rPr>
+              <a:t>#lib1 = standard RNAseq (nocap)</a:t>
+            </a:r>
+          </a:p>
+          <a:p>
+            <a:pPr eaLnBrk="1" hangingPunct="1"/>
+            <a:r>
+              <a:rPr lang="en-US">
+                <a:latin typeface="Calibri" charset="0"/>
+                <a:ea typeface="ＭＳ Ｐゴシック" charset="0"/>
+                <a:cs typeface="ＭＳ Ｐゴシック" charset="0"/>
+              </a:rPr>
+              <a:t>#lib2 = cDNA capture RNAseq where library was enriched using probes targeting the exome (cap).</a:t>
+            </a:r>
+          </a:p>
+        </p:txBody>
+      </p:sp>
+    </p:spTree>
+  </p:cSld>
+  <p:clrMapOvr>
+    <a:masterClrMapping/>
+  </p:clrMapOvr>
+</p:notes>
+</file>
+
 <file path=ppt/slideLayouts/slideLayout1.xml><?xml version="1.0" encoding="utf-8"?>
 <p:sldLayout xmlns:a="http://schemas.openxmlformats.org/drawingml/2006/main" xmlns:r="http://schemas.openxmlformats.org/officeDocument/2006/relationships" xmlns:p="http://schemas.openxmlformats.org/presentationml/2006/main" preserve="1" userDrawn="1">
   <p:cSld name="Title">
@@ -906,14 +2494,14 @@
           </a:ln>
           <a:extLst>
             <a:ext uri="{909E8E84-426E-40dd-AFC4-6F175D3DCCD1}">
-              <a14:hiddenFill xmlns:a14="http://schemas.microsoft.com/office/drawing/2010/main" xmlns="">
+              <a14:hiddenFill xmlns:a14="http://schemas.microsoft.com/office/drawing/2010/main">
                 <a:solidFill>
                   <a:srgbClr val="FFFFFF"/>
                 </a:solidFill>
               </a14:hiddenFill>
             </a:ext>
             <a:ext uri="{91240B29-F687-4f45-9708-019B960494DF}">
-              <a14:hiddenLine xmlns:a14="http://schemas.microsoft.com/office/drawing/2010/main" xmlns="" w="9525">
+              <a14:hiddenLine xmlns:a14="http://schemas.microsoft.com/office/drawing/2010/main" w="9525">
                 <a:solidFill>
                   <a:srgbClr val="000000"/>
                 </a:solidFill>
@@ -2936,18 +4524,15 @@
             <a:noFill/>
           </a:ln>
           <a:extLst>
-            <a:ext uri="{FAA26D3D-D897-4be2-8F04-BA451C77F1D7}">
-              <ma14:placeholderFlag xmlns:ma14="http://schemas.microsoft.com/office/mac/drawingml/2011/main" val="1"/>
-            </a:ext>
             <a:ext uri="{909E8E84-426E-40dd-AFC4-6F175D3DCCD1}">
-              <a14:hiddenFill xmlns:a14="http://schemas.microsoft.com/office/drawing/2010/main" xmlns="">
+              <a14:hiddenFill xmlns:a14="http://schemas.microsoft.com/office/drawing/2010/main">
                 <a:solidFill>
                   <a:srgbClr val="FFFFFF"/>
                 </a:solidFill>
               </a14:hiddenFill>
             </a:ext>
             <a:ext uri="{91240B29-F687-4f45-9708-019B960494DF}">
-              <a14:hiddenLine xmlns:a14="http://schemas.microsoft.com/office/drawing/2010/main" xmlns="" w="9525">
+              <a14:hiddenLine xmlns:a14="http://schemas.microsoft.com/office/drawing/2010/main" w="9525">
                 <a:solidFill>
                   <a:srgbClr val="000000"/>
                 </a:solidFill>
@@ -2955,6 +4540,9 @@
                 <a:headEnd/>
                 <a:tailEnd/>
               </a14:hiddenLine>
+            </a:ext>
+            <a:ext uri="{FAA26D3D-D897-4be2-8F04-BA451C77F1D7}">
+              <ma14:placeholderFlag xmlns:ma14="http://schemas.microsoft.com/office/mac/drawingml/2011/main" val="1"/>
             </a:ext>
           </a:extLst>
         </p:spPr>
@@ -2997,18 +4585,15 @@
             <a:noFill/>
           </a:ln>
           <a:extLst>
-            <a:ext uri="{FAA26D3D-D897-4be2-8F04-BA451C77F1D7}">
-              <ma14:placeholderFlag xmlns:ma14="http://schemas.microsoft.com/office/mac/drawingml/2011/main" val="1"/>
-            </a:ext>
             <a:ext uri="{909E8E84-426E-40dd-AFC4-6F175D3DCCD1}">
-              <a14:hiddenFill xmlns:a14="http://schemas.microsoft.com/office/drawing/2010/main" xmlns="">
+              <a14:hiddenFill xmlns:a14="http://schemas.microsoft.com/office/drawing/2010/main">
                 <a:solidFill>
                   <a:srgbClr val="FFFFFF"/>
                 </a:solidFill>
               </a14:hiddenFill>
             </a:ext>
             <a:ext uri="{91240B29-F687-4f45-9708-019B960494DF}">
-              <a14:hiddenLine xmlns:a14="http://schemas.microsoft.com/office/drawing/2010/main" xmlns="" w="9525">
+              <a14:hiddenLine xmlns:a14="http://schemas.microsoft.com/office/drawing/2010/main" w="9525">
                 <a:solidFill>
                   <a:srgbClr val="000000"/>
                 </a:solidFill>
@@ -3016,6 +4601,9 @@
                 <a:headEnd/>
                 <a:tailEnd/>
               </a14:hiddenLine>
+            </a:ext>
+            <a:ext uri="{FAA26D3D-D897-4be2-8F04-BA451C77F1D7}">
+              <ma14:placeholderFlag xmlns:ma14="http://schemas.microsoft.com/office/mac/drawingml/2011/main" val="1"/>
             </a:ext>
           </a:extLst>
         </p:spPr>
@@ -3107,7 +4695,7 @@
               <a:pPr>
                 <a:defRPr/>
               </a:pPr>
-              <a:t>11/10/16</a:t>
+              <a:t>11/14/16</a:t>
             </a:fld>
             <a:endParaRPr lang="en-US"/>
           </a:p>
@@ -3687,18 +5275,15 @@
             <a:noFill/>
           </a:ln>
           <a:extLst>
-            <a:ext uri="{FAA26D3D-D897-4be2-8F04-BA451C77F1D7}">
-              <ma14:placeholderFlag xmlns:ma14="http://schemas.microsoft.com/office/mac/drawingml/2011/main" val="1"/>
-            </a:ext>
             <a:ext uri="{909E8E84-426E-40dd-AFC4-6F175D3DCCD1}">
-              <a14:hiddenFill xmlns:a14="http://schemas.microsoft.com/office/drawing/2010/main" xmlns="">
+              <a14:hiddenFill xmlns:a14="http://schemas.microsoft.com/office/drawing/2010/main">
                 <a:solidFill>
                   <a:srgbClr val="FFFFFF"/>
                 </a:solidFill>
               </a14:hiddenFill>
             </a:ext>
             <a:ext uri="{91240B29-F687-4f45-9708-019B960494DF}">
-              <a14:hiddenLine xmlns:a14="http://schemas.microsoft.com/office/drawing/2010/main" xmlns="" w="9525">
+              <a14:hiddenLine xmlns:a14="http://schemas.microsoft.com/office/drawing/2010/main" w="9525">
                 <a:solidFill>
                   <a:srgbClr val="000000"/>
                 </a:solidFill>
@@ -3706,6 +5291,9 @@
                 <a:headEnd/>
                 <a:tailEnd/>
               </a14:hiddenLine>
+            </a:ext>
+            <a:ext uri="{FAA26D3D-D897-4be2-8F04-BA451C77F1D7}">
+              <ma14:placeholderFlag xmlns:ma14="http://schemas.microsoft.com/office/mac/drawingml/2011/main" val="1"/>
             </a:ext>
           </a:extLst>
         </p:spPr>
@@ -3837,6 +5425,1105 @@
         </p:txBody>
       </p:sp>
     </p:spTree>
+  </p:cSld>
+  <p:clrMapOvr>
+    <a:masterClrMapping/>
+  </p:clrMapOvr>
+</p:sld>
+</file>
+
+<file path=ppt/slides/slide10.xml><?xml version="1.0" encoding="utf-8"?>
+<p:sld xmlns:a="http://schemas.openxmlformats.org/drawingml/2006/main" xmlns:r="http://schemas.openxmlformats.org/officeDocument/2006/relationships" xmlns:p="http://schemas.openxmlformats.org/presentationml/2006/main">
+  <p:cSld>
+    <p:spTree>
+      <p:nvGrpSpPr>
+        <p:cNvPr id="1" name=""/>
+        <p:cNvGrpSpPr/>
+        <p:nvPr/>
+      </p:nvGrpSpPr>
+      <p:grpSpPr>
+        <a:xfrm>
+          <a:off x="0" y="0"/>
+          <a:ext cx="0" cy="0"/>
+          <a:chOff x="0" y="0"/>
+          <a:chExt cx="0" cy="0"/>
+        </a:xfrm>
+      </p:grpSpPr>
+      <p:sp>
+        <p:nvSpPr>
+          <p:cNvPr id="24577" name="Rectangle 2"/>
+          <p:cNvSpPr>
+            <a:spLocks noGrp="1" noChangeArrowheads="1"/>
+          </p:cNvSpPr>
+          <p:nvPr>
+            <p:ph type="title"/>
+          </p:nvPr>
+        </p:nvSpPr>
+        <p:spPr>
+          <a:xfrm>
+            <a:off x="152400" y="44450"/>
+            <a:ext cx="8839200" cy="1143000"/>
+          </a:xfrm>
+        </p:spPr>
+        <p:txBody>
+          <a:bodyPr/>
+          <a:lstStyle/>
+          <a:p>
+            <a:pPr eaLnBrk="1" hangingPunct="1"/>
+            <a:r>
+              <a:rPr lang="en-US" altLang="ko-KR" dirty="0">
+                <a:latin typeface="Calibri" charset="0"/>
+                <a:ea typeface="ＭＳ Ｐゴシック" charset="0"/>
+                <a:cs typeface="ＭＳ Ｐゴシック" charset="0"/>
+              </a:rPr>
+              <a:t>1</a:t>
+            </a:r>
+            <a:r>
+              <a:rPr lang="en-US" altLang="ko-KR" dirty="0" smtClean="0">
+                <a:latin typeface="Calibri" charset="0"/>
+                <a:ea typeface="ＭＳ Ｐゴシック" charset="0"/>
+                <a:cs typeface="ＭＳ Ｐゴシック" charset="0"/>
+              </a:rPr>
+              <a:t>-v. Obtain </a:t>
+            </a:r>
+            <a:r>
+              <a:rPr lang="en-US" altLang="ko-KR" dirty="0">
+                <a:latin typeface="Calibri" charset="0"/>
+                <a:ea typeface="ＭＳ Ｐゴシック" charset="0"/>
+                <a:cs typeface="ＭＳ Ｐゴシック" charset="0"/>
+              </a:rPr>
+              <a:t>RNA-seq data</a:t>
+            </a:r>
+          </a:p>
+        </p:txBody>
+      </p:sp>
+      <p:sp>
+        <p:nvSpPr>
+          <p:cNvPr id="24578" name="Content Placeholder 6"/>
+          <p:cNvSpPr>
+            <a:spLocks noGrp="1"/>
+          </p:cNvSpPr>
+          <p:nvPr>
+            <p:ph idx="1"/>
+          </p:nvPr>
+        </p:nvSpPr>
+        <p:spPr>
+          <a:xfrm>
+            <a:off x="152400" y="1268413"/>
+            <a:ext cx="8839200" cy="4979987"/>
+          </a:xfrm>
+        </p:spPr>
+        <p:txBody>
+          <a:bodyPr/>
+          <a:lstStyle/>
+          <a:p>
+            <a:pPr>
+              <a:lnSpc>
+                <a:spcPct val="80000"/>
+              </a:lnSpc>
+            </a:pPr>
+            <a:r>
+              <a:rPr lang="en-US" sz="2600" dirty="0">
+                <a:latin typeface="Calibri" charset="0"/>
+                <a:ea typeface="ＭＳ Ｐゴシック" charset="0"/>
+              </a:rPr>
+              <a:t>For purposes of the tutorial, the test data has been pre-filtered</a:t>
+            </a:r>
+          </a:p>
+          <a:p>
+            <a:pPr lvl="1">
+              <a:lnSpc>
+                <a:spcPct val="80000"/>
+              </a:lnSpc>
+            </a:pPr>
+            <a:r>
+              <a:rPr lang="en-US" sz="2200" dirty="0">
+                <a:latin typeface="Calibri" charset="0"/>
+                <a:ea typeface="ＭＳ Ｐゴシック" charset="0"/>
+              </a:rPr>
+              <a:t>Identified reads that appear to match transcripts on a single chromosome</a:t>
+            </a:r>
+          </a:p>
+          <a:p>
+            <a:pPr>
+              <a:lnSpc>
+                <a:spcPct val="80000"/>
+              </a:lnSpc>
+            </a:pPr>
+            <a:r>
+              <a:rPr lang="en-US" sz="2600" dirty="0">
+                <a:latin typeface="Calibri" charset="0"/>
+                <a:ea typeface="ＭＳ Ｐゴシック" charset="0"/>
+              </a:rPr>
+              <a:t>The test data corresponds to two </a:t>
+            </a:r>
+            <a:r>
+              <a:rPr lang="en-US" sz="2600" dirty="0" smtClean="0">
+                <a:latin typeface="Calibri" charset="0"/>
+                <a:ea typeface="ＭＳ Ｐゴシック" charset="0"/>
+              </a:rPr>
+              <a:t>RNA sources</a:t>
+            </a:r>
+            <a:endParaRPr lang="en-US" sz="2600" dirty="0">
+              <a:latin typeface="Calibri" charset="0"/>
+              <a:ea typeface="ＭＳ Ｐゴシック" charset="0"/>
+            </a:endParaRPr>
+          </a:p>
+          <a:p>
+            <a:pPr lvl="1">
+              <a:lnSpc>
+                <a:spcPct val="80000"/>
+              </a:lnSpc>
+            </a:pPr>
+            <a:r>
+              <a:rPr lang="en-US" sz="2200" dirty="0" smtClean="0">
+                <a:latin typeface="Calibri" charset="0"/>
+                <a:ea typeface="ＭＳ Ｐゴシック" charset="0"/>
+              </a:rPr>
+              <a:t>The Universal Human Reference (UHR) and Human Brain Reference (HBR)</a:t>
+            </a:r>
+          </a:p>
+          <a:p>
+            <a:pPr lvl="1">
+              <a:lnSpc>
+                <a:spcPct val="80000"/>
+              </a:lnSpc>
+            </a:pPr>
+            <a:r>
+              <a:rPr lang="en-US" sz="2200" dirty="0" smtClean="0">
+                <a:latin typeface="Calibri" charset="0"/>
+                <a:ea typeface="ＭＳ Ｐゴシック" charset="0"/>
+              </a:rPr>
+              <a:t>Each sample also included one of two ERCC RNA “spike-in” mixes (Mix1 or Mix2)</a:t>
+            </a:r>
+            <a:endParaRPr lang="en-US" sz="2200" dirty="0">
+              <a:latin typeface="Calibri" charset="0"/>
+              <a:ea typeface="ＭＳ Ｐゴシック" charset="0"/>
+            </a:endParaRPr>
+          </a:p>
+          <a:p>
+            <a:pPr lvl="1">
+              <a:lnSpc>
+                <a:spcPct val="80000"/>
+              </a:lnSpc>
+            </a:pPr>
+            <a:r>
+              <a:rPr lang="en-US" sz="2200" dirty="0">
+                <a:latin typeface="Calibri" charset="0"/>
+                <a:ea typeface="ＭＳ Ｐゴシック" charset="0"/>
+              </a:rPr>
+              <a:t>Each RNA was </a:t>
+            </a:r>
+            <a:r>
+              <a:rPr lang="en-US" sz="2200" dirty="0" smtClean="0">
+                <a:latin typeface="Calibri" charset="0"/>
+                <a:ea typeface="ＭＳ Ｐゴシック" charset="0"/>
+              </a:rPr>
+              <a:t>source was sequenced in triplicate to </a:t>
+            </a:r>
+            <a:r>
+              <a:rPr lang="en-US" sz="2200" dirty="0">
+                <a:latin typeface="Calibri" charset="0"/>
+                <a:ea typeface="ＭＳ Ｐゴシック" charset="0"/>
+              </a:rPr>
+              <a:t>create </a:t>
+            </a:r>
+            <a:r>
+              <a:rPr lang="en-US" sz="2200" dirty="0" smtClean="0">
+                <a:latin typeface="Calibri" charset="0"/>
+                <a:ea typeface="ＭＳ Ｐゴシック" charset="0"/>
+              </a:rPr>
+              <a:t>six </a:t>
+            </a:r>
+            <a:r>
+              <a:rPr lang="en-US" sz="2200" dirty="0">
+                <a:latin typeface="Calibri" charset="0"/>
+                <a:ea typeface="ＭＳ Ｐゴシック" charset="0"/>
+              </a:rPr>
+              <a:t>independent Illumina sequence libraries (</a:t>
+            </a:r>
+            <a:r>
+              <a:rPr lang="en-US" sz="2200" b="1" dirty="0" smtClean="0">
+                <a:latin typeface="Calibri" charset="0"/>
+                <a:ea typeface="ＭＳ Ｐゴシック" charset="0"/>
+              </a:rPr>
+              <a:t>‘UHR_Rep1_Mix1’</a:t>
+            </a:r>
+            <a:r>
+              <a:rPr lang="en-US" sz="2200" b="1" dirty="0">
+                <a:latin typeface="Calibri" charset="0"/>
+                <a:ea typeface="ＭＳ Ｐゴシック" charset="0"/>
+              </a:rPr>
+              <a:t>, </a:t>
+            </a:r>
+            <a:r>
+              <a:rPr lang="en-US" sz="2200" b="1" dirty="0" smtClean="0">
+                <a:latin typeface="Calibri" charset="0"/>
+                <a:ea typeface="ＭＳ Ｐゴシック" charset="0"/>
+              </a:rPr>
+              <a:t>‘</a:t>
+            </a:r>
+            <a:r>
+              <a:rPr lang="en-US" sz="2200" b="1" dirty="0">
+                <a:latin typeface="Calibri" charset="0"/>
+                <a:ea typeface="ＭＳ Ｐゴシック" charset="0"/>
+              </a:rPr>
+              <a:t>UHR_Rep2_Mix1’, </a:t>
+            </a:r>
+            <a:r>
+              <a:rPr lang="en-US" sz="2200" b="1" dirty="0" smtClean="0">
+                <a:latin typeface="Calibri" charset="0"/>
+                <a:ea typeface="ＭＳ Ｐゴシック" charset="0"/>
+              </a:rPr>
+              <a:t>‘</a:t>
+            </a:r>
+            <a:r>
+              <a:rPr lang="en-US" sz="2200" b="1" dirty="0">
+                <a:latin typeface="Calibri" charset="0"/>
+                <a:ea typeface="ＭＳ Ｐゴシック" charset="0"/>
+              </a:rPr>
+              <a:t>UHR_Rep3_Mix1’, </a:t>
+            </a:r>
+            <a:r>
+              <a:rPr lang="en-US" sz="2200" b="1" dirty="0" smtClean="0">
+                <a:latin typeface="Calibri" charset="0"/>
+                <a:ea typeface="ＭＳ Ｐゴシック" charset="0"/>
+              </a:rPr>
+              <a:t>‘HBR_Rep1_Mix2’, ’</a:t>
+            </a:r>
+            <a:r>
+              <a:rPr lang="en-US" sz="2200" b="1" dirty="0">
+                <a:latin typeface="Calibri" charset="0"/>
+                <a:ea typeface="ＭＳ Ｐゴシック" charset="0"/>
+              </a:rPr>
+              <a:t>HBR_Rep2_Mix2’</a:t>
+            </a:r>
+            <a:r>
+              <a:rPr lang="en-US" sz="2200" b="1" dirty="0" smtClean="0">
+                <a:latin typeface="Calibri" charset="0"/>
+                <a:ea typeface="ＭＳ Ｐゴシック" charset="0"/>
+              </a:rPr>
+              <a:t>, and ’</a:t>
+            </a:r>
+            <a:r>
+              <a:rPr lang="en-US" sz="2200" b="1" dirty="0">
+                <a:latin typeface="Calibri" charset="0"/>
+                <a:ea typeface="ＭＳ Ｐゴシック" charset="0"/>
+              </a:rPr>
+              <a:t>HBR_Rep3_Mix2’</a:t>
+            </a:r>
+            <a:r>
+              <a:rPr lang="en-US" altLang="ja-JP" sz="2200" dirty="0" smtClean="0">
+                <a:latin typeface="Calibri" charset="0"/>
+                <a:ea typeface="ＭＳ Ｐゴシック" charset="0"/>
+              </a:rPr>
+              <a:t>)</a:t>
+            </a:r>
+            <a:endParaRPr lang="en-US" altLang="ja-JP" sz="2200" dirty="0">
+              <a:latin typeface="Calibri" charset="0"/>
+              <a:ea typeface="ＭＳ Ｐゴシック" charset="0"/>
+            </a:endParaRPr>
+          </a:p>
+          <a:p>
+            <a:pPr>
+              <a:lnSpc>
+                <a:spcPct val="80000"/>
+              </a:lnSpc>
+            </a:pPr>
+            <a:r>
+              <a:rPr lang="en-US" sz="2600" dirty="0">
+                <a:latin typeface="Calibri" charset="0"/>
+                <a:ea typeface="ＭＳ Ｐゴシック" charset="0"/>
+              </a:rPr>
+              <a:t>The input data is provided in </a:t>
+            </a:r>
+            <a:r>
+              <a:rPr lang="ja-JP" altLang="en-US" sz="2600" dirty="0">
+                <a:latin typeface="Calibri" charset="0"/>
+                <a:ea typeface="ＭＳ Ｐゴシック" charset="0"/>
+              </a:rPr>
+              <a:t>‘</a:t>
+            </a:r>
+            <a:r>
+              <a:rPr lang="en-US" altLang="ja-JP" sz="2600" dirty="0" err="1">
+                <a:latin typeface="Calibri" charset="0"/>
+                <a:ea typeface="ＭＳ Ｐゴシック" charset="0"/>
+              </a:rPr>
+              <a:t>fastq</a:t>
+            </a:r>
+            <a:r>
+              <a:rPr lang="ja-JP" altLang="en-US" sz="2600" dirty="0">
+                <a:latin typeface="Calibri" charset="0"/>
+                <a:ea typeface="ＭＳ Ｐゴシック" charset="0"/>
+              </a:rPr>
+              <a:t>’</a:t>
+            </a:r>
+            <a:r>
+              <a:rPr lang="en-US" altLang="ja-JP" sz="2600" dirty="0">
+                <a:latin typeface="Calibri" charset="0"/>
+                <a:ea typeface="ＭＳ Ｐゴシック" charset="0"/>
+              </a:rPr>
+              <a:t> format:</a:t>
+            </a:r>
+          </a:p>
+          <a:p>
+            <a:pPr lvl="1">
+              <a:lnSpc>
+                <a:spcPct val="80000"/>
+              </a:lnSpc>
+            </a:pPr>
+            <a:r>
+              <a:rPr lang="en-US" sz="2200" dirty="0">
+                <a:latin typeface="Calibri" charset="0"/>
+                <a:ea typeface="ＭＳ Ｐゴシック" charset="0"/>
+                <a:hlinkClick r:id="rId3"/>
+              </a:rPr>
+              <a:t>http://en.wikipedia.org/wiki/</a:t>
+            </a:r>
+            <a:r>
+              <a:rPr lang="en-US" sz="2200" dirty="0" smtClean="0">
+                <a:latin typeface="Calibri" charset="0"/>
+                <a:ea typeface="ＭＳ Ｐゴシック" charset="0"/>
+                <a:hlinkClick r:id="rId3"/>
+              </a:rPr>
+              <a:t>FASTQ_format</a:t>
+            </a:r>
+            <a:endParaRPr lang="en-US" sz="2200" dirty="0" smtClean="0">
+              <a:latin typeface="Calibri" charset="0"/>
+              <a:ea typeface="ＭＳ Ｐゴシック" charset="0"/>
+            </a:endParaRPr>
+          </a:p>
+        </p:txBody>
+      </p:sp>
+    </p:spTree>
+    <p:extLst>
+      <p:ext uri="{BB962C8B-B14F-4D97-AF65-F5344CB8AC3E}">
+        <p14:creationId xmlns:p14="http://schemas.microsoft.com/office/powerpoint/2010/main" val="1720242082"/>
+      </p:ext>
+    </p:extLst>
+  </p:cSld>
+  <p:clrMapOvr>
+    <a:masterClrMapping/>
+  </p:clrMapOvr>
+  <p:timing>
+    <p:tnLst>
+      <p:par>
+        <p:cTn xmlns:p14="http://schemas.microsoft.com/office/powerpoint/2010/main" id="1" dur="indefinite" restart="never" nodeType="tmRoot"/>
+      </p:par>
+    </p:tnLst>
+  </p:timing>
+</p:sld>
+</file>
+
+<file path=ppt/slides/slide11.xml><?xml version="1.0" encoding="utf-8"?>
+<p:sld xmlns:a="http://schemas.openxmlformats.org/drawingml/2006/main" xmlns:r="http://schemas.openxmlformats.org/officeDocument/2006/relationships" xmlns:p="http://schemas.openxmlformats.org/presentationml/2006/main">
+  <p:cSld>
+    <p:spTree>
+      <p:nvGrpSpPr>
+        <p:cNvPr id="1" name=""/>
+        <p:cNvGrpSpPr/>
+        <p:nvPr/>
+      </p:nvGrpSpPr>
+      <p:grpSpPr>
+        <a:xfrm>
+          <a:off x="0" y="0"/>
+          <a:ext cx="0" cy="0"/>
+          <a:chOff x="0" y="0"/>
+          <a:chExt cx="0" cy="0"/>
+        </a:xfrm>
+      </p:grpSpPr>
+      <p:sp>
+        <p:nvSpPr>
+          <p:cNvPr id="26625" name="Rectangle 2"/>
+          <p:cNvSpPr>
+            <a:spLocks noGrp="1" noChangeArrowheads="1"/>
+          </p:cNvSpPr>
+          <p:nvPr>
+            <p:ph type="title"/>
+          </p:nvPr>
+        </p:nvSpPr>
+        <p:spPr>
+          <a:xfrm>
+            <a:off x="152400" y="44450"/>
+            <a:ext cx="8839200" cy="1143000"/>
+          </a:xfrm>
+        </p:spPr>
+        <p:txBody>
+          <a:bodyPr/>
+          <a:lstStyle/>
+          <a:p>
+            <a:pPr eaLnBrk="1" hangingPunct="1"/>
+            <a:r>
+              <a:rPr lang="en-US" altLang="ko-KR" dirty="0">
+                <a:latin typeface="Calibri" charset="0"/>
+                <a:ea typeface="ＭＳ Ｐゴシック" charset="0"/>
+                <a:cs typeface="ＭＳ Ｐゴシック" charset="0"/>
+              </a:rPr>
+              <a:t>1</a:t>
+            </a:r>
+            <a:r>
+              <a:rPr lang="en-US" altLang="ko-KR" dirty="0" smtClean="0">
+                <a:latin typeface="Calibri" charset="0"/>
+                <a:ea typeface="ＭＳ Ｐゴシック" charset="0"/>
+                <a:cs typeface="ＭＳ Ｐゴシック" charset="0"/>
+              </a:rPr>
+              <a:t>-v. </a:t>
+            </a:r>
+            <a:r>
+              <a:rPr lang="en-US" altLang="ko-KR" dirty="0">
+                <a:latin typeface="Calibri" charset="0"/>
+                <a:ea typeface="ＭＳ Ｐゴシック" charset="0"/>
+                <a:cs typeface="ＭＳ Ｐゴシック" charset="0"/>
+              </a:rPr>
+              <a:t>Obtain RNA-seq data (cont’d)</a:t>
+            </a:r>
+          </a:p>
+        </p:txBody>
+      </p:sp>
+      <p:sp>
+        <p:nvSpPr>
+          <p:cNvPr id="22530" name="Content Placeholder 6"/>
+          <p:cNvSpPr>
+            <a:spLocks noGrp="1"/>
+          </p:cNvSpPr>
+          <p:nvPr>
+            <p:ph idx="1"/>
+          </p:nvPr>
+        </p:nvSpPr>
+        <p:spPr>
+          <a:xfrm>
+            <a:off x="152400" y="1268413"/>
+            <a:ext cx="8839200" cy="4979987"/>
+          </a:xfrm>
+        </p:spPr>
+        <p:txBody>
+          <a:bodyPr>
+            <a:normAutofit fontScale="92500" lnSpcReduction="20000"/>
+          </a:bodyPr>
+          <a:lstStyle/>
+          <a:p>
+            <a:pPr eaLnBrk="1" hangingPunct="1">
+              <a:defRPr/>
+            </a:pPr>
+            <a:r>
+              <a:rPr lang="en-US" sz="2400" dirty="0" smtClean="0">
+                <a:latin typeface="Calibri" charset="0"/>
+                <a:ea typeface="ＭＳ Ｐゴシック" charset="0"/>
+                <a:cs typeface="ＭＳ Ｐゴシック" charset="0"/>
+              </a:rPr>
+              <a:t>Universal Human Reference (UHR): </a:t>
+            </a:r>
+          </a:p>
+          <a:p>
+            <a:pPr lvl="1" eaLnBrk="1" hangingPunct="1">
+              <a:defRPr/>
+            </a:pPr>
+            <a:r>
+              <a:rPr lang="en-US" sz="2000" dirty="0" smtClean="0">
+                <a:latin typeface="Calibri" charset="0"/>
+                <a:ea typeface="ＭＳ Ｐゴシック" charset="0"/>
+                <a:cs typeface="ＭＳ Ｐゴシック" charset="0"/>
+              </a:rPr>
+              <a:t>A </a:t>
+            </a:r>
+            <a:r>
+              <a:rPr lang="en-US" sz="2000" dirty="0">
+                <a:latin typeface="Calibri" charset="0"/>
+                <a:ea typeface="ＭＳ Ｐゴシック" charset="0"/>
+                <a:cs typeface="ＭＳ Ｐゴシック" charset="0"/>
+              </a:rPr>
+              <a:t>pool of 10 human cell lines.  This sample was purchased from </a:t>
+            </a:r>
+            <a:r>
+              <a:rPr lang="en-US" sz="2000" dirty="0" err="1">
+                <a:latin typeface="Calibri" charset="0"/>
+                <a:ea typeface="ＭＳ Ｐゴシック" charset="0"/>
+                <a:cs typeface="ＭＳ Ｐゴシック" charset="0"/>
+              </a:rPr>
+              <a:t>Strategene</a:t>
+            </a:r>
+            <a:r>
+              <a:rPr lang="en-US" sz="2000" dirty="0">
+                <a:latin typeface="Calibri" charset="0"/>
+                <a:ea typeface="ＭＳ Ｐゴシック" charset="0"/>
+                <a:cs typeface="ＭＳ Ｐゴシック" charset="0"/>
+              </a:rPr>
+              <a:t> (Agilent Technologies</a:t>
+            </a:r>
+            <a:r>
+              <a:rPr lang="en-US" sz="2000" dirty="0" smtClean="0">
+                <a:latin typeface="Calibri" charset="0"/>
+                <a:ea typeface="ＭＳ Ｐゴシック" charset="0"/>
+                <a:cs typeface="ＭＳ Ｐゴシック" charset="0"/>
+              </a:rPr>
+              <a:t>)</a:t>
+            </a:r>
+          </a:p>
+          <a:p>
+            <a:pPr lvl="1" eaLnBrk="1" hangingPunct="1">
+              <a:defRPr/>
+            </a:pPr>
+            <a:r>
+              <a:rPr lang="en-US" sz="2000" dirty="0" smtClean="0">
+                <a:latin typeface="Calibri" charset="0"/>
+                <a:ea typeface="ＭＳ Ｐゴシック" charset="0"/>
+                <a:cs typeface="ＭＳ Ｐゴシック" charset="0"/>
+                <a:hlinkClick r:id="rId3"/>
+              </a:rPr>
+              <a:t>http</a:t>
+            </a:r>
+            <a:r>
+              <a:rPr lang="en-US" sz="2000" dirty="0">
+                <a:latin typeface="Calibri" charset="0"/>
+                <a:ea typeface="ＭＳ Ｐゴシック" charset="0"/>
+                <a:cs typeface="ＭＳ Ｐゴシック" charset="0"/>
+                <a:hlinkClick r:id="rId3"/>
+              </a:rPr>
+              <a:t>://www.genomics.agilent.com/en/References-Controls/Universal-Reference-RNAs/?cid=AG-PT-172&amp;tabId=AG-PR-</a:t>
+            </a:r>
+            <a:r>
+              <a:rPr lang="en-US" sz="2000" dirty="0" smtClean="0">
+                <a:latin typeface="Calibri" charset="0"/>
+                <a:ea typeface="ＭＳ Ｐゴシック" charset="0"/>
+                <a:cs typeface="ＭＳ Ｐゴシック" charset="0"/>
+                <a:hlinkClick r:id="rId3"/>
+              </a:rPr>
+              <a:t>1217</a:t>
+            </a:r>
+            <a:endParaRPr lang="en-US" sz="2000" dirty="0" smtClean="0">
+              <a:latin typeface="Calibri" charset="0"/>
+              <a:ea typeface="ＭＳ Ｐゴシック" charset="0"/>
+              <a:cs typeface="ＭＳ Ｐゴシック" charset="0"/>
+            </a:endParaRPr>
+          </a:p>
+          <a:p>
+            <a:pPr eaLnBrk="1" hangingPunct="1">
+              <a:defRPr/>
+            </a:pPr>
+            <a:r>
+              <a:rPr lang="en-US" sz="2400" dirty="0" smtClean="0">
+                <a:latin typeface="Calibri" charset="0"/>
+                <a:ea typeface="ＭＳ Ｐゴシック" charset="0"/>
+                <a:cs typeface="ＭＳ Ｐゴシック" charset="0"/>
+              </a:rPr>
+              <a:t>Human Brain Reference (HBR):</a:t>
+            </a:r>
+          </a:p>
+          <a:p>
+            <a:pPr lvl="1" eaLnBrk="1" hangingPunct="1">
+              <a:defRPr/>
+            </a:pPr>
+            <a:r>
+              <a:rPr lang="en-US" sz="2000" dirty="0" smtClean="0">
+                <a:latin typeface="Calibri" charset="0"/>
+                <a:ea typeface="ＭＳ Ｐゴシック" charset="0"/>
+                <a:cs typeface="ＭＳ Ｐゴシック" charset="0"/>
+              </a:rPr>
+              <a:t>A </a:t>
+            </a:r>
+            <a:r>
+              <a:rPr lang="en-US" sz="2000" dirty="0">
+                <a:latin typeface="Calibri" charset="0"/>
+                <a:ea typeface="ＭＳ Ｐゴシック" charset="0"/>
+                <a:cs typeface="ＭＳ Ｐゴシック" charset="0"/>
+              </a:rPr>
+              <a:t>pool of brain tissue from multiple brain regions from multiple human donors.  This sample was purchased from </a:t>
+            </a:r>
+            <a:r>
+              <a:rPr lang="en-US" sz="2000" dirty="0" err="1">
+                <a:latin typeface="Calibri" charset="0"/>
+                <a:ea typeface="ＭＳ Ｐゴシック" charset="0"/>
+                <a:cs typeface="ＭＳ Ｐゴシック" charset="0"/>
+              </a:rPr>
+              <a:t>Ambion</a:t>
+            </a:r>
+            <a:r>
+              <a:rPr lang="en-US" sz="2000" dirty="0">
+                <a:latin typeface="Calibri" charset="0"/>
+                <a:ea typeface="ＭＳ Ｐゴシック" charset="0"/>
+                <a:cs typeface="ＭＳ Ｐゴシック" charset="0"/>
+              </a:rPr>
+              <a:t> (Life Technologies)</a:t>
+            </a:r>
+            <a:r>
+              <a:rPr lang="en-US" sz="2000" dirty="0" smtClean="0">
+                <a:latin typeface="Calibri" charset="0"/>
+                <a:ea typeface="ＭＳ Ｐゴシック" charset="0"/>
+                <a:cs typeface="ＭＳ Ｐゴシック" charset="0"/>
+              </a:rPr>
+              <a:t>.</a:t>
+            </a:r>
+          </a:p>
+          <a:p>
+            <a:pPr lvl="1" eaLnBrk="1" hangingPunct="1">
+              <a:defRPr/>
+            </a:pPr>
+            <a:r>
+              <a:rPr lang="en-US" sz="2000" dirty="0">
+                <a:hlinkClick r:id="rId4"/>
+              </a:rPr>
+              <a:t>http://www.lifetechnologies.com/order/catalog/product/</a:t>
+            </a:r>
+            <a:r>
+              <a:rPr lang="en-US" sz="2000" dirty="0" smtClean="0">
+                <a:hlinkClick r:id="rId4"/>
+              </a:rPr>
+              <a:t>AM6050</a:t>
+            </a:r>
+            <a:endParaRPr lang="en-US" sz="2000" dirty="0" smtClean="0"/>
+          </a:p>
+          <a:p>
+            <a:pPr eaLnBrk="1" hangingPunct="1">
+              <a:defRPr/>
+            </a:pPr>
+            <a:r>
+              <a:rPr lang="en-US" sz="2400" dirty="0" smtClean="0">
+                <a:latin typeface="Calibri" charset="0"/>
+                <a:ea typeface="ＭＳ Ｐゴシック" charset="0"/>
+                <a:cs typeface="ＭＳ Ｐゴシック" charset="0"/>
+              </a:rPr>
+              <a:t>External RNA Reference Consortium (ERCC):</a:t>
+            </a:r>
+          </a:p>
+          <a:p>
+            <a:pPr lvl="1" eaLnBrk="1" hangingPunct="1">
+              <a:defRPr/>
+            </a:pPr>
+            <a:r>
+              <a:rPr lang="en-US" sz="2000" dirty="0" smtClean="0">
+                <a:latin typeface="Calibri" charset="0"/>
+                <a:ea typeface="ＭＳ Ｐゴシック" charset="0"/>
+                <a:cs typeface="ＭＳ Ｐゴシック" charset="0"/>
+              </a:rPr>
+              <a:t>ERCC </a:t>
+            </a:r>
+            <a:r>
+              <a:rPr lang="en-US" sz="2000" dirty="0">
+                <a:latin typeface="Calibri" charset="0"/>
+                <a:ea typeface="ＭＳ Ｐゴシック" charset="0"/>
+                <a:cs typeface="ＭＳ Ｐゴシック" charset="0"/>
+              </a:rPr>
+              <a:t>reference RNA spike-ins purchased from </a:t>
+            </a:r>
+            <a:r>
+              <a:rPr lang="en-US" sz="2000" dirty="0" err="1">
+                <a:latin typeface="Calibri" charset="0"/>
+                <a:ea typeface="ＭＳ Ｐゴシック" charset="0"/>
+                <a:cs typeface="ＭＳ Ｐゴシック" charset="0"/>
+              </a:rPr>
+              <a:t>Ambion</a:t>
+            </a:r>
+            <a:r>
+              <a:rPr lang="en-US" sz="2000" dirty="0">
+                <a:latin typeface="Calibri" charset="0"/>
+                <a:ea typeface="ＭＳ Ｐゴシック" charset="0"/>
+                <a:cs typeface="ＭＳ Ｐゴシック" charset="0"/>
+              </a:rPr>
+              <a:t> (Life Technologies)</a:t>
+            </a:r>
+            <a:r>
+              <a:rPr lang="en-US" sz="2000" dirty="0" smtClean="0">
+                <a:latin typeface="Calibri" charset="0"/>
+                <a:ea typeface="ＭＳ Ｐゴシック" charset="0"/>
+                <a:cs typeface="ＭＳ Ｐゴシック" charset="0"/>
+              </a:rPr>
+              <a:t>.</a:t>
+            </a:r>
+          </a:p>
+          <a:p>
+            <a:pPr lvl="1" eaLnBrk="1" hangingPunct="1">
+              <a:defRPr/>
+            </a:pPr>
+            <a:r>
+              <a:rPr lang="en-US" sz="2400" dirty="0" smtClean="0">
+                <a:latin typeface="Calibri" charset="0"/>
+                <a:ea typeface="ＭＳ Ｐゴシック" charset="0"/>
+                <a:cs typeface="ＭＳ Ｐゴシック" charset="0"/>
+                <a:hlinkClick r:id="rId5"/>
+              </a:rPr>
+              <a:t>http</a:t>
+            </a:r>
+            <a:r>
+              <a:rPr lang="en-US" sz="2400" dirty="0">
+                <a:latin typeface="Calibri" charset="0"/>
+                <a:ea typeface="ＭＳ Ｐゴシック" charset="0"/>
+                <a:cs typeface="ＭＳ Ｐゴシック" charset="0"/>
+                <a:hlinkClick r:id="rId5"/>
+              </a:rPr>
+              <a:t>://www.lifetechnologies.com/order/catalog/product/</a:t>
+            </a:r>
+            <a:r>
+              <a:rPr lang="en-US" sz="2400" dirty="0" smtClean="0">
+                <a:latin typeface="Calibri" charset="0"/>
+                <a:ea typeface="ＭＳ Ｐゴシック" charset="0"/>
+                <a:cs typeface="ＭＳ Ｐゴシック" charset="0"/>
+                <a:hlinkClick r:id="rId5"/>
+              </a:rPr>
+              <a:t>4456739</a:t>
+            </a:r>
+            <a:endParaRPr lang="en-US" dirty="0">
+              <a:latin typeface="Calibri" charset="0"/>
+              <a:ea typeface="ＭＳ Ｐゴシック" charset="0"/>
+              <a:cs typeface="ＭＳ Ｐゴシック" charset="0"/>
+            </a:endParaRPr>
+          </a:p>
+          <a:p>
+            <a:pPr lvl="1" eaLnBrk="1" hangingPunct="1">
+              <a:defRPr/>
+            </a:pPr>
+            <a:r>
+              <a:rPr lang="en-US" dirty="0">
+                <a:latin typeface="Calibri" charset="0"/>
+                <a:ea typeface="ＭＳ Ｐゴシック" charset="0"/>
+                <a:cs typeface="ＭＳ Ｐゴシック" charset="0"/>
+              </a:rPr>
+              <a:t>The UHR samples used ERCC Mix1</a:t>
+            </a:r>
+            <a:r>
+              <a:rPr lang="en-US" dirty="0" smtClean="0">
+                <a:latin typeface="Calibri" charset="0"/>
+                <a:ea typeface="ＭＳ Ｐゴシック" charset="0"/>
+                <a:cs typeface="ＭＳ Ｐゴシック" charset="0"/>
+              </a:rPr>
+              <a:t>. </a:t>
+            </a:r>
+            <a:r>
+              <a:rPr lang="en-US" sz="2400" dirty="0" smtClean="0">
+                <a:latin typeface="Calibri" charset="0"/>
+                <a:ea typeface="ＭＳ Ｐゴシック" charset="0"/>
+                <a:cs typeface="ＭＳ Ｐゴシック" charset="0"/>
+              </a:rPr>
+              <a:t>The </a:t>
+            </a:r>
+            <a:r>
+              <a:rPr lang="en-US" sz="2400" dirty="0">
+                <a:latin typeface="Calibri" charset="0"/>
+                <a:ea typeface="ＭＳ Ｐゴシック" charset="0"/>
+                <a:cs typeface="ＭＳ Ｐゴシック" charset="0"/>
+              </a:rPr>
+              <a:t>HBR </a:t>
+            </a:r>
+            <a:r>
+              <a:rPr lang="en-US" sz="2400" dirty="0" smtClean="0">
+                <a:latin typeface="Calibri" charset="0"/>
+                <a:ea typeface="ＭＳ Ｐゴシック" charset="0"/>
+                <a:cs typeface="ＭＳ Ｐゴシック" charset="0"/>
+              </a:rPr>
+              <a:t>samples used </a:t>
+            </a:r>
+            <a:r>
+              <a:rPr lang="en-US" sz="2400" dirty="0">
+                <a:latin typeface="Calibri" charset="0"/>
+                <a:ea typeface="ＭＳ Ｐゴシック" charset="0"/>
+                <a:cs typeface="ＭＳ Ｐゴシック" charset="0"/>
+              </a:rPr>
+              <a:t>ERCC Mix2</a:t>
+            </a:r>
+            <a:r>
+              <a:rPr lang="en-US" sz="2400" dirty="0" smtClean="0">
+                <a:latin typeface="Calibri" charset="0"/>
+                <a:ea typeface="ＭＳ Ｐゴシック" charset="0"/>
+                <a:cs typeface="ＭＳ Ｐゴシック" charset="0"/>
+              </a:rPr>
+              <a:t>.</a:t>
+            </a:r>
+          </a:p>
+          <a:p>
+            <a:pPr eaLnBrk="1" hangingPunct="1">
+              <a:defRPr/>
+            </a:pPr>
+            <a:endParaRPr lang="en-US" sz="2400" dirty="0" smtClean="0">
+              <a:latin typeface="Calibri" charset="0"/>
+              <a:ea typeface="ＭＳ Ｐゴシック" charset="0"/>
+              <a:cs typeface="ＭＳ Ｐゴシック" charset="0"/>
+            </a:endParaRPr>
+          </a:p>
+          <a:p>
+            <a:pPr eaLnBrk="1" hangingPunct="1">
+              <a:defRPr/>
+            </a:pPr>
+            <a:r>
+              <a:rPr lang="en-US" sz="2400" dirty="0" smtClean="0">
+                <a:latin typeface="Calibri" charset="0"/>
+                <a:ea typeface="ＭＳ Ｐゴシック" charset="0"/>
+                <a:cs typeface="ＭＳ Ｐゴシック" charset="0"/>
+              </a:rPr>
+              <a:t>In </a:t>
+            </a:r>
+            <a:r>
+              <a:rPr lang="en-US" sz="2400" dirty="0">
+                <a:latin typeface="Calibri" charset="0"/>
+                <a:ea typeface="ＭＳ Ｐゴシック" charset="0"/>
+                <a:cs typeface="ＭＳ Ｐゴシック" charset="0"/>
+              </a:rPr>
+              <a:t>this tutorial we will </a:t>
+            </a:r>
+            <a:r>
+              <a:rPr lang="en-US" sz="2400" dirty="0" smtClean="0">
+                <a:latin typeface="Calibri" charset="0"/>
+                <a:ea typeface="ＭＳ Ｐゴシック" charset="0"/>
+                <a:cs typeface="ＭＳ Ｐゴシック" charset="0"/>
+              </a:rPr>
+              <a:t>compare </a:t>
+            </a:r>
+            <a:r>
+              <a:rPr lang="en-US" sz="2400" dirty="0">
+                <a:latin typeface="Calibri" charset="0"/>
+                <a:ea typeface="ＭＳ Ｐゴシック" charset="0"/>
+                <a:cs typeface="ＭＳ Ｐゴシック" charset="0"/>
+              </a:rPr>
+              <a:t>the </a:t>
+            </a:r>
+            <a:r>
+              <a:rPr lang="en-US" sz="2400" dirty="0" smtClean="0">
+                <a:latin typeface="Calibri" charset="0"/>
+                <a:ea typeface="ＭＳ Ｐゴシック" charset="0"/>
+                <a:cs typeface="ＭＳ Ｐゴシック" charset="0"/>
+              </a:rPr>
+              <a:t>three UHR </a:t>
+            </a:r>
+            <a:r>
+              <a:rPr lang="en-US" sz="2400" dirty="0">
+                <a:latin typeface="Calibri" charset="0"/>
+                <a:ea typeface="ＭＳ Ｐゴシック" charset="0"/>
+                <a:cs typeface="ＭＳ Ｐゴシック" charset="0"/>
+              </a:rPr>
+              <a:t>libraries </a:t>
+            </a:r>
+            <a:r>
+              <a:rPr lang="en-US" sz="2400" dirty="0" err="1" smtClean="0">
+                <a:latin typeface="Calibri" charset="0"/>
+                <a:ea typeface="ＭＳ Ｐゴシック" charset="0"/>
+                <a:cs typeface="ＭＳ Ｐゴシック" charset="0"/>
+              </a:rPr>
+              <a:t>vs</a:t>
+            </a:r>
+            <a:r>
+              <a:rPr lang="en-US" sz="2400" dirty="0" smtClean="0">
+                <a:latin typeface="Calibri" charset="0"/>
+                <a:ea typeface="ＭＳ Ｐゴシック" charset="0"/>
+                <a:cs typeface="ＭＳ Ｐゴシック" charset="0"/>
+              </a:rPr>
+              <a:t> three HBR libraries (6 </a:t>
+            </a:r>
+            <a:r>
+              <a:rPr lang="en-US" sz="2400" dirty="0">
+                <a:latin typeface="Calibri" charset="0"/>
+                <a:ea typeface="ＭＳ Ｐゴシック" charset="0"/>
+                <a:cs typeface="ＭＳ Ｐゴシック" charset="0"/>
+              </a:rPr>
+              <a:t>samples in total</a:t>
+            </a:r>
+            <a:r>
+              <a:rPr lang="en-US" sz="2400" dirty="0" smtClean="0">
+                <a:latin typeface="Calibri" charset="0"/>
+                <a:ea typeface="ＭＳ Ｐゴシック" charset="0"/>
+                <a:cs typeface="ＭＳ Ｐゴシック" charset="0"/>
+              </a:rPr>
+              <a:t>)</a:t>
+            </a:r>
+          </a:p>
+        </p:txBody>
+      </p:sp>
+    </p:spTree>
+    <p:extLst>
+      <p:ext uri="{BB962C8B-B14F-4D97-AF65-F5344CB8AC3E}">
+        <p14:creationId xmlns:p14="http://schemas.microsoft.com/office/powerpoint/2010/main" val="3238366583"/>
+      </p:ext>
+    </p:extLst>
+  </p:cSld>
+  <p:clrMapOvr>
+    <a:masterClrMapping/>
+  </p:clrMapOvr>
+  <p:timing>
+    <p:tnLst>
+      <p:par>
+        <p:cTn xmlns:p14="http://schemas.microsoft.com/office/powerpoint/2010/main" id="1" dur="indefinite" restart="never" nodeType="tmRoot"/>
+      </p:par>
+    </p:tnLst>
+  </p:timing>
+</p:sld>
+</file>
+
+<file path=ppt/slides/slide12.xml><?xml version="1.0" encoding="utf-8"?>
+<p:sld xmlns:a="http://schemas.openxmlformats.org/drawingml/2006/main" xmlns:r="http://schemas.openxmlformats.org/officeDocument/2006/relationships" xmlns:p="http://schemas.openxmlformats.org/presentationml/2006/main">
+  <p:cSld>
+    <p:spTree>
+      <p:nvGrpSpPr>
+        <p:cNvPr id="1" name=""/>
+        <p:cNvGrpSpPr/>
+        <p:nvPr/>
+      </p:nvGrpSpPr>
+      <p:grpSpPr>
+        <a:xfrm>
+          <a:off x="0" y="0"/>
+          <a:ext cx="0" cy="0"/>
+          <a:chOff x="0" y="0"/>
+          <a:chExt cx="0" cy="0"/>
+        </a:xfrm>
+      </p:grpSpPr>
+      <p:sp>
+        <p:nvSpPr>
+          <p:cNvPr id="28673" name="Title 1"/>
+          <p:cNvSpPr>
+            <a:spLocks noGrp="1"/>
+          </p:cNvSpPr>
+          <p:nvPr>
+            <p:ph type="title"/>
+          </p:nvPr>
+        </p:nvSpPr>
+        <p:spPr>
+          <a:xfrm>
+            <a:off x="152400" y="53752"/>
+            <a:ext cx="8839200" cy="1143000"/>
+          </a:xfrm>
+        </p:spPr>
+        <p:txBody>
+          <a:bodyPr/>
+          <a:lstStyle/>
+          <a:p>
+            <a:r>
+              <a:rPr lang="en-US" dirty="0">
+                <a:latin typeface="Calibri" charset="0"/>
+                <a:ea typeface="ＭＳ Ｐゴシック" charset="0"/>
+              </a:rPr>
+              <a:t>1</a:t>
+            </a:r>
+            <a:r>
+              <a:rPr lang="en-US" smtClean="0">
+                <a:latin typeface="Calibri" charset="0"/>
+                <a:ea typeface="ＭＳ Ｐゴシック" charset="0"/>
+              </a:rPr>
+              <a:t>-</a:t>
+            </a:r>
+            <a:r>
+              <a:rPr lang="en-US" dirty="0" smtClean="0">
+                <a:latin typeface="Calibri" charset="0"/>
+                <a:ea typeface="ＭＳ Ｐゴシック" charset="0"/>
+              </a:rPr>
+              <a:t>vi. Pre</a:t>
+            </a:r>
+            <a:r>
+              <a:rPr lang="en-US" dirty="0">
+                <a:latin typeface="Calibri" charset="0"/>
+                <a:ea typeface="ＭＳ Ｐゴシック" charset="0"/>
+              </a:rPr>
+              <a:t>-Alignment QC with </a:t>
+            </a:r>
+            <a:r>
+              <a:rPr lang="en-US" dirty="0" err="1">
+                <a:latin typeface="Calibri" charset="0"/>
+                <a:ea typeface="ＭＳ Ｐゴシック" charset="0"/>
+              </a:rPr>
+              <a:t>FastQC</a:t>
+            </a:r>
+            <a:endParaRPr lang="en-US" dirty="0">
+              <a:latin typeface="Calibri" charset="0"/>
+              <a:ea typeface="ＭＳ Ｐゴシック" charset="0"/>
+            </a:endParaRPr>
+          </a:p>
+        </p:txBody>
+      </p:sp>
+      <p:pic>
+        <p:nvPicPr>
+          <p:cNvPr id="28674" name="Content Placeholder 3" descr="Screen Shot 2013-06-01 at 9.58.30 PM.png"/>
+          <p:cNvPicPr>
+            <a:picLocks noGrp="1" noChangeAspect="1"/>
+          </p:cNvPicPr>
+          <p:nvPr>
+            <p:ph idx="1"/>
+          </p:nvPr>
+        </p:nvPicPr>
+        <p:blipFill>
+          <a:blip r:embed="rId2">
+            <a:extLst>
+              <a:ext uri="{28A0092B-C50C-407E-A947-70E740481C1C}">
+                <a14:useLocalDpi xmlns:a14="http://schemas.microsoft.com/office/drawing/2010/main" val="0"/>
+              </a:ext>
+            </a:extLst>
+          </a:blip>
+          <a:srcRect l="-20132" t="293" r="-20132"/>
+          <a:stretch>
+            <a:fillRect/>
+          </a:stretch>
+        </p:blipFill>
+        <p:spPr>
+          <a:xfrm>
+            <a:off x="152400" y="1412875"/>
+            <a:ext cx="8839200" cy="4710113"/>
+          </a:xfrm>
+        </p:spPr>
+      </p:pic>
+    </p:spTree>
+    <p:extLst>
+      <p:ext uri="{BB962C8B-B14F-4D97-AF65-F5344CB8AC3E}">
+        <p14:creationId xmlns:p14="http://schemas.microsoft.com/office/powerpoint/2010/main" val="959241592"/>
+      </p:ext>
+    </p:extLst>
+  </p:cSld>
+  <p:clrMapOvr>
+    <a:masterClrMapping/>
+  </p:clrMapOvr>
+</p:sld>
+</file>
+
+<file path=ppt/slides/slide13.xml><?xml version="1.0" encoding="utf-8"?>
+<p:sld xmlns:a="http://schemas.openxmlformats.org/drawingml/2006/main" xmlns:r="http://schemas.openxmlformats.org/officeDocument/2006/relationships" xmlns:p="http://schemas.openxmlformats.org/presentationml/2006/main">
+  <p:cSld>
+    <p:spTree>
+      <p:nvGrpSpPr>
+        <p:cNvPr id="1" name=""/>
+        <p:cNvGrpSpPr/>
+        <p:nvPr/>
+      </p:nvGrpSpPr>
+      <p:grpSpPr>
+        <a:xfrm>
+          <a:off x="0" y="0"/>
+          <a:ext cx="0" cy="0"/>
+          <a:chOff x="0" y="0"/>
+          <a:chExt cx="0" cy="0"/>
+        </a:xfrm>
+      </p:grpSpPr>
+      <p:sp>
+        <p:nvSpPr>
+          <p:cNvPr id="11265" name="Content Placeholder 3"/>
+          <p:cNvSpPr>
+            <a:spLocks noGrp="1"/>
+          </p:cNvSpPr>
+          <p:nvPr>
+            <p:ph idx="1"/>
+          </p:nvPr>
+        </p:nvSpPr>
+        <p:spPr>
+          <a:xfrm>
+            <a:off x="152400" y="2667000"/>
+            <a:ext cx="8839200" cy="1600200"/>
+          </a:xfrm>
+        </p:spPr>
+        <p:txBody>
+          <a:bodyPr/>
+          <a:lstStyle/>
+          <a:p>
+            <a:pPr algn="ctr">
+              <a:buFont typeface="Arial" charset="0"/>
+              <a:buNone/>
+            </a:pPr>
+            <a:r>
+              <a:rPr lang="en-US" sz="4400">
+                <a:latin typeface="Calibri" charset="0"/>
+                <a:ea typeface="ＭＳ Ｐゴシック" charset="0"/>
+              </a:rPr>
+              <a:t>Break</a:t>
+            </a:r>
+          </a:p>
+        </p:txBody>
+      </p:sp>
+    </p:spTree>
+    <p:extLst>
+      <p:ext uri="{BB962C8B-B14F-4D97-AF65-F5344CB8AC3E}">
+        <p14:creationId xmlns:p14="http://schemas.microsoft.com/office/powerpoint/2010/main" val="3252682628"/>
+      </p:ext>
+    </p:extLst>
   </p:cSld>
   <p:clrMapOvr>
     <a:masterClrMapping/>
@@ -3951,14 +6638,14 @@
           </a:ln>
           <a:extLst>
             <a:ext uri="{909E8E84-426E-40dd-AFC4-6F175D3DCCD1}">
-              <a14:hiddenFill xmlns:a14="http://schemas.microsoft.com/office/drawing/2010/main" xmlns="">
+              <a14:hiddenFill xmlns:a14="http://schemas.microsoft.com/office/drawing/2010/main">
                 <a:solidFill>
                   <a:srgbClr val="FFFFFF"/>
                 </a:solidFill>
               </a14:hiddenFill>
             </a:ext>
             <a:ext uri="{91240B29-F687-4f45-9708-019B960494DF}">
-              <a14:hiddenLine xmlns:a14="http://schemas.microsoft.com/office/drawing/2010/main" xmlns="" w="9525">
+              <a14:hiddenLine xmlns:a14="http://schemas.microsoft.com/office/drawing/2010/main" w="9525">
                 <a:solidFill>
                   <a:srgbClr val="000000"/>
                 </a:solidFill>
@@ -4005,14 +6692,14 @@
           </a:ln>
           <a:extLst>
             <a:ext uri="{909E8E84-426E-40dd-AFC4-6F175D3DCCD1}">
-              <a14:hiddenFill xmlns:a14="http://schemas.microsoft.com/office/drawing/2010/main" xmlns="">
+              <a14:hiddenFill xmlns:a14="http://schemas.microsoft.com/office/drawing/2010/main">
                 <a:solidFill>
                   <a:srgbClr val="FFFFFF"/>
                 </a:solidFill>
               </a14:hiddenFill>
             </a:ext>
             <a:ext uri="{91240B29-F687-4f45-9708-019B960494DF}">
-              <a14:hiddenLine xmlns:a14="http://schemas.microsoft.com/office/drawing/2010/main" xmlns="" w="9525">
+              <a14:hiddenLine xmlns:a14="http://schemas.microsoft.com/office/drawing/2010/main" w="9525">
                 <a:solidFill>
                   <a:srgbClr val="000000"/>
                 </a:solidFill>
@@ -4046,14 +6733,14 @@
           </a:ln>
           <a:extLst>
             <a:ext uri="{909E8E84-426E-40dd-AFC4-6F175D3DCCD1}">
-              <a14:hiddenFill xmlns:a14="http://schemas.microsoft.com/office/drawing/2010/main" xmlns="">
+              <a14:hiddenFill xmlns:a14="http://schemas.microsoft.com/office/drawing/2010/main">
                 <a:solidFill>
                   <a:srgbClr val="FFFFFF"/>
                 </a:solidFill>
               </a14:hiddenFill>
             </a:ext>
             <a:ext uri="{91240B29-F687-4f45-9708-019B960494DF}">
-              <a14:hiddenLine xmlns:a14="http://schemas.microsoft.com/office/drawing/2010/main" xmlns="" w="9525">
+              <a14:hiddenLine xmlns:a14="http://schemas.microsoft.com/office/drawing/2010/main" w="9525">
                 <a:solidFill>
                   <a:srgbClr val="000000"/>
                 </a:solidFill>
@@ -4297,21 +6984,8 @@
                 <a:ea typeface="+mj-ea"/>
                 <a:cs typeface="Calibri"/>
               </a:rPr>
-              <a:t>Malachi Griffith, Obi Griffith, Jason </a:t>
-            </a:r>
-            <a:r>
-              <a:rPr lang="en-US" sz="1600" dirty="0" smtClean="0">
-                <a:latin typeface="Calibri"/>
-                <a:ea typeface="+mj-ea"/>
-                <a:cs typeface="Calibri"/>
-              </a:rPr>
-              <a:t>Walker, Alex Wagner</a:t>
-            </a:r>
-            <a:endParaRPr lang="en-US" sz="1600" dirty="0" smtClean="0">
-              <a:latin typeface="Calibri"/>
-              <a:ea typeface="+mj-ea"/>
-              <a:cs typeface="Calibri"/>
-            </a:endParaRPr>
+              <a:t>Malachi Griffith, Obi Griffith, Jason Walker, Alex Wagner</a:t>
+            </a:r>
           </a:p>
           <a:p>
             <a:pPr fontAlgn="auto">
@@ -4404,18 +7078,6 @@
               </a:rPr>
               <a:t>20, 2016</a:t>
             </a:r>
-            <a:endParaRPr lang="en-US" sz="1400" dirty="0" smtClean="0">
-              <a:ln w="1270">
-                <a:solidFill>
-                  <a:schemeClr val="tx1">
-                    <a:alpha val="38000"/>
-                  </a:schemeClr>
-                </a:solidFill>
-              </a:ln>
-              <a:latin typeface="Calibri"/>
-              <a:ea typeface="+mn-ea"/>
-              <a:cs typeface="Calibri"/>
-            </a:endParaRPr>
           </a:p>
         </p:txBody>
       </p:sp>
@@ -4432,7 +7094,7 @@
   <p:timing>
     <p:tnLst>
       <p:par>
-        <p:cTn id="1" dur="indefinite" restart="never" nodeType="tmRoot"/>
+        <p:cTn xmlns:p14="http://schemas.microsoft.com/office/powerpoint/2010/main" id="1" dur="indefinite" restart="never" nodeType="tmRoot"/>
       </p:par>
     </p:tnLst>
   </p:timing>
@@ -4458,7 +7120,60 @@
       </p:grpSpPr>
       <p:sp>
         <p:nvSpPr>
-          <p:cNvPr id="11265" name="Content Placeholder 3"/>
+          <p:cNvPr id="12289" name="Rectangle 2"/>
+          <p:cNvSpPr>
+            <a:spLocks noGrp="1" noChangeArrowheads="1"/>
+          </p:cNvSpPr>
+          <p:nvPr>
+            <p:ph type="title"/>
+          </p:nvPr>
+        </p:nvSpPr>
+        <p:spPr>
+          <a:xfrm>
+            <a:off x="152400" y="-26988"/>
+            <a:ext cx="8839200" cy="1143001"/>
+          </a:xfrm>
+        </p:spPr>
+        <p:txBody>
+          <a:bodyPr/>
+          <a:lstStyle/>
+          <a:p>
+            <a:pPr eaLnBrk="1" hangingPunct="1"/>
+            <a:r>
+              <a:rPr lang="en-US" altLang="ko-KR" dirty="0">
+                <a:latin typeface="Calibri" charset="0"/>
+                <a:ea typeface="ＭＳ Ｐゴシック" charset="0"/>
+                <a:cs typeface="ＭＳ Ｐゴシック" charset="0"/>
+              </a:rPr>
+              <a:t>Learning Objectives </a:t>
+            </a:r>
+            <a:r>
+              <a:rPr lang="en-US" altLang="ko-KR">
+                <a:latin typeface="Calibri" charset="0"/>
+                <a:ea typeface="ＭＳ Ｐゴシック" charset="0"/>
+                <a:cs typeface="ＭＳ Ｐゴシック" charset="0"/>
+              </a:rPr>
+              <a:t>of </a:t>
+            </a:r>
+            <a:r>
+              <a:rPr lang="en-US" altLang="ko-KR" smtClean="0">
+                <a:latin typeface="Calibri" charset="0"/>
+                <a:ea typeface="ＭＳ Ｐゴシック" charset="0"/>
+                <a:cs typeface="ＭＳ Ｐゴシック" charset="0"/>
+              </a:rPr>
+              <a:t>Tutorial</a:t>
+            </a:r>
+            <a:endParaRPr lang="en-US" altLang="ko-KR" dirty="0">
+              <a:latin typeface="Calibri" charset="0"/>
+              <a:ea typeface="ＭＳ Ｐゴシック" charset="0"/>
+              <a:cs typeface="ＭＳ Ｐゴシック" charset="0"/>
+            </a:endParaRPr>
+          </a:p>
+        </p:txBody>
+      </p:sp>
+      <p:sp>
+        <p:nvSpPr>
+          <p:cNvPr id="12290" name="Content Placeholder 6"/>
           <p:cNvSpPr>
             <a:spLocks noGrp="1"/>
           </p:cNvSpPr>
@@ -4468,29 +7183,2586 @@
         </p:nvSpPr>
         <p:spPr>
           <a:xfrm>
-            <a:off x="152400" y="2667000"/>
-            <a:ext cx="8839200" cy="1600200"/>
+            <a:off x="179388" y="1185863"/>
+            <a:ext cx="8839200" cy="4906962"/>
           </a:xfrm>
         </p:spPr>
         <p:txBody>
           <a:bodyPr/>
           <a:lstStyle/>
           <a:p>
-            <a:pPr algn="ctr">
-              <a:buFont typeface="Arial" charset="0"/>
-              <a:buNone/>
-            </a:pPr>
-            <a:r>
-              <a:rPr lang="en-US" sz="4400">
-                <a:latin typeface="Calibri" charset="0"/>
-                <a:ea typeface="ＭＳ Ｐゴシック" charset="0"/>
-              </a:rPr>
-              <a:t>Break</a:t>
+            <a:r>
+              <a:rPr lang="en-US" dirty="0">
+                <a:latin typeface="Calibri" charset="0"/>
+                <a:ea typeface="ＭＳ Ｐゴシック" charset="0"/>
+              </a:rPr>
+              <a:t>Install commonly used RNA-seq tools (</a:t>
+            </a:r>
+            <a:r>
+              <a:rPr lang="en-US" dirty="0" err="1">
+                <a:latin typeface="Calibri" charset="0"/>
+                <a:ea typeface="ＭＳ Ｐゴシック" charset="0"/>
+              </a:rPr>
+              <a:t>Samtools</a:t>
+            </a:r>
+            <a:r>
+              <a:rPr lang="en-US" dirty="0">
+                <a:latin typeface="Calibri" charset="0"/>
+                <a:ea typeface="ＭＳ Ｐゴシック" charset="0"/>
+              </a:rPr>
+              <a:t>, </a:t>
+            </a:r>
+            <a:r>
+              <a:rPr lang="en-US" dirty="0" smtClean="0">
+                <a:latin typeface="Calibri" charset="0"/>
+                <a:ea typeface="ＭＳ Ｐゴシック" charset="0"/>
+              </a:rPr>
+              <a:t>bam-</a:t>
+            </a:r>
+            <a:r>
+              <a:rPr lang="en-US" dirty="0" err="1" smtClean="0">
+                <a:latin typeface="Calibri" charset="0"/>
+                <a:ea typeface="ＭＳ Ｐゴシック" charset="0"/>
+              </a:rPr>
+              <a:t>readcount</a:t>
+            </a:r>
+            <a:r>
+              <a:rPr lang="en-US" dirty="0" smtClean="0">
+                <a:latin typeface="Calibri" charset="0"/>
+                <a:ea typeface="ＭＳ Ｐゴシック" charset="0"/>
+              </a:rPr>
+              <a:t>, HISAT2, </a:t>
+            </a:r>
+            <a:r>
+              <a:rPr lang="en-US" dirty="0" err="1" smtClean="0">
+                <a:latin typeface="Calibri" charset="0"/>
+                <a:ea typeface="ＭＳ Ｐゴシック" charset="0"/>
+              </a:rPr>
+              <a:t>StringTie</a:t>
+            </a:r>
+            <a:r>
+              <a:rPr lang="en-US" dirty="0" smtClean="0">
+                <a:latin typeface="Calibri" charset="0"/>
+                <a:ea typeface="ＭＳ Ｐゴシック" charset="0"/>
+              </a:rPr>
+              <a:t>, </a:t>
+            </a:r>
+            <a:r>
+              <a:rPr lang="en-US" dirty="0" err="1" smtClean="0">
+                <a:latin typeface="Calibri" charset="0"/>
+                <a:ea typeface="ＭＳ Ｐゴシック" charset="0"/>
+              </a:rPr>
+              <a:t>gffcompare</a:t>
+            </a:r>
+            <a:r>
+              <a:rPr lang="en-US" dirty="0" smtClean="0">
+                <a:latin typeface="Calibri" charset="0"/>
+                <a:ea typeface="ＭＳ Ｐゴシック" charset="0"/>
+              </a:rPr>
+              <a:t>, </a:t>
+            </a:r>
+            <a:r>
+              <a:rPr lang="en-US" dirty="0" err="1" smtClean="0">
+                <a:latin typeface="Calibri" charset="0"/>
+                <a:ea typeface="ＭＳ Ｐゴシック" charset="0"/>
+              </a:rPr>
+              <a:t>htseq</a:t>
+            </a:r>
+            <a:r>
+              <a:rPr lang="en-US" dirty="0" smtClean="0">
+                <a:latin typeface="Calibri" charset="0"/>
+                <a:ea typeface="ＭＳ Ｐゴシック" charset="0"/>
+              </a:rPr>
+              <a:t>-count, </a:t>
+            </a:r>
+            <a:r>
+              <a:rPr lang="en-US" dirty="0" err="1" smtClean="0">
+                <a:latin typeface="Calibri" charset="0"/>
+                <a:ea typeface="ＭＳ Ｐゴシック" charset="0"/>
+              </a:rPr>
+              <a:t>FastQC</a:t>
+            </a:r>
+            <a:r>
+              <a:rPr lang="en-US" dirty="0">
+                <a:latin typeface="Calibri" charset="0"/>
+                <a:ea typeface="ＭＳ Ｐゴシック" charset="0"/>
+              </a:rPr>
+              <a:t>, </a:t>
+            </a:r>
+            <a:r>
+              <a:rPr lang="en-US" dirty="0" err="1">
+                <a:latin typeface="Calibri" charset="0"/>
+                <a:ea typeface="ＭＳ Ｐゴシック" charset="0"/>
+              </a:rPr>
+              <a:t>picard</a:t>
+            </a:r>
+            <a:r>
+              <a:rPr lang="en-US" dirty="0">
+                <a:latin typeface="Calibri" charset="0"/>
+                <a:ea typeface="ＭＳ Ｐゴシック" charset="0"/>
+              </a:rPr>
+              <a:t>-tools, </a:t>
+            </a:r>
+            <a:r>
+              <a:rPr lang="en-US" dirty="0" err="1" smtClean="0">
+                <a:latin typeface="Calibri" charset="0"/>
+                <a:ea typeface="ＭＳ Ｐゴシック" charset="0"/>
+              </a:rPr>
+              <a:t>Flexbar</a:t>
+            </a:r>
+            <a:r>
+              <a:rPr lang="en-US" dirty="0" smtClean="0">
+                <a:latin typeface="Calibri" charset="0"/>
+                <a:ea typeface="ＭＳ Ｐゴシック" charset="0"/>
+              </a:rPr>
+              <a:t>, R, </a:t>
+            </a:r>
+            <a:r>
+              <a:rPr lang="en-US" dirty="0" err="1" smtClean="0">
+                <a:latin typeface="Calibri" charset="0"/>
+                <a:ea typeface="ＭＳ Ｐゴシック" charset="0"/>
+              </a:rPr>
+              <a:t>Bioconductor</a:t>
+            </a:r>
+            <a:r>
+              <a:rPr lang="en-US" dirty="0" smtClean="0">
+                <a:latin typeface="Calibri" charset="0"/>
+                <a:ea typeface="ＭＳ Ｐゴシック" charset="0"/>
+              </a:rPr>
+              <a:t>, </a:t>
+            </a:r>
+            <a:r>
+              <a:rPr lang="en-US" dirty="0" err="1" smtClean="0">
+                <a:latin typeface="Calibri" charset="0"/>
+                <a:ea typeface="ＭＳ Ｐゴシック" charset="0"/>
+              </a:rPr>
+              <a:t>Ballgown</a:t>
+            </a:r>
+            <a:r>
+              <a:rPr lang="en-US" dirty="0" smtClean="0">
+                <a:latin typeface="Calibri" charset="0"/>
+                <a:ea typeface="ＭＳ Ｐゴシック" charset="0"/>
+              </a:rPr>
+              <a:t>, </a:t>
+            </a:r>
+            <a:r>
+              <a:rPr lang="en-US" dirty="0" err="1" smtClean="0">
+                <a:latin typeface="Calibri" charset="0"/>
+                <a:ea typeface="ＭＳ Ｐゴシック" charset="0"/>
+              </a:rPr>
+              <a:t>edgeR</a:t>
+            </a:r>
+            <a:r>
+              <a:rPr lang="en-US" dirty="0" smtClean="0">
+                <a:latin typeface="Calibri" charset="0"/>
+                <a:ea typeface="ＭＳ Ｐゴシック" charset="0"/>
+              </a:rPr>
+              <a:t>, </a:t>
+            </a:r>
+            <a:r>
+              <a:rPr lang="en-US" dirty="0" smtClean="0">
+                <a:latin typeface="Calibri" charset="0"/>
+                <a:ea typeface="ＭＳ Ｐゴシック" charset="0"/>
+              </a:rPr>
+              <a:t>…)</a:t>
+            </a:r>
+            <a:endParaRPr lang="en-US" dirty="0">
+              <a:latin typeface="Calibri" charset="0"/>
+              <a:ea typeface="ＭＳ Ｐゴシック" charset="0"/>
+            </a:endParaRPr>
+          </a:p>
+          <a:p>
+            <a:r>
+              <a:rPr lang="en-US" dirty="0">
+                <a:latin typeface="Calibri" charset="0"/>
+                <a:ea typeface="ＭＳ Ｐゴシック" charset="0"/>
+              </a:rPr>
+              <a:t>Obtain a reference genome</a:t>
+            </a:r>
+          </a:p>
+          <a:p>
+            <a:r>
+              <a:rPr lang="en-US" dirty="0">
+                <a:latin typeface="Calibri" charset="0"/>
+                <a:ea typeface="ＭＳ Ｐゴシック" charset="0"/>
+              </a:rPr>
+              <a:t>Obtain gene/transcript annotations</a:t>
+            </a:r>
+          </a:p>
+          <a:p>
+            <a:pPr lvl="1"/>
+            <a:r>
+              <a:rPr lang="en-US" dirty="0">
+                <a:latin typeface="Calibri" charset="0"/>
+                <a:ea typeface="ＭＳ Ｐゴシック" charset="0"/>
+              </a:rPr>
+              <a:t>Understand GTF file format</a:t>
+            </a:r>
+          </a:p>
+          <a:p>
+            <a:r>
+              <a:rPr lang="en-US" dirty="0">
+                <a:latin typeface="Calibri" charset="0"/>
+                <a:ea typeface="ＭＳ Ｐゴシック" charset="0"/>
+              </a:rPr>
+              <a:t>Index reference genome files for use with aligners</a:t>
+            </a:r>
+          </a:p>
+          <a:p>
+            <a:r>
+              <a:rPr lang="en-US" dirty="0">
+                <a:latin typeface="Calibri" charset="0"/>
+                <a:ea typeface="ＭＳ Ｐゴシック" charset="0"/>
+              </a:rPr>
+              <a:t>Obtain and explore raw sequence data</a:t>
+            </a:r>
+          </a:p>
+          <a:p>
+            <a:pPr lvl="1"/>
+            <a:r>
+              <a:rPr lang="en-US" dirty="0">
+                <a:latin typeface="Calibri" charset="0"/>
+                <a:ea typeface="ＭＳ Ｐゴシック" charset="0"/>
+              </a:rPr>
+              <a:t>Understand </a:t>
+            </a:r>
+            <a:r>
+              <a:rPr lang="en-US" dirty="0" err="1">
+                <a:latin typeface="Calibri" charset="0"/>
+                <a:ea typeface="ＭＳ Ｐゴシック" charset="0"/>
+              </a:rPr>
+              <a:t>fasta</a:t>
+            </a:r>
+            <a:r>
+              <a:rPr lang="en-US" dirty="0">
+                <a:latin typeface="Calibri" charset="0"/>
+                <a:ea typeface="ＭＳ Ｐゴシック" charset="0"/>
+              </a:rPr>
+              <a:t>/</a:t>
+            </a:r>
+            <a:r>
+              <a:rPr lang="en-US" dirty="0" err="1">
+                <a:latin typeface="Calibri" charset="0"/>
+                <a:ea typeface="ＭＳ Ｐゴシック" charset="0"/>
+              </a:rPr>
+              <a:t>fastq</a:t>
+            </a:r>
+            <a:r>
+              <a:rPr lang="en-US" dirty="0">
+                <a:latin typeface="Calibri" charset="0"/>
+                <a:ea typeface="ＭＳ Ｐゴシック" charset="0"/>
+              </a:rPr>
+              <a:t> format</a:t>
             </a:r>
           </a:p>
         </p:txBody>
       </p:sp>
     </p:spTree>
+    <p:extLst>
+      <p:ext uri="{BB962C8B-B14F-4D97-AF65-F5344CB8AC3E}">
+        <p14:creationId xmlns:p14="http://schemas.microsoft.com/office/powerpoint/2010/main" val="2556032051"/>
+      </p:ext>
+    </p:extLst>
+  </p:cSld>
+  <p:clrMapOvr>
+    <a:masterClrMapping/>
+  </p:clrMapOvr>
+  <p:timing>
+    <p:tnLst>
+      <p:par>
+        <p:cTn xmlns:p14="http://schemas.microsoft.com/office/powerpoint/2010/main" id="1" dur="indefinite" restart="never" nodeType="tmRoot"/>
+      </p:par>
+    </p:tnLst>
+  </p:timing>
+</p:sld>
+</file>
+
+<file path=ppt/slides/slide4.xml><?xml version="1.0" encoding="utf-8"?>
+<p:sld xmlns:a="http://schemas.openxmlformats.org/drawingml/2006/main" xmlns:r="http://schemas.openxmlformats.org/officeDocument/2006/relationships" xmlns:p="http://schemas.openxmlformats.org/presentationml/2006/main">
+  <p:cSld>
+    <p:spTree>
+      <p:nvGrpSpPr>
+        <p:cNvPr id="1" name=""/>
+        <p:cNvGrpSpPr/>
+        <p:nvPr/>
+      </p:nvGrpSpPr>
+      <p:grpSpPr>
+        <a:xfrm>
+          <a:off x="0" y="0"/>
+          <a:ext cx="0" cy="0"/>
+          <a:chOff x="0" y="0"/>
+          <a:chExt cx="0" cy="0"/>
+        </a:xfrm>
+      </p:grpSpPr>
+      <p:sp>
+        <p:nvSpPr>
+          <p:cNvPr id="14337" name="Title 1"/>
+          <p:cNvSpPr>
+            <a:spLocks noGrp="1"/>
+          </p:cNvSpPr>
+          <p:nvPr>
+            <p:ph type="title"/>
+          </p:nvPr>
+        </p:nvSpPr>
+        <p:spPr>
+          <a:xfrm>
+            <a:off x="152400" y="-26988"/>
+            <a:ext cx="8839200" cy="1143001"/>
+          </a:xfrm>
+        </p:spPr>
+        <p:txBody>
+          <a:bodyPr/>
+          <a:lstStyle/>
+          <a:p>
+            <a:r>
+              <a:rPr lang="en-US" sz="3600">
+                <a:latin typeface="Calibri" charset="0"/>
+                <a:ea typeface="ＭＳ Ｐゴシック" charset="0"/>
+              </a:rPr>
+              <a:t>The most common problems encountered while working on the tutorials</a:t>
+            </a:r>
+          </a:p>
+        </p:txBody>
+      </p:sp>
+      <p:sp>
+        <p:nvSpPr>
+          <p:cNvPr id="3" name="Content Placeholder 2"/>
+          <p:cNvSpPr>
+            <a:spLocks noGrp="1"/>
+          </p:cNvSpPr>
+          <p:nvPr>
+            <p:ph idx="1"/>
+          </p:nvPr>
+        </p:nvSpPr>
+        <p:spPr>
+          <a:xfrm>
+            <a:off x="152400" y="1441450"/>
+            <a:ext cx="8839200" cy="4724400"/>
+          </a:xfrm>
+        </p:spPr>
+        <p:txBody>
+          <a:bodyPr>
+            <a:normAutofit fontScale="70000" lnSpcReduction="20000"/>
+          </a:bodyPr>
+          <a:lstStyle/>
+          <a:p>
+            <a:pPr marL="342900" lvl="1" indent="-342900">
+              <a:buFont typeface="Arial" charset="0"/>
+              <a:buChar char="•"/>
+              <a:defRPr/>
+            </a:pPr>
+            <a:r>
+              <a:rPr lang="en-US" sz="2800" dirty="0" smtClean="0"/>
+              <a:t>Type </a:t>
+            </a:r>
+            <a:r>
+              <a:rPr lang="en-US" sz="2800" dirty="0"/>
+              <a:t>short commands carefully if you </a:t>
+            </a:r>
+            <a:r>
+              <a:rPr lang="en-US" sz="2800" dirty="0" smtClean="0"/>
+              <a:t>like, </a:t>
+            </a:r>
+            <a:r>
+              <a:rPr lang="en-US" sz="2800" dirty="0"/>
+              <a:t>but in order to get through all the steps smoothly, </a:t>
+            </a:r>
+            <a:r>
+              <a:rPr lang="en-US" sz="2800" dirty="0" smtClean="0"/>
+              <a:t>it is safer </a:t>
+            </a:r>
+            <a:r>
+              <a:rPr lang="en-US" sz="2800" dirty="0"/>
+              <a:t>to copy and paste from the tutorial </a:t>
+            </a:r>
+            <a:r>
+              <a:rPr lang="en-US" sz="2800" dirty="0" smtClean="0"/>
+              <a:t>files</a:t>
+            </a:r>
+          </a:p>
+          <a:p>
+            <a:pPr>
+              <a:defRPr/>
+            </a:pPr>
+            <a:r>
+              <a:rPr lang="en-US" dirty="0" smtClean="0"/>
+              <a:t>Copy/Paste errors</a:t>
+            </a:r>
+          </a:p>
+          <a:p>
+            <a:pPr lvl="1">
+              <a:defRPr/>
+            </a:pPr>
+            <a:r>
+              <a:rPr lang="en-US" dirty="0" smtClean="0"/>
+              <a:t>Learn the short cuts for copying/pasting on your system and use them (e.g. &lt;command&gt;&lt;c&gt; &amp; &lt;command&gt;&lt;v&gt; on Mac)</a:t>
+            </a:r>
+          </a:p>
+          <a:p>
+            <a:pPr lvl="1">
+              <a:defRPr/>
+            </a:pPr>
+            <a:r>
+              <a:rPr lang="en-US" dirty="0" smtClean="0"/>
+              <a:t>Make sure you copy the entire command.  Watch out for commands that span across multiple lines</a:t>
+            </a:r>
+          </a:p>
+          <a:p>
+            <a:pPr>
+              <a:defRPr/>
+            </a:pPr>
+            <a:r>
+              <a:rPr lang="en-US" dirty="0" smtClean="0"/>
+              <a:t>Being in the wrong directory at the wrong time</a:t>
+            </a:r>
+          </a:p>
+          <a:p>
+            <a:pPr lvl="1">
+              <a:defRPr/>
+            </a:pPr>
+            <a:r>
+              <a:rPr lang="en-US" dirty="0" smtClean="0"/>
+              <a:t>The simplest way to avoid this is only change directories as instructed</a:t>
+            </a:r>
+          </a:p>
+          <a:p>
+            <a:pPr lvl="1">
+              <a:defRPr/>
+            </a:pPr>
+            <a:r>
+              <a:rPr lang="en-US" dirty="0" smtClean="0"/>
+              <a:t>If you do change directories to look around, make sure you go back before continuing with commands</a:t>
+            </a:r>
+          </a:p>
+          <a:p>
+            <a:pPr>
+              <a:defRPr/>
+            </a:pPr>
+            <a:r>
+              <a:rPr lang="en-US" dirty="0" smtClean="0"/>
+              <a:t>Not having the $RNA_HOME environment variable set</a:t>
+            </a:r>
+          </a:p>
+          <a:p>
+            <a:pPr lvl="1">
+              <a:defRPr/>
+            </a:pPr>
+            <a:r>
+              <a:rPr lang="en-US" dirty="0" smtClean="0"/>
+              <a:t>Make sure you check this when logging in:</a:t>
+            </a:r>
+          </a:p>
+          <a:p>
+            <a:pPr lvl="2">
+              <a:defRPr/>
+            </a:pPr>
+            <a:r>
+              <a:rPr lang="en-US" dirty="0"/>
+              <a:t>e</a:t>
+            </a:r>
+            <a:r>
+              <a:rPr lang="en-US" dirty="0" smtClean="0"/>
+              <a:t>cho $RNA_HOME</a:t>
+            </a:r>
+            <a:endParaRPr lang="en-US" dirty="0"/>
+          </a:p>
+          <a:p>
+            <a:pPr lvl="1">
+              <a:defRPr/>
+            </a:pPr>
+            <a:r>
+              <a:rPr lang="en-US" dirty="0" smtClean="0"/>
+              <a:t>If it is not defined do this:</a:t>
+            </a:r>
+          </a:p>
+          <a:p>
+            <a:pPr lvl="2">
+              <a:defRPr/>
+            </a:pPr>
+            <a:r>
+              <a:rPr lang="en-US" dirty="0" smtClean="0"/>
+              <a:t>export </a:t>
+            </a:r>
+            <a:r>
+              <a:rPr lang="en-US" dirty="0"/>
+              <a:t>RNA_HOME=~/workspace/</a:t>
+            </a:r>
+            <a:r>
+              <a:rPr lang="en-US" dirty="0" err="1" smtClean="0"/>
+              <a:t>rnaseq</a:t>
+            </a:r>
+            <a:endParaRPr lang="en-US" dirty="0" smtClean="0"/>
+          </a:p>
+          <a:p>
+            <a:pPr lvl="1">
+              <a:defRPr/>
+            </a:pPr>
+            <a:r>
+              <a:rPr lang="en-US" dirty="0" smtClean="0"/>
+              <a:t>Then add this to you .</a:t>
+            </a:r>
+            <a:r>
+              <a:rPr lang="en-US" dirty="0" err="1" smtClean="0"/>
+              <a:t>bashrc</a:t>
+            </a:r>
+            <a:r>
+              <a:rPr lang="en-US" dirty="0" smtClean="0"/>
+              <a:t> file so that you don’t have to worry about it again</a:t>
+            </a:r>
+            <a:endParaRPr lang="en-US" dirty="0"/>
+          </a:p>
+        </p:txBody>
+      </p:sp>
+    </p:spTree>
+    <p:extLst>
+      <p:ext uri="{BB962C8B-B14F-4D97-AF65-F5344CB8AC3E}">
+        <p14:creationId xmlns:p14="http://schemas.microsoft.com/office/powerpoint/2010/main" val="858140715"/>
+      </p:ext>
+    </p:extLst>
+  </p:cSld>
+  <p:clrMapOvr>
+    <a:masterClrMapping/>
+  </p:clrMapOvr>
+  <p:timing>
+    <p:tnLst>
+      <p:par>
+        <p:cTn xmlns:p14="http://schemas.microsoft.com/office/powerpoint/2010/main" id="1" dur="indefinite" restart="never" nodeType="tmRoot"/>
+      </p:par>
+    </p:tnLst>
+  </p:timing>
+</p:sld>
+</file>
+
+<file path=ppt/slides/slide5.xml><?xml version="1.0" encoding="utf-8"?>
+<p:sld xmlns:a="http://schemas.openxmlformats.org/drawingml/2006/main" xmlns:r="http://schemas.openxmlformats.org/officeDocument/2006/relationships" xmlns:p="http://schemas.openxmlformats.org/presentationml/2006/main">
+  <p:cSld>
+    <p:spTree>
+      <p:nvGrpSpPr>
+        <p:cNvPr id="1" name=""/>
+        <p:cNvGrpSpPr/>
+        <p:nvPr/>
+      </p:nvGrpSpPr>
+      <p:grpSpPr>
+        <a:xfrm>
+          <a:off x="0" y="0"/>
+          <a:ext cx="0" cy="0"/>
+          <a:chOff x="0" y="0"/>
+          <a:chExt cx="0" cy="0"/>
+        </a:xfrm>
+      </p:grpSpPr>
+      <p:sp>
+        <p:nvSpPr>
+          <p:cNvPr id="16385" name="Title 1"/>
+          <p:cNvSpPr>
+            <a:spLocks noGrp="1"/>
+          </p:cNvSpPr>
+          <p:nvPr>
+            <p:ph type="title"/>
+          </p:nvPr>
+        </p:nvSpPr>
+        <p:spPr>
+          <a:xfrm>
+            <a:off x="152400" y="-26988"/>
+            <a:ext cx="8839200" cy="1143001"/>
+          </a:xfrm>
+        </p:spPr>
+        <p:txBody>
+          <a:bodyPr/>
+          <a:lstStyle/>
+          <a:p>
+            <a:r>
+              <a:rPr lang="en-US">
+                <a:latin typeface="Calibri" charset="0"/>
+                <a:ea typeface="ＭＳ Ｐゴシック" charset="0"/>
+              </a:rPr>
+              <a:t>Introduction</a:t>
+            </a:r>
+          </a:p>
+        </p:txBody>
+      </p:sp>
+      <p:sp>
+        <p:nvSpPr>
+          <p:cNvPr id="16386" name="Content Placeholder 2"/>
+          <p:cNvSpPr>
+            <a:spLocks noGrp="1"/>
+          </p:cNvSpPr>
+          <p:nvPr>
+            <p:ph idx="1"/>
+          </p:nvPr>
+        </p:nvSpPr>
+        <p:spPr>
+          <a:xfrm>
+            <a:off x="152400" y="1341438"/>
+            <a:ext cx="8839200" cy="4983162"/>
+          </a:xfrm>
+        </p:spPr>
+        <p:txBody>
+          <a:bodyPr/>
+          <a:lstStyle/>
+          <a:p>
+            <a:pPr>
+              <a:lnSpc>
+                <a:spcPct val="80000"/>
+              </a:lnSpc>
+            </a:pPr>
+            <a:r>
+              <a:rPr lang="en-US" sz="2600" dirty="0">
+                <a:latin typeface="Calibri" charset="0"/>
+                <a:ea typeface="ＭＳ Ｐゴシック" charset="0"/>
+              </a:rPr>
+              <a:t>This presentation provides a brief description of tutorial steps</a:t>
+            </a:r>
+          </a:p>
+          <a:p>
+            <a:pPr>
+              <a:lnSpc>
+                <a:spcPct val="80000"/>
+              </a:lnSpc>
+            </a:pPr>
+            <a:r>
+              <a:rPr lang="en-US" sz="2600" dirty="0">
+                <a:latin typeface="Calibri" charset="0"/>
+                <a:ea typeface="ＭＳ Ｐゴシック" charset="0"/>
+              </a:rPr>
+              <a:t>The </a:t>
+            </a:r>
+            <a:r>
+              <a:rPr lang="en-US" sz="2600" dirty="0" smtClean="0">
+                <a:latin typeface="Calibri" charset="0"/>
+                <a:ea typeface="ＭＳ Ｐゴシック" charset="0"/>
+              </a:rPr>
+              <a:t>wiki contains </a:t>
+            </a:r>
+            <a:r>
+              <a:rPr lang="en-US" sz="2600" dirty="0">
+                <a:latin typeface="Calibri" charset="0"/>
+                <a:ea typeface="ＭＳ Ｐゴシック" charset="0"/>
+              </a:rPr>
+              <a:t>more complete instructions</a:t>
+            </a:r>
+          </a:p>
+          <a:p>
+            <a:pPr>
+              <a:lnSpc>
+                <a:spcPct val="80000"/>
+              </a:lnSpc>
+            </a:pPr>
+            <a:r>
+              <a:rPr lang="en-US" sz="2600" dirty="0">
+                <a:latin typeface="Calibri" charset="0"/>
+                <a:ea typeface="ＭＳ Ｐゴシック" charset="0"/>
+              </a:rPr>
+              <a:t>Lines </a:t>
+            </a:r>
+            <a:r>
+              <a:rPr lang="en-US" sz="2600" dirty="0" smtClean="0">
+                <a:latin typeface="Calibri" charset="0"/>
+                <a:ea typeface="ＭＳ Ｐゴシック" charset="0"/>
+              </a:rPr>
+              <a:t>beginning </a:t>
+            </a:r>
+            <a:r>
+              <a:rPr lang="en-US" sz="2600" dirty="0">
+                <a:latin typeface="Calibri" charset="0"/>
+                <a:ea typeface="ＭＳ Ｐゴシック" charset="0"/>
+              </a:rPr>
+              <a:t>with </a:t>
+            </a:r>
+            <a:r>
+              <a:rPr lang="ja-JP" altLang="en-US" sz="2600" dirty="0">
+                <a:latin typeface="Calibri" charset="0"/>
+                <a:ea typeface="ＭＳ Ｐゴシック" charset="0"/>
+              </a:rPr>
+              <a:t>“</a:t>
+            </a:r>
+            <a:r>
+              <a:rPr lang="en-US" altLang="ja-JP" sz="2600" dirty="0">
+                <a:latin typeface="Calibri" charset="0"/>
+                <a:ea typeface="ＭＳ Ｐゴシック" charset="0"/>
+              </a:rPr>
+              <a:t>#</a:t>
+            </a:r>
+            <a:r>
+              <a:rPr lang="ja-JP" altLang="en-US" sz="2600" dirty="0">
+                <a:latin typeface="Calibri" charset="0"/>
+                <a:ea typeface="ＭＳ Ｐゴシック" charset="0"/>
+              </a:rPr>
+              <a:t>”</a:t>
+            </a:r>
+            <a:r>
+              <a:rPr lang="en-US" altLang="ja-JP" sz="2600" dirty="0">
+                <a:latin typeface="Calibri" charset="0"/>
+                <a:ea typeface="ＭＳ Ｐゴシック" charset="0"/>
+              </a:rPr>
+              <a:t> are comments</a:t>
+            </a:r>
+          </a:p>
+          <a:p>
+            <a:pPr>
+              <a:lnSpc>
+                <a:spcPct val="80000"/>
+              </a:lnSpc>
+            </a:pPr>
+            <a:r>
+              <a:rPr lang="en-US" sz="2600" dirty="0">
+                <a:latin typeface="Calibri" charset="0"/>
+                <a:ea typeface="ＭＳ Ｐゴシック" charset="0"/>
+              </a:rPr>
+              <a:t>All other lines are commands that will be pasted and executed from a </a:t>
+            </a:r>
+            <a:r>
+              <a:rPr lang="en-US" sz="2600" dirty="0" err="1">
+                <a:latin typeface="Calibri" charset="0"/>
+                <a:ea typeface="ＭＳ Ｐゴシック" charset="0"/>
+              </a:rPr>
+              <a:t>linux</a:t>
+            </a:r>
+            <a:r>
+              <a:rPr lang="en-US" sz="2600" dirty="0">
+                <a:latin typeface="Calibri" charset="0"/>
+                <a:ea typeface="ＭＳ Ｐゴシック" charset="0"/>
+              </a:rPr>
+              <a:t> terminal or R tutorial</a:t>
+            </a:r>
+          </a:p>
+          <a:p>
+            <a:pPr>
+              <a:lnSpc>
+                <a:spcPct val="80000"/>
+              </a:lnSpc>
+            </a:pPr>
+            <a:r>
+              <a:rPr lang="en-US" sz="2600" dirty="0">
+                <a:latin typeface="Calibri" charset="0"/>
+                <a:ea typeface="ＭＳ Ｐゴシック" charset="0"/>
+              </a:rPr>
+              <a:t>Each command is annotated with comments except that basic familiarity with </a:t>
+            </a:r>
+            <a:r>
+              <a:rPr lang="en-US" sz="2600" dirty="0" err="1">
+                <a:latin typeface="Calibri" charset="0"/>
+                <a:ea typeface="ＭＳ Ｐゴシック" charset="0"/>
+              </a:rPr>
+              <a:t>linux</a:t>
+            </a:r>
+            <a:r>
+              <a:rPr lang="en-US" sz="2600" dirty="0">
+                <a:latin typeface="Calibri" charset="0"/>
+                <a:ea typeface="ＭＳ Ｐゴシック" charset="0"/>
+              </a:rPr>
+              <a:t> is assumed</a:t>
+            </a:r>
+          </a:p>
+          <a:p>
+            <a:pPr lvl="1">
+              <a:lnSpc>
+                <a:spcPct val="80000"/>
+              </a:lnSpc>
+            </a:pPr>
+            <a:r>
+              <a:rPr lang="en-US" sz="2200" dirty="0">
+                <a:latin typeface="Calibri" charset="0"/>
+                <a:ea typeface="ＭＳ Ｐゴシック" charset="0"/>
+              </a:rPr>
+              <a:t>e.g.  You should know that </a:t>
+            </a:r>
+            <a:r>
+              <a:rPr lang="ja-JP" altLang="en-US" sz="2200" dirty="0">
+                <a:latin typeface="Calibri" charset="0"/>
+                <a:ea typeface="ＭＳ Ｐゴシック" charset="0"/>
+              </a:rPr>
+              <a:t>‘</a:t>
+            </a:r>
+            <a:r>
+              <a:rPr lang="en-US" altLang="ja-JP" sz="2200" dirty="0" err="1">
+                <a:latin typeface="Calibri" charset="0"/>
+                <a:ea typeface="ＭＳ Ｐゴシック" charset="0"/>
+              </a:rPr>
+              <a:t>mkdir</a:t>
+            </a:r>
+            <a:r>
+              <a:rPr lang="ja-JP" altLang="en-US" sz="2200" dirty="0">
+                <a:latin typeface="Calibri" charset="0"/>
+                <a:ea typeface="ＭＳ Ｐゴシック" charset="0"/>
+              </a:rPr>
+              <a:t>’</a:t>
+            </a:r>
+            <a:r>
+              <a:rPr lang="en-US" altLang="ja-JP" sz="2200" dirty="0">
+                <a:latin typeface="Calibri" charset="0"/>
+                <a:ea typeface="ＭＳ Ｐゴシック" charset="0"/>
+              </a:rPr>
+              <a:t> means to </a:t>
+            </a:r>
+            <a:r>
+              <a:rPr lang="ja-JP" altLang="en-US" sz="2200" dirty="0">
+                <a:latin typeface="Calibri" charset="0"/>
+                <a:ea typeface="ＭＳ Ｐゴシック" charset="0"/>
+              </a:rPr>
+              <a:t>‘</a:t>
+            </a:r>
+            <a:r>
+              <a:rPr lang="en-US" altLang="ja-JP" sz="2200" dirty="0">
+                <a:latin typeface="Calibri" charset="0"/>
+                <a:ea typeface="ＭＳ Ｐゴシック" charset="0"/>
+              </a:rPr>
+              <a:t>make a directory, </a:t>
+            </a:r>
+            <a:r>
+              <a:rPr lang="ja-JP" altLang="en-US" sz="2200" dirty="0">
+                <a:latin typeface="Calibri" charset="0"/>
+                <a:ea typeface="ＭＳ Ｐゴシック" charset="0"/>
+              </a:rPr>
+              <a:t>‘</a:t>
+            </a:r>
+            <a:r>
+              <a:rPr lang="en-US" altLang="ja-JP" sz="2200" dirty="0">
+                <a:latin typeface="Calibri" charset="0"/>
+                <a:ea typeface="ＭＳ Ｐゴシック" charset="0"/>
+              </a:rPr>
+              <a:t>cd</a:t>
+            </a:r>
+            <a:r>
+              <a:rPr lang="ja-JP" altLang="en-US" sz="2200" dirty="0">
+                <a:latin typeface="Calibri" charset="0"/>
+                <a:ea typeface="ＭＳ Ｐゴシック" charset="0"/>
+              </a:rPr>
+              <a:t>’</a:t>
+            </a:r>
+            <a:r>
+              <a:rPr lang="en-US" altLang="ja-JP" sz="2200" dirty="0">
+                <a:latin typeface="Calibri" charset="0"/>
+                <a:ea typeface="ＭＳ Ｐゴシック" charset="0"/>
+              </a:rPr>
+              <a:t> means to </a:t>
+            </a:r>
+            <a:r>
+              <a:rPr lang="ja-JP" altLang="en-US" sz="2200" dirty="0">
+                <a:latin typeface="Calibri" charset="0"/>
+                <a:ea typeface="ＭＳ Ｐゴシック" charset="0"/>
+              </a:rPr>
+              <a:t>‘</a:t>
+            </a:r>
+            <a:r>
+              <a:rPr lang="en-US" altLang="ja-JP" sz="2200" dirty="0">
+                <a:latin typeface="Calibri" charset="0"/>
+                <a:ea typeface="ＭＳ Ｐゴシック" charset="0"/>
+              </a:rPr>
+              <a:t>change directory</a:t>
+            </a:r>
+            <a:r>
+              <a:rPr lang="ja-JP" altLang="en-US" sz="2200" dirty="0">
+                <a:latin typeface="Calibri" charset="0"/>
+                <a:ea typeface="ＭＳ Ｐゴシック" charset="0"/>
+              </a:rPr>
+              <a:t>’</a:t>
+            </a:r>
+            <a:r>
+              <a:rPr lang="en-US" altLang="ja-JP" sz="2200" dirty="0">
+                <a:latin typeface="Calibri" charset="0"/>
+                <a:ea typeface="ＭＳ Ｐゴシック" charset="0"/>
+              </a:rPr>
+              <a:t>, etc.</a:t>
+            </a:r>
+          </a:p>
+          <a:p>
+            <a:pPr>
+              <a:lnSpc>
+                <a:spcPct val="80000"/>
+              </a:lnSpc>
+            </a:pPr>
+            <a:r>
+              <a:rPr lang="en-US" sz="2600" dirty="0">
+                <a:latin typeface="Calibri" charset="0"/>
+                <a:ea typeface="ＭＳ Ｐゴシック" charset="0"/>
+              </a:rPr>
+              <a:t>Some reference materials for </a:t>
+            </a:r>
+            <a:r>
+              <a:rPr lang="en-US" sz="2600" dirty="0" err="1">
+                <a:latin typeface="Calibri" charset="0"/>
+                <a:ea typeface="ＭＳ Ｐゴシック" charset="0"/>
+              </a:rPr>
+              <a:t>linux</a:t>
+            </a:r>
+            <a:r>
+              <a:rPr lang="en-US" sz="2600" dirty="0">
+                <a:latin typeface="Calibri" charset="0"/>
+                <a:ea typeface="ＭＳ Ｐゴシック" charset="0"/>
+              </a:rPr>
+              <a:t> can be found here:</a:t>
+            </a:r>
+          </a:p>
+          <a:p>
+            <a:pPr lvl="1">
+              <a:lnSpc>
+                <a:spcPct val="80000"/>
+              </a:lnSpc>
+            </a:pPr>
+            <a:r>
+              <a:rPr lang="en-US" sz="2200" i="1" dirty="0">
+                <a:latin typeface="Calibri" charset="0"/>
+                <a:ea typeface="ＭＳ Ｐゴシック" charset="0"/>
+                <a:hlinkClick r:id="rId2"/>
+              </a:rPr>
+              <a:t>http://files.fosswire.com/2007/08/fwunixref.pdf</a:t>
+            </a:r>
+            <a:r>
+              <a:rPr lang="en-US" sz="2200" i="1" dirty="0">
+                <a:latin typeface="Calibri" charset="0"/>
+                <a:ea typeface="ＭＳ Ｐゴシック" charset="0"/>
+              </a:rPr>
+              <a:t> </a:t>
+            </a:r>
+          </a:p>
+          <a:p>
+            <a:pPr lvl="1">
+              <a:lnSpc>
+                <a:spcPct val="80000"/>
+              </a:lnSpc>
+            </a:pPr>
+            <a:r>
+              <a:rPr lang="en-US" sz="2200" i="1" dirty="0">
+                <a:latin typeface="Calibri" charset="0"/>
+                <a:ea typeface="ＭＳ Ｐゴシック" charset="0"/>
+                <a:hlinkClick r:id="rId3"/>
+              </a:rPr>
+              <a:t>http://vic.gedris.org/Manual-ShellIntro/1.2/ShellIntro.pdf</a:t>
+            </a:r>
+            <a:endParaRPr lang="en-US" sz="2200" i="1" dirty="0">
+              <a:latin typeface="Calibri" charset="0"/>
+              <a:ea typeface="ＭＳ Ｐゴシック" charset="0"/>
+            </a:endParaRPr>
+          </a:p>
+          <a:p>
+            <a:pPr lvl="1">
+              <a:lnSpc>
+                <a:spcPct val="80000"/>
+              </a:lnSpc>
+            </a:pPr>
+            <a:r>
+              <a:rPr lang="en-US" sz="2200" i="1" dirty="0">
+                <a:latin typeface="Calibri" charset="0"/>
+                <a:ea typeface="ＭＳ Ｐゴシック" charset="0"/>
+                <a:hlinkClick r:id="rId4"/>
+              </a:rPr>
+              <a:t>www.nettech.in/course/Basic%20Commands.pdf</a:t>
+            </a:r>
+            <a:r>
+              <a:rPr lang="en-US" sz="2200" i="1" dirty="0">
+                <a:latin typeface="Calibri" charset="0"/>
+                <a:ea typeface="ＭＳ Ｐゴシック" charset="0"/>
+              </a:rPr>
+              <a:t> </a:t>
+            </a:r>
+            <a:endParaRPr lang="en-US" sz="2200" dirty="0">
+              <a:latin typeface="Calibri" charset="0"/>
+              <a:ea typeface="ＭＳ Ｐゴシック" charset="0"/>
+            </a:endParaRPr>
+          </a:p>
+          <a:p>
+            <a:pPr lvl="1">
+              <a:lnSpc>
+                <a:spcPct val="80000"/>
+              </a:lnSpc>
+            </a:pPr>
+            <a:endParaRPr lang="en-US" sz="2200" dirty="0">
+              <a:latin typeface="Calibri" charset="0"/>
+              <a:ea typeface="ＭＳ Ｐゴシック" charset="0"/>
+            </a:endParaRPr>
+          </a:p>
+        </p:txBody>
+      </p:sp>
+    </p:spTree>
+    <p:extLst>
+      <p:ext uri="{BB962C8B-B14F-4D97-AF65-F5344CB8AC3E}">
+        <p14:creationId xmlns:p14="http://schemas.microsoft.com/office/powerpoint/2010/main" val="1590882764"/>
+      </p:ext>
+    </p:extLst>
+  </p:cSld>
+  <p:clrMapOvr>
+    <a:masterClrMapping/>
+  </p:clrMapOvr>
+  <p:timing>
+    <p:tnLst>
+      <p:par>
+        <p:cTn xmlns:p14="http://schemas.microsoft.com/office/powerpoint/2010/main" id="1" dur="indefinite" restart="never" nodeType="tmRoot"/>
+      </p:par>
+    </p:tnLst>
+  </p:timing>
+</p:sld>
+</file>
+
+<file path=ppt/slides/slide6.xml><?xml version="1.0" encoding="utf-8"?>
+<p:sld xmlns:a="http://schemas.openxmlformats.org/drawingml/2006/main" xmlns:r="http://schemas.openxmlformats.org/officeDocument/2006/relationships" xmlns:p="http://schemas.openxmlformats.org/presentationml/2006/main">
+  <p:cSld>
+    <p:spTree>
+      <p:nvGrpSpPr>
+        <p:cNvPr id="1" name=""/>
+        <p:cNvGrpSpPr/>
+        <p:nvPr/>
+      </p:nvGrpSpPr>
+      <p:grpSpPr>
+        <a:xfrm>
+          <a:off x="0" y="0"/>
+          <a:ext cx="0" cy="0"/>
+          <a:chOff x="0" y="0"/>
+          <a:chExt cx="0" cy="0"/>
+        </a:xfrm>
+      </p:grpSpPr>
+      <p:sp>
+        <p:nvSpPr>
+          <p:cNvPr id="17409" name="Rectangle 2"/>
+          <p:cNvSpPr>
+            <a:spLocks noGrp="1" noChangeArrowheads="1"/>
+          </p:cNvSpPr>
+          <p:nvPr>
+            <p:ph type="title"/>
+          </p:nvPr>
+        </p:nvSpPr>
+        <p:spPr>
+          <a:xfrm>
+            <a:off x="152400" y="-26988"/>
+            <a:ext cx="8839200" cy="1143001"/>
+          </a:xfrm>
+        </p:spPr>
+        <p:txBody>
+          <a:bodyPr/>
+          <a:lstStyle/>
+          <a:p>
+            <a:pPr eaLnBrk="1" hangingPunct="1"/>
+            <a:r>
+              <a:rPr lang="en-US" altLang="ko-KR" dirty="0">
+                <a:latin typeface="Calibri" charset="0"/>
+                <a:ea typeface="ＭＳ Ｐゴシック" charset="0"/>
+                <a:cs typeface="ＭＳ Ｐゴシック" charset="0"/>
+              </a:rPr>
+              <a:t>1</a:t>
+            </a:r>
+            <a:r>
+              <a:rPr lang="en-US" altLang="ko-KR" dirty="0" smtClean="0">
+                <a:latin typeface="Calibri" charset="0"/>
+                <a:ea typeface="ＭＳ Ｐゴシック" charset="0"/>
+                <a:cs typeface="ＭＳ Ｐゴシック" charset="0"/>
+              </a:rPr>
+              <a:t>-i. Installation</a:t>
+            </a:r>
+            <a:endParaRPr lang="en-US" altLang="ko-KR" dirty="0">
+              <a:latin typeface="Calibri" charset="0"/>
+              <a:ea typeface="ＭＳ Ｐゴシック" charset="0"/>
+              <a:cs typeface="ＭＳ Ｐゴシック" charset="0"/>
+            </a:endParaRPr>
+          </a:p>
+        </p:txBody>
+      </p:sp>
+      <p:sp>
+        <p:nvSpPr>
+          <p:cNvPr id="16386" name="Content Placeholder 6"/>
+          <p:cNvSpPr>
+            <a:spLocks noGrp="1"/>
+          </p:cNvSpPr>
+          <p:nvPr>
+            <p:ph idx="1"/>
+          </p:nvPr>
+        </p:nvSpPr>
+        <p:spPr>
+          <a:xfrm>
+            <a:off x="152400" y="1268413"/>
+            <a:ext cx="8839200" cy="4979987"/>
+          </a:xfrm>
+        </p:spPr>
+        <p:txBody>
+          <a:bodyPr>
+            <a:normAutofit fontScale="70000" lnSpcReduction="20000"/>
+          </a:bodyPr>
+          <a:lstStyle/>
+          <a:p>
+            <a:pPr>
+              <a:lnSpc>
+                <a:spcPct val="80000"/>
+              </a:lnSpc>
+              <a:defRPr/>
+            </a:pPr>
+            <a:r>
+              <a:rPr lang="en-US" sz="2600" dirty="0">
+                <a:latin typeface="Calibri" charset="0"/>
+                <a:ea typeface="ＭＳ Ｐゴシック" charset="0"/>
+              </a:rPr>
+              <a:t>Installation instructions are provided </a:t>
+            </a:r>
+            <a:r>
+              <a:rPr lang="en-US" sz="2600" dirty="0" smtClean="0">
+                <a:latin typeface="Calibri" charset="0"/>
+                <a:ea typeface="ＭＳ Ｐゴシック" charset="0"/>
+              </a:rPr>
+              <a:t>for:</a:t>
+            </a:r>
+          </a:p>
+          <a:p>
+            <a:pPr lvl="1">
+              <a:lnSpc>
+                <a:spcPct val="80000"/>
+              </a:lnSpc>
+              <a:defRPr/>
+            </a:pPr>
+            <a:r>
+              <a:rPr lang="en-US" sz="2200" dirty="0" err="1" smtClean="0">
+                <a:latin typeface="Calibri" charset="0"/>
+                <a:ea typeface="ＭＳ Ｐゴシック" charset="0"/>
+              </a:rPr>
+              <a:t>Samtools</a:t>
+            </a:r>
+            <a:endParaRPr lang="en-US" sz="2200" dirty="0" smtClean="0">
+              <a:latin typeface="Calibri" charset="0"/>
+              <a:ea typeface="ＭＳ Ｐゴシック" charset="0"/>
+            </a:endParaRPr>
+          </a:p>
+          <a:p>
+            <a:pPr lvl="2">
+              <a:lnSpc>
+                <a:spcPct val="80000"/>
+              </a:lnSpc>
+              <a:defRPr/>
+            </a:pPr>
+            <a:r>
+              <a:rPr lang="en-US" sz="1800" dirty="0">
+                <a:latin typeface="Calibri" charset="0"/>
+                <a:ea typeface="ＭＳ Ｐゴシック" charset="0"/>
+                <a:hlinkClick r:id="rId3"/>
+              </a:rPr>
+              <a:t>http://www.htslib.org/download</a:t>
+            </a:r>
+            <a:r>
+              <a:rPr lang="en-US" sz="1800" dirty="0" smtClean="0">
+                <a:latin typeface="Calibri" charset="0"/>
+                <a:ea typeface="ＭＳ Ｐゴシック" charset="0"/>
+                <a:hlinkClick r:id="rId3"/>
+              </a:rPr>
+              <a:t>/</a:t>
+            </a:r>
+            <a:r>
+              <a:rPr lang="en-US" sz="1800" dirty="0" smtClean="0">
+                <a:latin typeface="Calibri" charset="0"/>
+                <a:ea typeface="ＭＳ Ｐゴシック" charset="0"/>
+              </a:rPr>
+              <a:t> </a:t>
+            </a:r>
+          </a:p>
+          <a:p>
+            <a:pPr lvl="1">
+              <a:lnSpc>
+                <a:spcPct val="80000"/>
+              </a:lnSpc>
+              <a:defRPr/>
+            </a:pPr>
+            <a:r>
+              <a:rPr lang="en-US" sz="2200" dirty="0" smtClean="0">
+                <a:latin typeface="Calibri" charset="0"/>
+                <a:ea typeface="ＭＳ Ｐゴシック" charset="0"/>
+              </a:rPr>
+              <a:t>bam</a:t>
+            </a:r>
+            <a:r>
+              <a:rPr lang="en-US" sz="2200" dirty="0">
+                <a:latin typeface="Calibri" charset="0"/>
+                <a:ea typeface="ＭＳ Ｐゴシック" charset="0"/>
+              </a:rPr>
+              <a:t>-</a:t>
+            </a:r>
+            <a:r>
+              <a:rPr lang="en-US" sz="2200" dirty="0" err="1" smtClean="0">
+                <a:latin typeface="Calibri" charset="0"/>
+                <a:ea typeface="ＭＳ Ｐゴシック" charset="0"/>
+              </a:rPr>
+              <a:t>readcount</a:t>
+            </a:r>
+            <a:endParaRPr lang="en-US" sz="2200" dirty="0" smtClean="0">
+              <a:latin typeface="Calibri" charset="0"/>
+              <a:ea typeface="ＭＳ Ｐゴシック" charset="0"/>
+            </a:endParaRPr>
+          </a:p>
+          <a:p>
+            <a:pPr lvl="2">
+              <a:lnSpc>
+                <a:spcPct val="80000"/>
+              </a:lnSpc>
+              <a:defRPr/>
+            </a:pPr>
+            <a:r>
+              <a:rPr lang="en-US" sz="1800" dirty="0">
+                <a:latin typeface="Calibri" charset="0"/>
+                <a:ea typeface="ＭＳ Ｐゴシック" charset="0"/>
+                <a:hlinkClick r:id="rId4"/>
+              </a:rPr>
+              <a:t>https://github.com/genome/bam-</a:t>
+            </a:r>
+            <a:r>
+              <a:rPr lang="en-US" sz="1800" dirty="0" smtClean="0">
+                <a:latin typeface="Calibri" charset="0"/>
+                <a:ea typeface="ＭＳ Ｐゴシック" charset="0"/>
+                <a:hlinkClick r:id="rId4"/>
+              </a:rPr>
+              <a:t>readcount</a:t>
+            </a:r>
+            <a:r>
+              <a:rPr lang="en-US" sz="1800" dirty="0" smtClean="0">
+                <a:latin typeface="Calibri" charset="0"/>
+                <a:ea typeface="ＭＳ Ｐゴシック" charset="0"/>
+              </a:rPr>
+              <a:t> </a:t>
+            </a:r>
+          </a:p>
+          <a:p>
+            <a:pPr lvl="1">
+              <a:lnSpc>
+                <a:spcPct val="80000"/>
+              </a:lnSpc>
+              <a:defRPr/>
+            </a:pPr>
+            <a:r>
+              <a:rPr lang="en-US" sz="2200" dirty="0" smtClean="0">
+                <a:latin typeface="Calibri" charset="0"/>
+                <a:ea typeface="ＭＳ Ｐゴシック" charset="0"/>
+              </a:rPr>
+              <a:t>HISAT2</a:t>
+            </a:r>
+          </a:p>
+          <a:p>
+            <a:pPr lvl="2">
+              <a:lnSpc>
+                <a:spcPct val="80000"/>
+              </a:lnSpc>
+              <a:defRPr/>
+            </a:pPr>
+            <a:r>
+              <a:rPr lang="en-US" sz="1800" dirty="0">
+                <a:latin typeface="Calibri" charset="0"/>
+                <a:ea typeface="ＭＳ Ｐゴシック" charset="0"/>
+                <a:hlinkClick r:id="rId5"/>
+              </a:rPr>
+              <a:t>https://ccb.jhu.edu/software/hisat2/</a:t>
+            </a:r>
+            <a:r>
+              <a:rPr lang="en-US" sz="1800" dirty="0" smtClean="0">
+                <a:latin typeface="Calibri" charset="0"/>
+                <a:ea typeface="ＭＳ Ｐゴシック" charset="0"/>
+                <a:hlinkClick r:id="rId5"/>
+              </a:rPr>
+              <a:t>index.shtml</a:t>
+            </a:r>
+            <a:r>
+              <a:rPr lang="en-US" sz="1800" dirty="0" smtClean="0">
+                <a:latin typeface="Calibri" charset="0"/>
+                <a:ea typeface="ＭＳ Ｐゴシック" charset="0"/>
+              </a:rPr>
+              <a:t> </a:t>
+            </a:r>
+          </a:p>
+          <a:p>
+            <a:pPr lvl="1">
+              <a:lnSpc>
+                <a:spcPct val="80000"/>
+              </a:lnSpc>
+              <a:defRPr/>
+            </a:pPr>
+            <a:r>
+              <a:rPr lang="en-US" sz="2200" dirty="0" err="1" smtClean="0">
+                <a:latin typeface="Calibri" charset="0"/>
+                <a:ea typeface="ＭＳ Ｐゴシック" charset="0"/>
+              </a:rPr>
+              <a:t>StringTie</a:t>
+            </a:r>
+            <a:endParaRPr lang="en-US" sz="2200" dirty="0" smtClean="0">
+              <a:latin typeface="Calibri" charset="0"/>
+              <a:ea typeface="ＭＳ Ｐゴシック" charset="0"/>
+            </a:endParaRPr>
+          </a:p>
+          <a:p>
+            <a:pPr lvl="2">
+              <a:lnSpc>
+                <a:spcPct val="80000"/>
+              </a:lnSpc>
+              <a:defRPr/>
+            </a:pPr>
+            <a:r>
+              <a:rPr lang="en-US" sz="1800" dirty="0">
+                <a:latin typeface="Calibri" charset="0"/>
+                <a:ea typeface="ＭＳ Ｐゴシック" charset="0"/>
+                <a:hlinkClick r:id="rId6"/>
+              </a:rPr>
+              <a:t>https://ccb.jhu.edu/software/stringtie</a:t>
+            </a:r>
+            <a:r>
+              <a:rPr lang="en-US" sz="1800" dirty="0" smtClean="0">
+                <a:latin typeface="Calibri" charset="0"/>
+                <a:ea typeface="ＭＳ Ｐゴシック" charset="0"/>
+                <a:hlinkClick r:id="rId6"/>
+              </a:rPr>
+              <a:t>/</a:t>
+            </a:r>
+            <a:r>
+              <a:rPr lang="en-US" sz="1800" dirty="0" smtClean="0">
+                <a:latin typeface="Calibri" charset="0"/>
+                <a:ea typeface="ＭＳ Ｐゴシック" charset="0"/>
+              </a:rPr>
+              <a:t> </a:t>
+            </a:r>
+          </a:p>
+          <a:p>
+            <a:pPr lvl="1">
+              <a:lnSpc>
+                <a:spcPct val="80000"/>
+              </a:lnSpc>
+              <a:defRPr/>
+            </a:pPr>
+            <a:r>
+              <a:rPr lang="en-US" sz="2200" dirty="0" err="1" smtClean="0">
+                <a:latin typeface="Calibri" charset="0"/>
+                <a:ea typeface="ＭＳ Ｐゴシック" charset="0"/>
+              </a:rPr>
+              <a:t>Gffcompare</a:t>
+            </a:r>
+            <a:endParaRPr lang="en-US" sz="2200" dirty="0" smtClean="0">
+              <a:latin typeface="Calibri" charset="0"/>
+              <a:ea typeface="ＭＳ Ｐゴシック" charset="0"/>
+            </a:endParaRPr>
+          </a:p>
+          <a:p>
+            <a:pPr lvl="2">
+              <a:lnSpc>
+                <a:spcPct val="80000"/>
+              </a:lnSpc>
+              <a:defRPr/>
+            </a:pPr>
+            <a:r>
+              <a:rPr lang="en-US" sz="1800" dirty="0">
+                <a:latin typeface="Calibri" charset="0"/>
+                <a:ea typeface="ＭＳ Ｐゴシック" charset="0"/>
+                <a:hlinkClick r:id="rId7"/>
+              </a:rPr>
+              <a:t>http://ccb.jhu.edu/software/stringtie/</a:t>
+            </a:r>
+            <a:r>
+              <a:rPr lang="en-US" sz="1800" dirty="0" smtClean="0">
+                <a:latin typeface="Calibri" charset="0"/>
+                <a:ea typeface="ＭＳ Ｐゴシック" charset="0"/>
+                <a:hlinkClick r:id="rId7"/>
+              </a:rPr>
+              <a:t>gff.shtml</a:t>
+            </a:r>
+            <a:r>
+              <a:rPr lang="en-US" sz="1800" dirty="0" smtClean="0">
+                <a:latin typeface="Calibri" charset="0"/>
+                <a:ea typeface="ＭＳ Ｐゴシック" charset="0"/>
+              </a:rPr>
+              <a:t> </a:t>
+            </a:r>
+          </a:p>
+          <a:p>
+            <a:pPr lvl="1">
+              <a:lnSpc>
+                <a:spcPct val="80000"/>
+              </a:lnSpc>
+              <a:defRPr/>
+            </a:pPr>
+            <a:r>
+              <a:rPr lang="en-US" sz="2200" dirty="0" err="1" smtClean="0">
+                <a:latin typeface="Calibri" charset="0"/>
+                <a:ea typeface="ＭＳ Ｐゴシック" charset="0"/>
+              </a:rPr>
+              <a:t>htseq</a:t>
+            </a:r>
+            <a:r>
+              <a:rPr lang="en-US" sz="2200" dirty="0">
+                <a:latin typeface="Calibri" charset="0"/>
+                <a:ea typeface="ＭＳ Ｐゴシック" charset="0"/>
+              </a:rPr>
+              <a:t>-</a:t>
+            </a:r>
+            <a:r>
+              <a:rPr lang="en-US" sz="2200" dirty="0" smtClean="0">
+                <a:latin typeface="Calibri" charset="0"/>
+                <a:ea typeface="ＭＳ Ｐゴシック" charset="0"/>
+              </a:rPr>
+              <a:t>count</a:t>
+            </a:r>
+          </a:p>
+          <a:p>
+            <a:pPr lvl="2">
+              <a:lnSpc>
+                <a:spcPct val="80000"/>
+              </a:lnSpc>
+              <a:defRPr/>
+            </a:pPr>
+            <a:r>
+              <a:rPr lang="en-US" sz="1800" dirty="0">
+                <a:latin typeface="Calibri" charset="0"/>
+                <a:ea typeface="ＭＳ Ｐゴシック" charset="0"/>
+                <a:hlinkClick r:id="rId8"/>
+              </a:rPr>
+              <a:t>https://pypi.python.org/pypi/</a:t>
+            </a:r>
+            <a:r>
+              <a:rPr lang="en-US" sz="1800" dirty="0" smtClean="0">
+                <a:latin typeface="Calibri" charset="0"/>
+                <a:ea typeface="ＭＳ Ｐゴシック" charset="0"/>
+                <a:hlinkClick r:id="rId8"/>
+              </a:rPr>
+              <a:t>HTSeq</a:t>
+            </a:r>
+            <a:r>
+              <a:rPr lang="en-US" sz="1800" dirty="0" smtClean="0">
+                <a:latin typeface="Calibri" charset="0"/>
+                <a:ea typeface="ＭＳ Ｐゴシック" charset="0"/>
+              </a:rPr>
+              <a:t> </a:t>
+            </a:r>
+          </a:p>
+          <a:p>
+            <a:pPr lvl="1">
+              <a:lnSpc>
+                <a:spcPct val="80000"/>
+              </a:lnSpc>
+              <a:defRPr/>
+            </a:pPr>
+            <a:r>
+              <a:rPr lang="en-US" sz="2200" dirty="0" err="1" smtClean="0">
+                <a:latin typeface="Calibri" charset="0"/>
+                <a:ea typeface="ＭＳ Ｐゴシック" charset="0"/>
+              </a:rPr>
+              <a:t>FastQC</a:t>
+            </a:r>
+            <a:endParaRPr lang="en-US" sz="2200" dirty="0" smtClean="0">
+              <a:latin typeface="Calibri" charset="0"/>
+              <a:ea typeface="ＭＳ Ｐゴシック" charset="0"/>
+            </a:endParaRPr>
+          </a:p>
+          <a:p>
+            <a:pPr lvl="2">
+              <a:lnSpc>
+                <a:spcPct val="80000"/>
+              </a:lnSpc>
+              <a:defRPr/>
+            </a:pPr>
+            <a:r>
+              <a:rPr lang="en-US" sz="1800" dirty="0">
+                <a:latin typeface="Calibri" charset="0"/>
+                <a:ea typeface="ＭＳ Ｐゴシック" charset="0"/>
+                <a:hlinkClick r:id="rId9"/>
+              </a:rPr>
+              <a:t>http://www.bioinformatics.babraham.ac.uk/projects/fastqc</a:t>
+            </a:r>
+            <a:r>
+              <a:rPr lang="en-US" sz="1800" dirty="0" smtClean="0">
+                <a:latin typeface="Calibri" charset="0"/>
+                <a:ea typeface="ＭＳ Ｐゴシック" charset="0"/>
+                <a:hlinkClick r:id="rId9"/>
+              </a:rPr>
+              <a:t>/</a:t>
+            </a:r>
+            <a:r>
+              <a:rPr lang="en-US" sz="1800" dirty="0" smtClean="0">
+                <a:latin typeface="Calibri" charset="0"/>
+                <a:ea typeface="ＭＳ Ｐゴシック" charset="0"/>
+              </a:rPr>
+              <a:t> </a:t>
+            </a:r>
+          </a:p>
+          <a:p>
+            <a:pPr lvl="1">
+              <a:lnSpc>
+                <a:spcPct val="80000"/>
+              </a:lnSpc>
+              <a:defRPr/>
+            </a:pPr>
+            <a:r>
+              <a:rPr lang="en-US" sz="2200" dirty="0" err="1" smtClean="0">
+                <a:latin typeface="Calibri" charset="0"/>
+                <a:ea typeface="ＭＳ Ｐゴシック" charset="0"/>
+              </a:rPr>
+              <a:t>picard</a:t>
+            </a:r>
+            <a:r>
+              <a:rPr lang="en-US" sz="2200" dirty="0">
+                <a:latin typeface="Calibri" charset="0"/>
+                <a:ea typeface="ＭＳ Ｐゴシック" charset="0"/>
+              </a:rPr>
+              <a:t>-</a:t>
+            </a:r>
+            <a:r>
+              <a:rPr lang="en-US" sz="2200" dirty="0" smtClean="0">
+                <a:latin typeface="Calibri" charset="0"/>
+                <a:ea typeface="ＭＳ Ｐゴシック" charset="0"/>
+              </a:rPr>
+              <a:t>tools</a:t>
+            </a:r>
+          </a:p>
+          <a:p>
+            <a:pPr lvl="2">
+              <a:lnSpc>
+                <a:spcPct val="80000"/>
+              </a:lnSpc>
+              <a:defRPr/>
+            </a:pPr>
+            <a:r>
+              <a:rPr lang="en-US" sz="1800" dirty="0">
+                <a:latin typeface="Calibri" charset="0"/>
+                <a:ea typeface="ＭＳ Ｐゴシック" charset="0"/>
+                <a:hlinkClick r:id="rId10"/>
+              </a:rPr>
+              <a:t>https://github.com/broadinstitute/</a:t>
+            </a:r>
+            <a:r>
+              <a:rPr lang="en-US" sz="1800" dirty="0" smtClean="0">
+                <a:latin typeface="Calibri" charset="0"/>
+                <a:ea typeface="ＭＳ Ｐゴシック" charset="0"/>
+                <a:hlinkClick r:id="rId10"/>
+              </a:rPr>
+              <a:t>picard</a:t>
+            </a:r>
+            <a:r>
+              <a:rPr lang="en-US" sz="1800" dirty="0" smtClean="0">
+                <a:latin typeface="Calibri" charset="0"/>
+                <a:ea typeface="ＭＳ Ｐゴシック" charset="0"/>
+              </a:rPr>
+              <a:t> </a:t>
+            </a:r>
+          </a:p>
+          <a:p>
+            <a:pPr lvl="1">
+              <a:lnSpc>
+                <a:spcPct val="80000"/>
+              </a:lnSpc>
+              <a:defRPr/>
+            </a:pPr>
+            <a:r>
+              <a:rPr lang="en-US" sz="2200" dirty="0" err="1" smtClean="0">
+                <a:latin typeface="Calibri" charset="0"/>
+                <a:ea typeface="ＭＳ Ｐゴシック" charset="0"/>
+              </a:rPr>
+              <a:t>Flexbar</a:t>
+            </a:r>
+            <a:endParaRPr lang="en-US" sz="2200" dirty="0" smtClean="0">
+              <a:latin typeface="Calibri" charset="0"/>
+              <a:ea typeface="ＭＳ Ｐゴシック" charset="0"/>
+            </a:endParaRPr>
+          </a:p>
+          <a:p>
+            <a:pPr lvl="2">
+              <a:lnSpc>
+                <a:spcPct val="80000"/>
+              </a:lnSpc>
+              <a:defRPr/>
+            </a:pPr>
+            <a:r>
+              <a:rPr lang="en-US" sz="1800" dirty="0">
+                <a:latin typeface="Calibri" charset="0"/>
+                <a:ea typeface="ＭＳ Ｐゴシック" charset="0"/>
+                <a:hlinkClick r:id="rId11"/>
+              </a:rPr>
+              <a:t>https://github.com/seqan/</a:t>
+            </a:r>
+            <a:r>
+              <a:rPr lang="en-US" sz="1800" dirty="0" smtClean="0">
+                <a:latin typeface="Calibri" charset="0"/>
+                <a:ea typeface="ＭＳ Ｐゴシック" charset="0"/>
+                <a:hlinkClick r:id="rId11"/>
+              </a:rPr>
+              <a:t>flexbar</a:t>
+            </a:r>
+            <a:r>
+              <a:rPr lang="en-US" sz="1800" dirty="0" smtClean="0">
+                <a:latin typeface="Calibri" charset="0"/>
+                <a:ea typeface="ＭＳ Ｐゴシック" charset="0"/>
+              </a:rPr>
+              <a:t> </a:t>
+            </a:r>
+          </a:p>
+          <a:p>
+            <a:pPr lvl="1">
+              <a:lnSpc>
+                <a:spcPct val="80000"/>
+              </a:lnSpc>
+              <a:defRPr/>
+            </a:pPr>
+            <a:r>
+              <a:rPr lang="en-US" sz="2200" dirty="0" smtClean="0">
+                <a:latin typeface="Calibri" charset="0"/>
+                <a:ea typeface="ＭＳ Ｐゴシック" charset="0"/>
+              </a:rPr>
+              <a:t>R</a:t>
+            </a:r>
+          </a:p>
+          <a:p>
+            <a:pPr lvl="2">
+              <a:lnSpc>
+                <a:spcPct val="80000"/>
+              </a:lnSpc>
+              <a:defRPr/>
+            </a:pPr>
+            <a:r>
+              <a:rPr lang="en-US" sz="1800" dirty="0">
+                <a:latin typeface="Calibri" charset="0"/>
+                <a:ea typeface="ＭＳ Ｐゴシック" charset="0"/>
+                <a:hlinkClick r:id="rId12"/>
+              </a:rPr>
+              <a:t>https://www.r-project.org</a:t>
+            </a:r>
+            <a:r>
+              <a:rPr lang="en-US" sz="1800" dirty="0" smtClean="0">
+                <a:latin typeface="Calibri" charset="0"/>
+                <a:ea typeface="ＭＳ Ｐゴシック" charset="0"/>
+                <a:hlinkClick r:id="rId12"/>
+              </a:rPr>
+              <a:t>/</a:t>
+            </a:r>
+            <a:r>
+              <a:rPr lang="en-US" sz="1800" dirty="0" smtClean="0">
+                <a:latin typeface="Calibri" charset="0"/>
+                <a:ea typeface="ＭＳ Ｐゴシック" charset="0"/>
+              </a:rPr>
+              <a:t> </a:t>
+            </a:r>
+          </a:p>
+          <a:p>
+            <a:pPr lvl="1">
+              <a:lnSpc>
+                <a:spcPct val="80000"/>
+              </a:lnSpc>
+              <a:defRPr/>
+            </a:pPr>
+            <a:r>
+              <a:rPr lang="en-US" sz="2200" dirty="0" err="1" smtClean="0">
+                <a:latin typeface="Calibri" charset="0"/>
+                <a:ea typeface="ＭＳ Ｐゴシック" charset="0"/>
+              </a:rPr>
+              <a:t>Bioconductor</a:t>
+            </a:r>
+            <a:endParaRPr lang="en-US" sz="2200" dirty="0" smtClean="0">
+              <a:latin typeface="Calibri" charset="0"/>
+              <a:ea typeface="ＭＳ Ｐゴシック" charset="0"/>
+            </a:endParaRPr>
+          </a:p>
+          <a:p>
+            <a:pPr lvl="2">
+              <a:lnSpc>
+                <a:spcPct val="80000"/>
+              </a:lnSpc>
+              <a:defRPr/>
+            </a:pPr>
+            <a:r>
+              <a:rPr lang="en-US" sz="1800" dirty="0">
+                <a:latin typeface="Calibri" charset="0"/>
+                <a:ea typeface="ＭＳ Ｐゴシック" charset="0"/>
+                <a:hlinkClick r:id="rId13"/>
+              </a:rPr>
+              <a:t>https://www.bioconductor.org/install</a:t>
+            </a:r>
+            <a:r>
+              <a:rPr lang="en-US" sz="1800" dirty="0" smtClean="0">
+                <a:latin typeface="Calibri" charset="0"/>
+                <a:ea typeface="ＭＳ Ｐゴシック" charset="0"/>
+                <a:hlinkClick r:id="rId13"/>
+              </a:rPr>
+              <a:t>/</a:t>
+            </a:r>
+            <a:r>
+              <a:rPr lang="en-US" sz="1800" dirty="0" smtClean="0">
+                <a:latin typeface="Calibri" charset="0"/>
+                <a:ea typeface="ＭＳ Ｐゴシック" charset="0"/>
+              </a:rPr>
+              <a:t> </a:t>
+            </a:r>
+          </a:p>
+          <a:p>
+            <a:pPr lvl="1">
+              <a:lnSpc>
+                <a:spcPct val="80000"/>
+              </a:lnSpc>
+              <a:defRPr/>
+            </a:pPr>
+            <a:r>
+              <a:rPr lang="en-US" sz="2200" dirty="0" err="1" smtClean="0">
+                <a:latin typeface="Calibri" charset="0"/>
+                <a:ea typeface="ＭＳ Ｐゴシック" charset="0"/>
+              </a:rPr>
+              <a:t>Ballgown</a:t>
+            </a:r>
+            <a:r>
+              <a:rPr lang="en-US" sz="2200" dirty="0" smtClean="0">
+                <a:latin typeface="Calibri" charset="0"/>
+                <a:ea typeface="ＭＳ Ｐゴシック" charset="0"/>
+              </a:rPr>
+              <a:t> (</a:t>
+            </a:r>
+            <a:r>
+              <a:rPr lang="en-US" sz="2200" dirty="0" err="1" smtClean="0">
+                <a:latin typeface="Calibri" charset="0"/>
+                <a:ea typeface="ＭＳ Ｐゴシック" charset="0"/>
+              </a:rPr>
+              <a:t>Bioconductor</a:t>
+            </a:r>
+            <a:r>
+              <a:rPr lang="en-US" sz="2200" dirty="0" smtClean="0">
+                <a:latin typeface="Calibri" charset="0"/>
+                <a:ea typeface="ＭＳ Ｐゴシック" charset="0"/>
+              </a:rPr>
+              <a:t> package)</a:t>
+            </a:r>
+          </a:p>
+          <a:p>
+            <a:pPr lvl="2">
+              <a:lnSpc>
+                <a:spcPct val="80000"/>
+              </a:lnSpc>
+              <a:defRPr/>
+            </a:pPr>
+            <a:r>
+              <a:rPr lang="en-US" sz="1800" dirty="0">
+                <a:latin typeface="Calibri" charset="0"/>
+                <a:ea typeface="ＭＳ Ｐゴシック" charset="0"/>
+                <a:hlinkClick r:id="rId14"/>
+              </a:rPr>
+              <a:t>http://bioconductor.org/packages/release/bioc/html/</a:t>
+            </a:r>
+            <a:r>
+              <a:rPr lang="en-US" sz="1800" dirty="0" smtClean="0">
+                <a:latin typeface="Calibri" charset="0"/>
+                <a:ea typeface="ＭＳ Ｐゴシック" charset="0"/>
+                <a:hlinkClick r:id="rId14"/>
+              </a:rPr>
+              <a:t>ballgown.html</a:t>
+            </a:r>
+            <a:r>
+              <a:rPr lang="en-US" sz="1800" dirty="0" smtClean="0">
+                <a:latin typeface="Calibri" charset="0"/>
+                <a:ea typeface="ＭＳ Ｐゴシック" charset="0"/>
+              </a:rPr>
+              <a:t> </a:t>
+            </a:r>
+          </a:p>
+          <a:p>
+            <a:pPr lvl="1">
+              <a:lnSpc>
+                <a:spcPct val="80000"/>
+              </a:lnSpc>
+              <a:defRPr/>
+            </a:pPr>
+            <a:r>
+              <a:rPr lang="en-US" sz="2200" dirty="0" err="1" smtClean="0">
+                <a:latin typeface="Calibri" charset="0"/>
+                <a:ea typeface="ＭＳ Ｐゴシック" charset="0"/>
+              </a:rPr>
+              <a:t>edgeR</a:t>
+            </a:r>
+            <a:r>
+              <a:rPr lang="en-US" sz="2200" dirty="0" smtClean="0">
+                <a:latin typeface="Calibri" charset="0"/>
+                <a:ea typeface="ＭＳ Ｐゴシック" charset="0"/>
+              </a:rPr>
+              <a:t> (</a:t>
+            </a:r>
+            <a:r>
+              <a:rPr lang="en-US" sz="2200" dirty="0" err="1" smtClean="0">
+                <a:latin typeface="Calibri" charset="0"/>
+                <a:ea typeface="ＭＳ Ｐゴシック" charset="0"/>
+              </a:rPr>
+              <a:t>Bioconductor</a:t>
+            </a:r>
+            <a:r>
+              <a:rPr lang="en-US" sz="2200" dirty="0" smtClean="0">
+                <a:latin typeface="Calibri" charset="0"/>
+                <a:ea typeface="ＭＳ Ｐゴシック" charset="0"/>
+              </a:rPr>
+              <a:t> package)</a:t>
+            </a:r>
+          </a:p>
+          <a:p>
+            <a:pPr lvl="2">
+              <a:lnSpc>
+                <a:spcPct val="80000"/>
+              </a:lnSpc>
+              <a:defRPr/>
+            </a:pPr>
+            <a:r>
+              <a:rPr lang="en-US" sz="1800" dirty="0">
+                <a:latin typeface="Calibri" charset="0"/>
+                <a:ea typeface="ＭＳ Ｐゴシック" charset="0"/>
+                <a:hlinkClick r:id="rId15"/>
+              </a:rPr>
+              <a:t>https://bioconductor.org/packages/release/bioc/html/</a:t>
+            </a:r>
+            <a:r>
+              <a:rPr lang="en-US" sz="1800" dirty="0" smtClean="0">
+                <a:latin typeface="Calibri" charset="0"/>
+                <a:ea typeface="ＭＳ Ｐゴシック" charset="0"/>
+                <a:hlinkClick r:id="rId15"/>
+              </a:rPr>
+              <a:t>edgeR.html</a:t>
+            </a:r>
+            <a:r>
+              <a:rPr lang="en-US" sz="1800" dirty="0" smtClean="0">
+                <a:latin typeface="Calibri" charset="0"/>
+                <a:ea typeface="ＭＳ Ｐゴシック" charset="0"/>
+              </a:rPr>
+              <a:t> </a:t>
+            </a:r>
+          </a:p>
+        </p:txBody>
+      </p:sp>
+    </p:spTree>
+    <p:extLst>
+      <p:ext uri="{BB962C8B-B14F-4D97-AF65-F5344CB8AC3E}">
+        <p14:creationId xmlns:p14="http://schemas.microsoft.com/office/powerpoint/2010/main" val="1403101880"/>
+      </p:ext>
+    </p:extLst>
+  </p:cSld>
+  <p:clrMapOvr>
+    <a:masterClrMapping/>
+  </p:clrMapOvr>
+  <p:timing>
+    <p:tnLst>
+      <p:par>
+        <p:cTn xmlns:p14="http://schemas.microsoft.com/office/powerpoint/2010/main" id="1" dur="indefinite" restart="never" nodeType="tmRoot"/>
+      </p:par>
+    </p:tnLst>
+  </p:timing>
+</p:sld>
+</file>
+
+<file path=ppt/slides/slide7.xml><?xml version="1.0" encoding="utf-8"?>
+<p:sld xmlns:a="http://schemas.openxmlformats.org/drawingml/2006/main" xmlns:r="http://schemas.openxmlformats.org/officeDocument/2006/relationships" xmlns:p="http://schemas.openxmlformats.org/presentationml/2006/main">
+  <p:cSld>
+    <p:spTree>
+      <p:nvGrpSpPr>
+        <p:cNvPr id="1" name=""/>
+        <p:cNvGrpSpPr/>
+        <p:nvPr/>
+      </p:nvGrpSpPr>
+      <p:grpSpPr>
+        <a:xfrm>
+          <a:off x="0" y="0"/>
+          <a:ext cx="0" cy="0"/>
+          <a:chOff x="0" y="0"/>
+          <a:chExt cx="0" cy="0"/>
+        </a:xfrm>
+      </p:grpSpPr>
+      <p:sp>
+        <p:nvSpPr>
+          <p:cNvPr id="19457" name="Rectangle 2"/>
+          <p:cNvSpPr>
+            <a:spLocks noGrp="1" noChangeArrowheads="1"/>
+          </p:cNvSpPr>
+          <p:nvPr>
+            <p:ph type="title"/>
+          </p:nvPr>
+        </p:nvSpPr>
+        <p:spPr>
+          <a:xfrm>
+            <a:off x="152400" y="-26988"/>
+            <a:ext cx="8839200" cy="1143001"/>
+          </a:xfrm>
+        </p:spPr>
+        <p:txBody>
+          <a:bodyPr/>
+          <a:lstStyle/>
+          <a:p>
+            <a:pPr eaLnBrk="1" hangingPunct="1"/>
+            <a:r>
+              <a:rPr lang="en-US" altLang="ko-KR" dirty="0">
+                <a:latin typeface="Calibri" charset="0"/>
+                <a:ea typeface="ＭＳ Ｐゴシック" charset="0"/>
+                <a:cs typeface="ＭＳ Ｐゴシック" charset="0"/>
+              </a:rPr>
+              <a:t>1</a:t>
+            </a:r>
+            <a:r>
+              <a:rPr lang="en-US" altLang="ko-KR" dirty="0" smtClean="0">
+                <a:latin typeface="Calibri" charset="0"/>
+                <a:ea typeface="ＭＳ Ｐゴシック" charset="0"/>
+                <a:cs typeface="ＭＳ Ｐゴシック" charset="0"/>
+              </a:rPr>
+              <a:t>-ii. Obtain </a:t>
+            </a:r>
+            <a:r>
+              <a:rPr lang="en-US" altLang="ko-KR" dirty="0">
+                <a:latin typeface="Calibri" charset="0"/>
+                <a:ea typeface="ＭＳ Ｐゴシック" charset="0"/>
+                <a:cs typeface="ＭＳ Ｐゴシック" charset="0"/>
+              </a:rPr>
+              <a:t>reference genome</a:t>
+            </a:r>
+          </a:p>
+        </p:txBody>
+      </p:sp>
+      <p:sp>
+        <p:nvSpPr>
+          <p:cNvPr id="19458" name="Content Placeholder 6"/>
+          <p:cNvSpPr>
+            <a:spLocks noGrp="1"/>
+          </p:cNvSpPr>
+          <p:nvPr>
+            <p:ph idx="1"/>
+          </p:nvPr>
+        </p:nvSpPr>
+        <p:spPr>
+          <a:xfrm>
+            <a:off x="152400" y="1268413"/>
+            <a:ext cx="8839200" cy="4897437"/>
+          </a:xfrm>
+        </p:spPr>
+        <p:txBody>
+          <a:bodyPr/>
+          <a:lstStyle/>
+          <a:p>
+            <a:r>
+              <a:rPr lang="en-US" dirty="0">
+                <a:latin typeface="Calibri" charset="0"/>
+                <a:ea typeface="ＭＳ Ｐゴシック" charset="0"/>
+              </a:rPr>
+              <a:t>All reference files are obtained from </a:t>
+            </a:r>
+            <a:r>
+              <a:rPr lang="en-US" dirty="0" smtClean="0">
+                <a:latin typeface="Calibri" charset="0"/>
+                <a:ea typeface="ＭＳ Ｐゴシック" charset="0"/>
+              </a:rPr>
+              <a:t>Ensembl</a:t>
+            </a:r>
+            <a:endParaRPr lang="en-US" dirty="0">
+              <a:latin typeface="Calibri" charset="0"/>
+              <a:ea typeface="ＭＳ Ｐゴシック" charset="0"/>
+            </a:endParaRPr>
+          </a:p>
+          <a:p>
+            <a:pPr lvl="1"/>
+            <a:r>
+              <a:rPr lang="en-US" dirty="0">
+                <a:latin typeface="Calibri" charset="0"/>
+                <a:ea typeface="ＭＳ Ｐゴシック" charset="0"/>
+                <a:hlinkClick r:id="rId3" action="ppaction://hlinkfile"/>
+              </a:rPr>
+              <a:t>ftp://ftp.ensembl.org/pub/release-86/fasta/homo_sapiens/dna</a:t>
+            </a:r>
+            <a:r>
+              <a:rPr lang="en-US" dirty="0" smtClean="0">
+                <a:latin typeface="Calibri" charset="0"/>
+                <a:ea typeface="ＭＳ Ｐゴシック" charset="0"/>
+                <a:hlinkClick r:id="rId3" action="ppaction://hlinkfile"/>
+              </a:rPr>
+              <a:t>/</a:t>
+            </a:r>
+            <a:r>
+              <a:rPr lang="en-US" dirty="0" smtClean="0">
+                <a:latin typeface="Calibri" charset="0"/>
+                <a:ea typeface="ＭＳ Ｐゴシック" charset="0"/>
+              </a:rPr>
+              <a:t> </a:t>
+            </a:r>
+            <a:endParaRPr lang="en-US" dirty="0">
+              <a:latin typeface="Calibri" charset="0"/>
+              <a:ea typeface="ＭＳ Ｐゴシック" charset="0"/>
+            </a:endParaRPr>
+          </a:p>
+          <a:p>
+            <a:pPr lvl="1"/>
+            <a:r>
+              <a:rPr lang="en-US" dirty="0" smtClean="0">
+                <a:latin typeface="Calibri" charset="0"/>
+                <a:ea typeface="ＭＳ Ｐゴシック" charset="0"/>
+              </a:rPr>
+              <a:t>This </a:t>
+            </a:r>
+            <a:r>
+              <a:rPr lang="en-US" dirty="0">
+                <a:latin typeface="Calibri" charset="0"/>
+                <a:ea typeface="ＭＳ Ｐゴシック" charset="0"/>
+              </a:rPr>
+              <a:t>step downloads reference human genome files from </a:t>
+            </a:r>
+            <a:r>
+              <a:rPr lang="en-US" dirty="0" smtClean="0">
+                <a:latin typeface="Calibri" charset="0"/>
+                <a:ea typeface="ＭＳ Ｐゴシック" charset="0"/>
+              </a:rPr>
+              <a:t>Ensembl</a:t>
+            </a:r>
+            <a:endParaRPr lang="en-US" dirty="0">
+              <a:latin typeface="Calibri" charset="0"/>
+              <a:ea typeface="ＭＳ Ｐゴシック" charset="0"/>
+            </a:endParaRPr>
+          </a:p>
+          <a:p>
+            <a:pPr lvl="1"/>
+            <a:r>
+              <a:rPr lang="en-US" dirty="0">
+                <a:latin typeface="Calibri" charset="0"/>
+                <a:ea typeface="ＭＳ Ｐゴシック" charset="0"/>
+              </a:rPr>
+              <a:t>The </a:t>
+            </a:r>
+            <a:r>
+              <a:rPr lang="en-US" dirty="0" smtClean="0">
+                <a:latin typeface="Calibri" charset="0"/>
+                <a:ea typeface="ＭＳ Ｐゴシック" charset="0"/>
+              </a:rPr>
+              <a:t>GRCh38 build </a:t>
+            </a:r>
+            <a:r>
+              <a:rPr lang="en-US" dirty="0">
+                <a:latin typeface="Calibri" charset="0"/>
+                <a:ea typeface="ＭＳ Ｐゴシック" charset="0"/>
+              </a:rPr>
+              <a:t>of the human genome is </a:t>
+            </a:r>
+            <a:r>
+              <a:rPr lang="en-US" dirty="0" smtClean="0">
+                <a:latin typeface="Calibri" charset="0"/>
+                <a:ea typeface="ＭＳ Ｐゴシック" charset="0"/>
+              </a:rPr>
+              <a:t>used</a:t>
+            </a:r>
+          </a:p>
+          <a:p>
+            <a:pPr lvl="2"/>
+            <a:r>
+              <a:rPr lang="en-US" dirty="0" smtClean="0">
+                <a:latin typeface="Calibri" charset="0"/>
+                <a:ea typeface="ＭＳ Ｐゴシック" charset="0"/>
+              </a:rPr>
+              <a:t>This is the latest version of the human reference</a:t>
+            </a:r>
+            <a:endParaRPr lang="en-US" dirty="0">
+              <a:latin typeface="Calibri" charset="0"/>
+              <a:ea typeface="ＭＳ Ｐゴシック" charset="0"/>
+            </a:endParaRPr>
+          </a:p>
+          <a:p>
+            <a:r>
+              <a:rPr lang="en-US" dirty="0">
+                <a:latin typeface="Calibri" charset="0"/>
+                <a:ea typeface="ＭＳ Ｐゴシック" charset="0"/>
+              </a:rPr>
+              <a:t>For the tutorial, a single chromosome is </a:t>
+            </a:r>
+            <a:r>
+              <a:rPr lang="en-US" dirty="0" smtClean="0">
+                <a:latin typeface="Calibri" charset="0"/>
+                <a:ea typeface="ＭＳ Ｐゴシック" charset="0"/>
+              </a:rPr>
+              <a:t>used (</a:t>
+            </a:r>
+            <a:r>
+              <a:rPr lang="en-US" dirty="0" err="1" smtClean="0">
+                <a:latin typeface="Calibri" charset="0"/>
+                <a:ea typeface="ＭＳ Ｐゴシック" charset="0"/>
+              </a:rPr>
+              <a:t>chr.</a:t>
+            </a:r>
+            <a:r>
+              <a:rPr lang="en-US" dirty="0" smtClean="0">
+                <a:latin typeface="Calibri" charset="0"/>
+                <a:ea typeface="ＭＳ Ｐゴシック" charset="0"/>
+              </a:rPr>
+              <a:t> 22)</a:t>
+            </a:r>
+            <a:endParaRPr lang="en-US" dirty="0">
+              <a:latin typeface="Calibri" charset="0"/>
+              <a:ea typeface="ＭＳ Ｐゴシック" charset="0"/>
+            </a:endParaRPr>
+          </a:p>
+          <a:p>
+            <a:pPr lvl="1"/>
+            <a:r>
+              <a:rPr lang="en-US" dirty="0">
+                <a:latin typeface="Calibri" charset="0"/>
+                <a:ea typeface="ＭＳ Ｐゴシック" charset="0"/>
+              </a:rPr>
+              <a:t>The reason for this is to reduce run time for the tutorial</a:t>
+            </a:r>
+          </a:p>
+          <a:p>
+            <a:pPr lvl="1"/>
+            <a:r>
+              <a:rPr lang="en-US" dirty="0">
+                <a:latin typeface="Calibri" charset="0"/>
+                <a:ea typeface="ＭＳ Ｐゴシック" charset="0"/>
+              </a:rPr>
+              <a:t>Instructions for downloading all chromosomes are provided</a:t>
+            </a:r>
+          </a:p>
+        </p:txBody>
+      </p:sp>
+    </p:spTree>
+    <p:extLst>
+      <p:ext uri="{BB962C8B-B14F-4D97-AF65-F5344CB8AC3E}">
+        <p14:creationId xmlns:p14="http://schemas.microsoft.com/office/powerpoint/2010/main" val="4035522605"/>
+      </p:ext>
+    </p:extLst>
+  </p:cSld>
+  <p:clrMapOvr>
+    <a:masterClrMapping/>
+  </p:clrMapOvr>
+  <p:timing>
+    <p:tnLst>
+      <p:par>
+        <p:cTn xmlns:p14="http://schemas.microsoft.com/office/powerpoint/2010/main" id="1" dur="indefinite" restart="never" nodeType="tmRoot"/>
+      </p:par>
+    </p:tnLst>
+  </p:timing>
+</p:sld>
+</file>
+
+<file path=ppt/slides/slide8.xml><?xml version="1.0" encoding="utf-8"?>
+<p:sld xmlns:a="http://schemas.openxmlformats.org/drawingml/2006/main" xmlns:r="http://schemas.openxmlformats.org/officeDocument/2006/relationships" xmlns:p="http://schemas.openxmlformats.org/presentationml/2006/main">
+  <p:cSld>
+    <p:spTree>
+      <p:nvGrpSpPr>
+        <p:cNvPr id="1" name=""/>
+        <p:cNvGrpSpPr/>
+        <p:nvPr/>
+      </p:nvGrpSpPr>
+      <p:grpSpPr>
+        <a:xfrm>
+          <a:off x="0" y="0"/>
+          <a:ext cx="0" cy="0"/>
+          <a:chOff x="0" y="0"/>
+          <a:chExt cx="0" cy="0"/>
+        </a:xfrm>
+      </p:grpSpPr>
+      <p:sp>
+        <p:nvSpPr>
+          <p:cNvPr id="21505" name="Rectangle 2"/>
+          <p:cNvSpPr>
+            <a:spLocks noGrp="1" noChangeArrowheads="1"/>
+          </p:cNvSpPr>
+          <p:nvPr>
+            <p:ph type="title"/>
+          </p:nvPr>
+        </p:nvSpPr>
+        <p:spPr>
+          <a:xfrm>
+            <a:off x="152400" y="44450"/>
+            <a:ext cx="8839200" cy="1143000"/>
+          </a:xfrm>
+        </p:spPr>
+        <p:txBody>
+          <a:bodyPr/>
+          <a:lstStyle/>
+          <a:p>
+            <a:pPr eaLnBrk="1" hangingPunct="1"/>
+            <a:r>
+              <a:rPr lang="en-US" altLang="ko-KR" sz="3600" dirty="0">
+                <a:latin typeface="Calibri" charset="0"/>
+                <a:ea typeface="ＭＳ Ｐゴシック" charset="0"/>
+                <a:cs typeface="ＭＳ Ｐゴシック" charset="0"/>
+              </a:rPr>
+              <a:t>1</a:t>
+            </a:r>
+            <a:r>
+              <a:rPr lang="en-US" altLang="ko-KR" sz="3600" dirty="0" smtClean="0">
+                <a:latin typeface="Calibri" charset="0"/>
+                <a:ea typeface="ＭＳ Ｐゴシック" charset="0"/>
+                <a:cs typeface="ＭＳ Ｐゴシック" charset="0"/>
+              </a:rPr>
+              <a:t>-iii. Obtain </a:t>
+            </a:r>
+            <a:r>
+              <a:rPr lang="en-US" altLang="ko-KR" sz="3600" dirty="0">
+                <a:latin typeface="Calibri" charset="0"/>
+                <a:ea typeface="ＭＳ Ｐゴシック" charset="0"/>
+                <a:cs typeface="ＭＳ Ｐゴシック" charset="0"/>
+              </a:rPr>
+              <a:t>known transcript annotations</a:t>
+            </a:r>
+          </a:p>
+        </p:txBody>
+      </p:sp>
+      <p:sp>
+        <p:nvSpPr>
+          <p:cNvPr id="21506" name="Content Placeholder 6"/>
+          <p:cNvSpPr>
+            <a:spLocks noGrp="1"/>
+          </p:cNvSpPr>
+          <p:nvPr>
+            <p:ph idx="1"/>
+          </p:nvPr>
+        </p:nvSpPr>
+        <p:spPr>
+          <a:xfrm>
+            <a:off x="152400" y="1185863"/>
+            <a:ext cx="8839200" cy="4979987"/>
+          </a:xfrm>
+        </p:spPr>
+        <p:txBody>
+          <a:bodyPr/>
+          <a:lstStyle/>
+          <a:p>
+            <a:r>
+              <a:rPr lang="en-US" dirty="0">
+                <a:latin typeface="Calibri" charset="0"/>
+                <a:ea typeface="ＭＳ Ｐゴシック" charset="0"/>
+              </a:rPr>
+              <a:t>All annotation files are obtained from </a:t>
+            </a:r>
+            <a:r>
+              <a:rPr lang="en-US" dirty="0" smtClean="0">
+                <a:latin typeface="Calibri" charset="0"/>
+                <a:ea typeface="ＭＳ Ｐゴシック" charset="0"/>
+              </a:rPr>
+              <a:t>Ensembl</a:t>
+            </a:r>
+            <a:endParaRPr lang="en-US" dirty="0">
+              <a:latin typeface="Calibri" charset="0"/>
+              <a:ea typeface="ＭＳ Ｐゴシック" charset="0"/>
+            </a:endParaRPr>
+          </a:p>
+          <a:p>
+            <a:pPr lvl="1"/>
+            <a:r>
+              <a:rPr lang="en-US" dirty="0">
+                <a:latin typeface="Calibri" charset="0"/>
+                <a:ea typeface="ＭＳ Ｐゴシック" charset="0"/>
+                <a:hlinkClick r:id="rId3"/>
+              </a:rPr>
+              <a:t>http://useast.ensembl.org/info/data/ftp/</a:t>
+            </a:r>
+            <a:r>
+              <a:rPr lang="en-US" dirty="0" smtClean="0">
+                <a:latin typeface="Calibri" charset="0"/>
+                <a:ea typeface="ＭＳ Ｐゴシック" charset="0"/>
+                <a:hlinkClick r:id="rId3"/>
+              </a:rPr>
+              <a:t>index.html</a:t>
+            </a:r>
+            <a:r>
+              <a:rPr lang="en-US" dirty="0" smtClean="0">
+                <a:latin typeface="Calibri" charset="0"/>
+                <a:ea typeface="ＭＳ Ｐゴシック" charset="0"/>
+              </a:rPr>
+              <a:t> </a:t>
+            </a:r>
+          </a:p>
+          <a:p>
+            <a:pPr lvl="1"/>
+            <a:r>
+              <a:rPr lang="en-US" dirty="0" smtClean="0">
+                <a:latin typeface="Calibri" charset="0"/>
+                <a:ea typeface="ＭＳ Ｐゴシック" charset="0"/>
+              </a:rPr>
+              <a:t>There </a:t>
+            </a:r>
+            <a:r>
+              <a:rPr lang="en-US" dirty="0">
+                <a:latin typeface="Calibri" charset="0"/>
+                <a:ea typeface="ＭＳ Ｐゴシック" charset="0"/>
+              </a:rPr>
+              <a:t>are many other ways to obtain gene annotation files. For example:</a:t>
+            </a:r>
+          </a:p>
+          <a:p>
+            <a:pPr lvl="1">
+              <a:lnSpc>
+                <a:spcPct val="90000"/>
+              </a:lnSpc>
+            </a:pPr>
+            <a:r>
+              <a:rPr lang="en-US" dirty="0">
+                <a:latin typeface="Calibri" charset="0"/>
+                <a:ea typeface="ＭＳ Ｐゴシック" charset="0"/>
+              </a:rPr>
+              <a:t>UCSC Genome Browser, </a:t>
+            </a:r>
+            <a:r>
+              <a:rPr lang="en-US" dirty="0" err="1">
+                <a:latin typeface="Calibri" charset="0"/>
+                <a:ea typeface="ＭＳ Ｐゴシック" charset="0"/>
+              </a:rPr>
+              <a:t>Ensembl</a:t>
+            </a:r>
+            <a:r>
+              <a:rPr lang="en-US" dirty="0">
+                <a:latin typeface="Calibri" charset="0"/>
+                <a:ea typeface="ＭＳ Ｐゴシック" charset="0"/>
+              </a:rPr>
+              <a:t> API, </a:t>
+            </a:r>
+            <a:r>
+              <a:rPr lang="en-US" dirty="0" err="1">
+                <a:latin typeface="Calibri" charset="0"/>
+                <a:ea typeface="ＭＳ Ｐゴシック" charset="0"/>
+              </a:rPr>
+              <a:t>BioMart</a:t>
+            </a:r>
+            <a:r>
+              <a:rPr lang="en-US" dirty="0">
+                <a:latin typeface="Calibri" charset="0"/>
+                <a:ea typeface="ＭＳ Ｐゴシック" charset="0"/>
+              </a:rPr>
+              <a:t>, </a:t>
+            </a:r>
+            <a:r>
+              <a:rPr lang="en-US" dirty="0" err="1">
+                <a:latin typeface="Calibri" charset="0"/>
+                <a:ea typeface="ＭＳ Ｐゴシック" charset="0"/>
+              </a:rPr>
+              <a:t>Entrez</a:t>
+            </a:r>
+            <a:r>
+              <a:rPr lang="en-US" dirty="0">
+                <a:latin typeface="Calibri" charset="0"/>
+                <a:ea typeface="ＭＳ Ｐゴシック" charset="0"/>
+              </a:rPr>
+              <a:t>, Galaxy, etc. could also be used</a:t>
+            </a:r>
+          </a:p>
+          <a:p>
+            <a:pPr>
+              <a:lnSpc>
+                <a:spcPct val="90000"/>
+              </a:lnSpc>
+            </a:pPr>
+            <a:r>
+              <a:rPr lang="en-US" dirty="0">
+                <a:latin typeface="Calibri" charset="0"/>
+                <a:ea typeface="ＭＳ Ｐゴシック" charset="0"/>
+              </a:rPr>
+              <a:t>You will download GTF files describing human transcripts (exon coordinates, gene ids, gene symbols, etc.)</a:t>
+            </a:r>
+          </a:p>
+          <a:p>
+            <a:pPr>
+              <a:lnSpc>
+                <a:spcPct val="90000"/>
+              </a:lnSpc>
+            </a:pPr>
+            <a:r>
+              <a:rPr lang="en-US" dirty="0">
+                <a:latin typeface="Calibri" charset="0"/>
+                <a:ea typeface="ＭＳ Ｐゴシック" charset="0"/>
+              </a:rPr>
+              <a:t>Descriptions of the GTF file format can be found here:</a:t>
+            </a:r>
+          </a:p>
+          <a:p>
+            <a:pPr lvl="1">
+              <a:lnSpc>
+                <a:spcPct val="90000"/>
+              </a:lnSpc>
+            </a:pPr>
+            <a:r>
+              <a:rPr lang="en-US" dirty="0">
+                <a:latin typeface="Calibri" charset="0"/>
+                <a:ea typeface="ＭＳ Ｐゴシック" charset="0"/>
+                <a:hlinkClick r:id="rId4"/>
+              </a:rPr>
+              <a:t>http://genome.ucsc.edu/FAQ/FAQformat.html#format4</a:t>
+            </a:r>
+            <a:endParaRPr lang="en-US" dirty="0">
+              <a:latin typeface="Calibri" charset="0"/>
+              <a:ea typeface="ＭＳ Ｐゴシック" charset="0"/>
+            </a:endParaRPr>
+          </a:p>
+        </p:txBody>
+      </p:sp>
+    </p:spTree>
+    <p:extLst>
+      <p:ext uri="{BB962C8B-B14F-4D97-AF65-F5344CB8AC3E}">
+        <p14:creationId xmlns:p14="http://schemas.microsoft.com/office/powerpoint/2010/main" val="3294948500"/>
+      </p:ext>
+    </p:extLst>
+  </p:cSld>
+  <p:clrMapOvr>
+    <a:masterClrMapping/>
+  </p:clrMapOvr>
+  <p:timing>
+    <p:tnLst>
+      <p:par>
+        <p:cTn xmlns:p14="http://schemas.microsoft.com/office/powerpoint/2010/main" id="1" dur="indefinite" restart="never" nodeType="tmRoot"/>
+      </p:par>
+    </p:tnLst>
+  </p:timing>
+</p:sld>
+</file>
+
+<file path=ppt/slides/slide9.xml><?xml version="1.0" encoding="utf-8"?>
+<p:sld xmlns:a="http://schemas.openxmlformats.org/drawingml/2006/main" xmlns:r="http://schemas.openxmlformats.org/officeDocument/2006/relationships" xmlns:p="http://schemas.openxmlformats.org/presentationml/2006/main">
+  <p:cSld>
+    <p:spTree>
+      <p:nvGrpSpPr>
+        <p:cNvPr id="1" name=""/>
+        <p:cNvGrpSpPr/>
+        <p:nvPr/>
+      </p:nvGrpSpPr>
+      <p:grpSpPr>
+        <a:xfrm>
+          <a:off x="0" y="0"/>
+          <a:ext cx="0" cy="0"/>
+          <a:chOff x="0" y="0"/>
+          <a:chExt cx="0" cy="0"/>
+        </a:xfrm>
+      </p:grpSpPr>
+      <p:sp>
+        <p:nvSpPr>
+          <p:cNvPr id="23553" name="Title 1"/>
+          <p:cNvSpPr>
+            <a:spLocks noGrp="1"/>
+          </p:cNvSpPr>
+          <p:nvPr>
+            <p:ph type="title"/>
+          </p:nvPr>
+        </p:nvSpPr>
+        <p:spPr>
+          <a:xfrm>
+            <a:off x="152400" y="44624"/>
+            <a:ext cx="8839200" cy="1143000"/>
+          </a:xfrm>
+        </p:spPr>
+        <p:txBody>
+          <a:bodyPr/>
+          <a:lstStyle/>
+          <a:p>
+            <a:r>
+              <a:rPr lang="en-US" dirty="0">
+                <a:latin typeface="Calibri" charset="0"/>
+                <a:ea typeface="ＭＳ Ｐゴシック" charset="0"/>
+              </a:rPr>
+              <a:t>1</a:t>
+            </a:r>
+            <a:r>
+              <a:rPr lang="en-US" dirty="0" smtClean="0">
+                <a:latin typeface="Calibri" charset="0"/>
+                <a:ea typeface="ＭＳ Ｐゴシック" charset="0"/>
+              </a:rPr>
+              <a:t>-iv. Create </a:t>
+            </a:r>
+            <a:r>
+              <a:rPr lang="en-US" dirty="0">
+                <a:latin typeface="Calibri" charset="0"/>
+                <a:ea typeface="ＭＳ Ｐゴシック" charset="0"/>
+              </a:rPr>
+              <a:t>Indexed reference genome</a:t>
+            </a:r>
+          </a:p>
+        </p:txBody>
+      </p:sp>
+      <p:sp>
+        <p:nvSpPr>
+          <p:cNvPr id="23554" name="Content Placeholder 2"/>
+          <p:cNvSpPr>
+            <a:spLocks noGrp="1"/>
+          </p:cNvSpPr>
+          <p:nvPr>
+            <p:ph idx="1"/>
+          </p:nvPr>
+        </p:nvSpPr>
+        <p:spPr/>
+        <p:txBody>
+          <a:bodyPr/>
+          <a:lstStyle/>
+          <a:p>
+            <a:r>
+              <a:rPr lang="en-US" dirty="0">
+                <a:latin typeface="Calibri" charset="0"/>
+                <a:ea typeface="ＭＳ Ｐゴシック" charset="0"/>
+              </a:rPr>
+              <a:t>Before sequences can be mapped to the genome, it must be </a:t>
+            </a:r>
+            <a:r>
+              <a:rPr lang="ja-JP" altLang="en-US" dirty="0">
+                <a:latin typeface="Calibri" charset="0"/>
+                <a:ea typeface="ＭＳ Ｐゴシック" charset="0"/>
+              </a:rPr>
+              <a:t>‘</a:t>
+            </a:r>
+            <a:r>
+              <a:rPr lang="en-US" altLang="ja-JP" dirty="0">
+                <a:latin typeface="Calibri" charset="0"/>
+                <a:ea typeface="ＭＳ Ｐゴシック" charset="0"/>
+              </a:rPr>
+              <a:t>indexed</a:t>
+            </a:r>
+            <a:r>
+              <a:rPr lang="ja-JP" altLang="en-US" dirty="0">
+                <a:latin typeface="Calibri" charset="0"/>
+                <a:ea typeface="ＭＳ Ｐゴシック" charset="0"/>
+              </a:rPr>
+              <a:t>’</a:t>
+            </a:r>
+            <a:r>
+              <a:rPr lang="en-US" altLang="ja-JP" dirty="0">
+                <a:latin typeface="Calibri" charset="0"/>
+                <a:ea typeface="ＭＳ Ｐゴシック" charset="0"/>
+              </a:rPr>
+              <a:t> in a way that is compatible with the aligner being used</a:t>
+            </a:r>
+          </a:p>
+          <a:p>
+            <a:pPr lvl="1"/>
+            <a:r>
+              <a:rPr lang="en-US" dirty="0" smtClean="0">
+                <a:latin typeface="Calibri" charset="0"/>
+                <a:ea typeface="ＭＳ Ｐゴシック" charset="0"/>
+              </a:rPr>
+              <a:t>Since we are using HISAT2 for alignment, we will need an index built for that purpose</a:t>
+            </a:r>
+          </a:p>
+          <a:p>
+            <a:pPr lvl="1"/>
+            <a:r>
+              <a:rPr lang="en-US" dirty="0" smtClean="0">
+                <a:latin typeface="Calibri" charset="0"/>
+                <a:ea typeface="ＭＳ Ｐゴシック" charset="0"/>
+              </a:rPr>
+              <a:t>Other RNA-seq aligners will have their own indexing utility</a:t>
+            </a:r>
+          </a:p>
+          <a:p>
+            <a:pPr lvl="2"/>
+            <a:r>
+              <a:rPr lang="en-US" dirty="0" smtClean="0">
+                <a:latin typeface="Calibri" charset="0"/>
+                <a:ea typeface="ＭＳ Ｐゴシック" charset="0"/>
+              </a:rPr>
+              <a:t>E.g. </a:t>
+            </a:r>
+            <a:r>
+              <a:rPr lang="en-US" dirty="0" err="1" smtClean="0">
+                <a:latin typeface="Calibri" charset="0"/>
+                <a:ea typeface="ＭＳ Ｐゴシック" charset="0"/>
+              </a:rPr>
+              <a:t>TopHat</a:t>
+            </a:r>
+            <a:r>
+              <a:rPr lang="en-US" dirty="0" smtClean="0">
+                <a:latin typeface="Calibri" charset="0"/>
+                <a:ea typeface="ＭＳ Ｐゴシック" charset="0"/>
+              </a:rPr>
+              <a:t> and STAR. </a:t>
+            </a:r>
+          </a:p>
+          <a:p>
+            <a:pPr lvl="2"/>
+            <a:r>
+              <a:rPr lang="en-US" dirty="0" smtClean="0">
+                <a:latin typeface="Calibri" charset="0"/>
+                <a:ea typeface="ＭＳ Ｐゴシック" charset="0"/>
+              </a:rPr>
+              <a:t>Do not use an index created for another aligner</a:t>
+            </a:r>
+            <a:endParaRPr lang="en-US" dirty="0">
+              <a:latin typeface="Calibri" charset="0"/>
+              <a:ea typeface="ＭＳ Ｐゴシック" charset="0"/>
+            </a:endParaRPr>
+          </a:p>
+        </p:txBody>
+      </p:sp>
+    </p:spTree>
+    <p:extLst>
+      <p:ext uri="{BB962C8B-B14F-4D97-AF65-F5344CB8AC3E}">
+        <p14:creationId xmlns:p14="http://schemas.microsoft.com/office/powerpoint/2010/main" val="1903890627"/>
+      </p:ext>
+    </p:extLst>
   </p:cSld>
   <p:clrMapOvr>
     <a:masterClrMapping/>

--- a/LectureFiles/cshl/2016/RNASeq_Module1_Tutorial.pptx
+++ b/LectureFiles/cshl/2016/RNASeq_Module1_Tutorial.pptx
@@ -154,7 +154,7 @@
   </p:defaultTextStyle>
   <p:extLst>
     <p:ext uri="{EFAFB233-063F-42B5-8137-9DF3F51BA10A}">
-      <p15:sldGuideLst xmlns:p15="http://schemas.microsoft.com/office/powerpoint/2012/main" xmlns="">
+      <p15:sldGuideLst xmlns="" xmlns:p15="http://schemas.microsoft.com/office/powerpoint/2012/main">
         <p15:guide id="1" orient="horz" pos="2160">
           <p15:clr>
             <a:srgbClr val="A4A3A4"/>
@@ -274,7 +274,7 @@
               <a:pPr>
                 <a:defRPr/>
               </a:pPr>
-              <a:t>11/14/16</a:t>
+              <a:t>11/15/16</a:t>
             </a:fld>
             <a:endParaRPr lang="en-US"/>
           </a:p>
@@ -481,7 +481,7 @@
               <a:pPr>
                 <a:defRPr/>
               </a:pPr>
-              <a:t>11/14/16</a:t>
+              <a:t>11/15/16</a:t>
             </a:fld>
             <a:endParaRPr lang="en-US"/>
           </a:p>
@@ -4695,7 +4695,7 @@
               <a:pPr>
                 <a:defRPr/>
               </a:pPr>
-              <a:t>11/14/16</a:t>
+              <a:t>11/15/16</a:t>
             </a:fld>
             <a:endParaRPr lang="en-US"/>
           </a:p>
@@ -6874,7 +6874,7 @@
               <a:t>RNA-</a:t>
             </a:r>
             <a:r>
-              <a:rPr lang="en-US" sz="2000" dirty="0" err="1">
+              <a:rPr lang="en-US" sz="2000" dirty="0">
                 <a:solidFill>
                   <a:schemeClr val="bg1"/>
                 </a:solidFill>
@@ -6884,24 +6884,14 @@
               <a:t>S</a:t>
             </a:r>
             <a:r>
-              <a:rPr lang="en-US" sz="2000" dirty="0" err="1" smtClean="0">
+              <a:rPr lang="en-US" sz="2000" dirty="0" smtClean="0">
                 <a:solidFill>
                   <a:schemeClr val="bg1"/>
                 </a:solidFill>
                 <a:latin typeface="Calibri" charset="0"/>
                 <a:cs typeface="Segoe UI" charset="0"/>
               </a:rPr>
-              <a:t>eq</a:t>
-            </a:r>
-            <a:r>
-              <a:rPr lang="en-US" sz="2000" dirty="0" smtClean="0">
-                <a:solidFill>
-                  <a:schemeClr val="bg1"/>
-                </a:solidFill>
-                <a:latin typeface="Calibri" charset="0"/>
-                <a:cs typeface="Segoe UI" charset="0"/>
-              </a:rPr>
-              <a:t> Module </a:t>
+              <a:t>eq Module </a:t>
             </a:r>
             <a:r>
               <a:rPr lang="en-US" sz="2000" dirty="0">
@@ -6930,7 +6920,17 @@
                 <a:latin typeface="Calibri" charset="0"/>
                 <a:cs typeface="Segoe UI" charset="0"/>
               </a:rPr>
-              <a:t>Introduction to RNA sequencing (lecture)</a:t>
+              <a:t>Introduction to RNA sequencing </a:t>
+            </a:r>
+            <a:r>
+              <a:rPr lang="en-US" sz="2000" smtClean="0">
+                <a:solidFill>
+                  <a:schemeClr val="bg1"/>
+                </a:solidFill>
+                <a:latin typeface="Calibri" charset="0"/>
+                <a:cs typeface="Segoe UI" charset="0"/>
+              </a:rPr>
+              <a:t>(tutorial)</a:t>
             </a:r>
             <a:endParaRPr lang="en-US" sz="1800" b="1" dirty="0">
               <a:solidFill>
@@ -7357,14 +7357,7 @@
                 <a:latin typeface="Calibri" charset="0"/>
                 <a:ea typeface="ＭＳ Ｐゴシック" charset="0"/>
               </a:rPr>
-              <a:t>, </a:t>
-            </a:r>
-            <a:r>
-              <a:rPr lang="en-US" dirty="0" smtClean="0">
-                <a:latin typeface="Calibri" charset="0"/>
-                <a:ea typeface="ＭＳ Ｐゴシック" charset="0"/>
-              </a:rPr>
-              <a:t>…)</a:t>
+              <a:t>, …)</a:t>
             </a:r>
             <a:endParaRPr lang="en-US" dirty="0">
               <a:latin typeface="Calibri" charset="0"/>
